--- a/자료/Report template/Report for exercise or homework.pptx
+++ b/자료/Report template/Report for exercise or homework.pptx
@@ -8,7 +8,13 @@
     <p:sldId id="256" r:id="rId2"/>
     <p:sldId id="257" r:id="rId3"/>
     <p:sldId id="258" r:id="rId4"/>
-    <p:sldId id="261" r:id="rId5"/>
+    <p:sldId id="262" r:id="rId5"/>
+    <p:sldId id="265" r:id="rId6"/>
+    <p:sldId id="267" r:id="rId7"/>
+    <p:sldId id="269" r:id="rId8"/>
+    <p:sldId id="261" r:id="rId9"/>
+    <p:sldId id="263" r:id="rId10"/>
+    <p:sldId id="264" r:id="rId11"/>
   </p:sldIdLst>
   <p:sldSz cx="12192000" cy="6858000"/>
   <p:notesSz cx="6858000" cy="9144000"/>
@@ -115,6 +121,14 @@
 </p:presentation>
 </file>
 
+<file path=ppt/revisionInfo.xml><?xml version="1.0" encoding="utf-8"?>
+<p1510:revInfo xmlns:a="http://schemas.openxmlformats.org/drawingml/2006/main" xmlns:r="http://schemas.openxmlformats.org/officeDocument/2006/relationships" xmlns:p1510="http://schemas.microsoft.com/office/powerpoint/2015/10/main">
+  <p1510:revLst>
+    <p1510:client id="{AFEA1B79-F6AC-479C-B05C-5F732118937B}" v="16" dt="2023-03-07T17:49:03.098"/>
+  </p1510:revLst>
+</p1510:revInfo>
+</file>
+
 <file path=ppt/slideLayouts/slideLayout1.xml><?xml version="1.0" encoding="utf-8"?>
 <p:sldLayout xmlns:a="http://schemas.openxmlformats.org/drawingml/2006/main" xmlns:r="http://schemas.openxmlformats.org/officeDocument/2006/relationships" xmlns:p="http://schemas.openxmlformats.org/presentationml/2006/main" type="title" preserve="1">
   <p:cSld name="제목 슬라이드">
@@ -262,7 +276,7 @@
           <a:p>
             <a:fld id="{B7A77B98-40B9-4033-B9F9-E9499CADF412}" type="datetimeFigureOut">
               <a:rPr lang="ko-KR" altLang="en-US" smtClean="0"/>
-              <a:t>2023-02-21</a:t>
+              <a:t>2023-03-08</a:t>
             </a:fld>
             <a:endParaRPr lang="ko-KR" altLang="en-US"/>
           </a:p>
@@ -460,7 +474,7 @@
           <a:p>
             <a:fld id="{B7A77B98-40B9-4033-B9F9-E9499CADF412}" type="datetimeFigureOut">
               <a:rPr lang="ko-KR" altLang="en-US" smtClean="0"/>
-              <a:t>2023-02-21</a:t>
+              <a:t>2023-03-08</a:t>
             </a:fld>
             <a:endParaRPr lang="ko-KR" altLang="en-US"/>
           </a:p>
@@ -668,7 +682,7 @@
           <a:p>
             <a:fld id="{B7A77B98-40B9-4033-B9F9-E9499CADF412}" type="datetimeFigureOut">
               <a:rPr lang="ko-KR" altLang="en-US" smtClean="0"/>
-              <a:t>2023-02-21</a:t>
+              <a:t>2023-03-08</a:t>
             </a:fld>
             <a:endParaRPr lang="ko-KR" altLang="en-US"/>
           </a:p>
@@ -866,7 +880,7 @@
           <a:p>
             <a:fld id="{B7A77B98-40B9-4033-B9F9-E9499CADF412}" type="datetimeFigureOut">
               <a:rPr lang="ko-KR" altLang="en-US" smtClean="0"/>
-              <a:t>2023-02-21</a:t>
+              <a:t>2023-03-08</a:t>
             </a:fld>
             <a:endParaRPr lang="ko-KR" altLang="en-US"/>
           </a:p>
@@ -1141,7 +1155,7 @@
           <a:p>
             <a:fld id="{B7A77B98-40B9-4033-B9F9-E9499CADF412}" type="datetimeFigureOut">
               <a:rPr lang="ko-KR" altLang="en-US" smtClean="0"/>
-              <a:t>2023-02-21</a:t>
+              <a:t>2023-03-08</a:t>
             </a:fld>
             <a:endParaRPr lang="ko-KR" altLang="en-US"/>
           </a:p>
@@ -1406,7 +1420,7 @@
           <a:p>
             <a:fld id="{B7A77B98-40B9-4033-B9F9-E9499CADF412}" type="datetimeFigureOut">
               <a:rPr lang="ko-KR" altLang="en-US" smtClean="0"/>
-              <a:t>2023-02-21</a:t>
+              <a:t>2023-03-08</a:t>
             </a:fld>
             <a:endParaRPr lang="ko-KR" altLang="en-US"/>
           </a:p>
@@ -1818,7 +1832,7 @@
           <a:p>
             <a:fld id="{B7A77B98-40B9-4033-B9F9-E9499CADF412}" type="datetimeFigureOut">
               <a:rPr lang="ko-KR" altLang="en-US" smtClean="0"/>
-              <a:t>2023-02-21</a:t>
+              <a:t>2023-03-08</a:t>
             </a:fld>
             <a:endParaRPr lang="ko-KR" altLang="en-US"/>
           </a:p>
@@ -1959,7 +1973,7 @@
           <a:p>
             <a:fld id="{B7A77B98-40B9-4033-B9F9-E9499CADF412}" type="datetimeFigureOut">
               <a:rPr lang="ko-KR" altLang="en-US" smtClean="0"/>
-              <a:t>2023-02-21</a:t>
+              <a:t>2023-03-08</a:t>
             </a:fld>
             <a:endParaRPr lang="ko-KR" altLang="en-US"/>
           </a:p>
@@ -2072,7 +2086,7 @@
           <a:p>
             <a:fld id="{B7A77B98-40B9-4033-B9F9-E9499CADF412}" type="datetimeFigureOut">
               <a:rPr lang="ko-KR" altLang="en-US" smtClean="0"/>
-              <a:t>2023-02-21</a:t>
+              <a:t>2023-03-08</a:t>
             </a:fld>
             <a:endParaRPr lang="ko-KR" altLang="en-US"/>
           </a:p>
@@ -2383,7 +2397,7 @@
           <a:p>
             <a:fld id="{B7A77B98-40B9-4033-B9F9-E9499CADF412}" type="datetimeFigureOut">
               <a:rPr lang="ko-KR" altLang="en-US" smtClean="0"/>
-              <a:t>2023-02-21</a:t>
+              <a:t>2023-03-08</a:t>
             </a:fld>
             <a:endParaRPr lang="ko-KR" altLang="en-US"/>
           </a:p>
@@ -2671,7 +2685,7 @@
           <a:p>
             <a:fld id="{B7A77B98-40B9-4033-B9F9-E9499CADF412}" type="datetimeFigureOut">
               <a:rPr lang="ko-KR" altLang="en-US" smtClean="0"/>
-              <a:t>2023-02-21</a:t>
+              <a:t>2023-03-08</a:t>
             </a:fld>
             <a:endParaRPr lang="ko-KR" altLang="en-US"/>
           </a:p>
@@ -2912,7 +2926,7 @@
           <a:p>
             <a:fld id="{B7A77B98-40B9-4033-B9F9-E9499CADF412}" type="datetimeFigureOut">
               <a:rPr lang="ko-KR" altLang="en-US" smtClean="0"/>
-              <a:t>2023-02-21</a:t>
+              <a:t>2023-03-08</a:t>
             </a:fld>
             <a:endParaRPr lang="ko-KR" altLang="en-US"/>
           </a:p>
@@ -3359,7 +3373,7 @@
           <a:p>
             <a:r>
               <a:rPr lang="en-US" altLang="ko-KR" sz="5400" dirty="0"/>
-              <a:t>Exercise/homework number</a:t>
+              <a:t>Exercise A</a:t>
             </a:r>
             <a:endParaRPr lang="ko-KR" altLang="en-US" sz="5400" dirty="0"/>
           </a:p>
@@ -3388,13 +3402,21 @@
           <a:p>
             <a:r>
               <a:rPr lang="en-US" altLang="ko-KR" dirty="0"/>
-              <a:t>Your student ID</a:t>
+              <a:t>2021315385</a:t>
             </a:r>
           </a:p>
           <a:p>
             <a:r>
               <a:rPr lang="en-US" altLang="ko-KR" dirty="0"/>
-              <a:t>Your name</a:t>
+              <a:t> </a:t>
+            </a:r>
+            <a:r>
+              <a:rPr lang="ko-KR" altLang="en-US" dirty="0"/>
+              <a:t>이건 </a:t>
+            </a:r>
+            <a:r>
+              <a:rPr lang="en-US" altLang="ko-KR" dirty="0"/>
+              <a:t>/ Gun Daniel Lee</a:t>
             </a:r>
             <a:endParaRPr lang="ko-KR" altLang="en-US" dirty="0"/>
           </a:p>
@@ -3404,6 +3426,72 @@
     <p:extLst>
       <p:ext uri="{BB962C8B-B14F-4D97-AF65-F5344CB8AC3E}">
         <p14:creationId xmlns:p14="http://schemas.microsoft.com/office/powerpoint/2010/main" val="3240586920"/>
+      </p:ext>
+    </p:extLst>
+  </p:cSld>
+  <p:clrMapOvr>
+    <a:masterClrMapping/>
+  </p:clrMapOvr>
+</p:sld>
+</file>
+
+<file path=ppt/slides/slide10.xml><?xml version="1.0" encoding="utf-8"?>
+<p:sld xmlns:a="http://schemas.openxmlformats.org/drawingml/2006/main" xmlns:r="http://schemas.openxmlformats.org/officeDocument/2006/relationships" xmlns:p="http://schemas.openxmlformats.org/presentationml/2006/main">
+  <p:cSld>
+    <p:spTree>
+      <p:nvGrpSpPr>
+        <p:cNvPr id="1" name=""/>
+        <p:cNvGrpSpPr/>
+        <p:nvPr/>
+      </p:nvGrpSpPr>
+      <p:grpSpPr>
+        <a:xfrm>
+          <a:off x="0" y="0"/>
+          <a:ext cx="0" cy="0"/>
+          <a:chOff x="0" y="0"/>
+          <a:chExt cx="0" cy="0"/>
+        </a:xfrm>
+      </p:grpSpPr>
+      <p:sp>
+        <p:nvSpPr>
+          <p:cNvPr id="2" name="제목 1">
+            <a:extLst>
+              <a:ext uri="{FF2B5EF4-FFF2-40B4-BE49-F238E27FC236}">
+                <a16:creationId xmlns:a16="http://schemas.microsoft.com/office/drawing/2014/main" id="{9548E58D-BA9D-4171-8A3F-F65138A50A60}"/>
+              </a:ext>
+            </a:extLst>
+          </p:cNvPr>
+          <p:cNvSpPr>
+            <a:spLocks noGrp="1"/>
+          </p:cNvSpPr>
+          <p:nvPr>
+            <p:ph type="ctrTitle"/>
+          </p:nvPr>
+        </p:nvSpPr>
+        <p:spPr>
+          <a:xfrm>
+            <a:off x="1524000" y="2421227"/>
+            <a:ext cx="9144000" cy="1407477"/>
+          </a:xfrm>
+        </p:spPr>
+        <p:txBody>
+          <a:bodyPr>
+            <a:normAutofit/>
+          </a:bodyPr>
+          <a:lstStyle/>
+          <a:p>
+            <a:r>
+              <a:rPr lang="en-US" altLang="ko-KR" sz="5400" dirty="0"/>
+              <a:t>Thank you!</a:t>
+            </a:r>
+            <a:endParaRPr lang="ko-KR" altLang="en-US" sz="5400" dirty="0"/>
+          </a:p>
+        </p:txBody>
+      </p:sp>
+    </p:spTree>
+    <p:extLst>
+      <p:ext uri="{BB962C8B-B14F-4D97-AF65-F5344CB8AC3E}">
+        <p14:creationId xmlns:p14="http://schemas.microsoft.com/office/powerpoint/2010/main" val="2021090025"/>
       </p:ext>
     </p:extLst>
   </p:cSld>
@@ -3482,15 +3570,25 @@
           <a:p>
             <a:r>
               <a:rPr lang="en-US" altLang="ko-KR" dirty="0"/>
-              <a:t>Explain the problem.</a:t>
-            </a:r>
-          </a:p>
-          <a:p>
+              <a:t>Finding a single value</a:t>
+            </a:r>
+            <a:r>
+              <a:rPr lang="en-US" altLang="ko-KR" i="1" dirty="0"/>
+              <a:t> k</a:t>
+            </a:r>
             <a:r>
               <a:rPr lang="en-US" altLang="ko-KR" dirty="0"/>
-              <a:t>You can use multiple slides.</a:t>
-            </a:r>
-            <a:endParaRPr lang="ko-KR" altLang="en-US" dirty="0"/>
+              <a:t> efficiently in a sorted N*N matrix (ascending order)</a:t>
+            </a:r>
+          </a:p>
+          <a:p>
+            <a:endParaRPr lang="en-US" altLang="ko-KR" dirty="0"/>
+          </a:p>
+          <a:p>
+            <a:r>
+              <a:rPr lang="en-US" altLang="ko-KR" dirty="0"/>
+              <a:t>Considering a search method that has the least elements accessed as its worst case</a:t>
+            </a:r>
           </a:p>
         </p:txBody>
       </p:sp>
@@ -3571,33 +3669,79 @@
         </p:nvSpPr>
         <p:spPr/>
         <p:txBody>
-          <a:bodyPr/>
+          <a:bodyPr>
+            <a:normAutofit/>
+          </a:bodyPr>
           <a:lstStyle/>
           <a:p>
             <a:r>
               <a:rPr lang="en-US" altLang="ko-KR" dirty="0"/>
-              <a:t>Explain your solution</a:t>
+              <a:t>“Ladder” method</a:t>
             </a:r>
           </a:p>
           <a:p>
             <a:pPr lvl="1"/>
             <a:r>
               <a:rPr lang="en-US" altLang="ko-KR" dirty="0"/>
-              <a:t>With an example and </a:t>
+              <a:t>Idea based on the additional material given during the first week</a:t>
             </a:r>
           </a:p>
           <a:p>
             <a:pPr lvl="1"/>
+            <a:endParaRPr lang="en-US" altLang="ko-KR" dirty="0"/>
+          </a:p>
+          <a:p>
             <a:r>
               <a:rPr lang="en-US" altLang="ko-KR" dirty="0"/>
-              <a:t>With your code (may not be applicable to exercise)</a:t>
-            </a:r>
-          </a:p>
-          <a:p>
+              <a:t>Step-by-Step process</a:t>
+            </a:r>
+          </a:p>
+          <a:p>
+            <a:pPr lvl="1"/>
             <a:r>
               <a:rPr lang="en-US" altLang="ko-KR" dirty="0"/>
-              <a:t>You can use multiple slides.</a:t>
-            </a:r>
+              <a:t>Comparison of the needed value and elements, starting with the bottom-left element of the matrix</a:t>
+            </a:r>
+          </a:p>
+          <a:p>
+            <a:pPr lvl="1"/>
+            <a:r>
+              <a:rPr lang="en-US" altLang="ko-KR" dirty="0"/>
+              <a:t>Take</a:t>
+            </a:r>
+            <a:r>
+              <a:rPr lang="en-US" altLang="ko-KR" b="1" i="1" dirty="0"/>
+              <a:t> one step up </a:t>
+            </a:r>
+            <a:r>
+              <a:rPr lang="en-US" altLang="ko-KR" dirty="0"/>
+              <a:t>if the needed value is less than the current element</a:t>
+            </a:r>
+          </a:p>
+          <a:p>
+            <a:pPr lvl="1"/>
+            <a:r>
+              <a:rPr lang="en-US" altLang="ko-KR" dirty="0"/>
+              <a:t>Take </a:t>
+            </a:r>
+            <a:r>
+              <a:rPr lang="en-US" altLang="ko-KR" b="1" i="1" dirty="0"/>
+              <a:t>one step to the right</a:t>
+            </a:r>
+            <a:r>
+              <a:rPr lang="en-US" altLang="ko-KR" dirty="0"/>
+              <a:t> if the needed value is greater than the current element</a:t>
+            </a:r>
+            <a:endParaRPr lang="en-US" altLang="ko-KR" b="1" i="1" dirty="0"/>
+          </a:p>
+          <a:p>
+            <a:pPr lvl="1"/>
+            <a:endParaRPr lang="en-US" altLang="ko-KR" dirty="0"/>
+          </a:p>
+          <a:p>
+            <a:pPr marL="457200" lvl="1" indent="0">
+              <a:buNone/>
+            </a:pPr>
             <a:endParaRPr lang="ko-KR" altLang="en-US" dirty="0"/>
           </a:p>
           <a:p>
@@ -3640,7 +3784,7 @@
           <p:cNvPr id="2" name="제목 1">
             <a:extLst>
               <a:ext uri="{FF2B5EF4-FFF2-40B4-BE49-F238E27FC236}">
-                <a16:creationId xmlns:a16="http://schemas.microsoft.com/office/drawing/2014/main" id="{298D9384-1A78-4243-AAD9-3E424BB0B186}"/>
+                <a16:creationId xmlns:a16="http://schemas.microsoft.com/office/drawing/2014/main" id="{9F8CD7E5-D0ED-4CE6-9E0F-73F3F28383E7}"/>
               </a:ext>
             </a:extLst>
           </p:cNvPr>
@@ -3658,7 +3802,7 @@
           <a:p>
             <a:r>
               <a:rPr lang="en-US" altLang="ko-KR" dirty="0"/>
-              <a:t>Solution analysis (optional)</a:t>
+              <a:t>Solution explanation</a:t>
             </a:r>
             <a:endParaRPr lang="ko-KR" altLang="en-US" dirty="0"/>
           </a:p>
@@ -3669,7 +3813,7 @@
           <p:cNvPr id="3" name="내용 개체 틀 2">
             <a:extLst>
               <a:ext uri="{FF2B5EF4-FFF2-40B4-BE49-F238E27FC236}">
-                <a16:creationId xmlns:a16="http://schemas.microsoft.com/office/drawing/2014/main" id="{C3003A86-BFE0-45DE-9CDC-7D03B4B552D4}"/>
+                <a16:creationId xmlns:a16="http://schemas.microsoft.com/office/drawing/2014/main" id="{8282CF88-3667-4B1B-9BAC-ED7303E7B57E}"/>
               </a:ext>
             </a:extLst>
           </p:cNvPr>
@@ -3682,33 +3826,21 @@
         </p:nvSpPr>
         <p:spPr/>
         <p:txBody>
-          <a:bodyPr/>
+          <a:bodyPr>
+            <a:normAutofit/>
+          </a:bodyPr>
           <a:lstStyle/>
           <a:p>
             <a:r>
               <a:rPr lang="en-US" altLang="ko-KR" dirty="0"/>
-              <a:t>If you want, analyze your solution.</a:t>
+              <a:t>Example:</a:t>
             </a:r>
           </a:p>
           <a:p>
             <a:pPr lvl="1"/>
             <a:r>
               <a:rPr lang="en-US" altLang="ko-KR" dirty="0"/>
-              <a:t>For example, explain pros and cons of your solution.</a:t>
-            </a:r>
-          </a:p>
-          <a:p>
-            <a:pPr lvl="1"/>
-            <a:r>
-              <a:rPr lang="en-US" altLang="ko-KR" dirty="0"/>
-              <a:t>For example, explain which inputs are favorable to your solution.</a:t>
-            </a:r>
-          </a:p>
-          <a:p>
-            <a:pPr lvl="1"/>
-            <a:r>
-              <a:rPr lang="en-US" altLang="ko-KR" dirty="0"/>
-              <a:t>For example, analyze efficiency of your solution in terms of time and/or space.</a:t>
+              <a:t>Find k = 10</a:t>
             </a:r>
           </a:p>
           <a:p>
@@ -3716,14 +3848,1882 @@
             <a:endParaRPr lang="en-US" altLang="ko-KR" dirty="0"/>
           </a:p>
           <a:p>
+            <a:pPr lvl="1"/>
+            <a:endParaRPr lang="ko-KR" altLang="en-US" dirty="0"/>
+          </a:p>
+        </p:txBody>
+      </p:sp>
+      <p:graphicFrame>
+        <p:nvGraphicFramePr>
+          <p:cNvPr id="4" name="Table 4">
+            <a:extLst>
+              <a:ext uri="{FF2B5EF4-FFF2-40B4-BE49-F238E27FC236}">
+                <a16:creationId xmlns:a16="http://schemas.microsoft.com/office/drawing/2014/main" id="{1A4635B0-29C6-6324-CA87-3BDDB144D280}"/>
+              </a:ext>
+            </a:extLst>
+          </p:cNvPr>
+          <p:cNvGraphicFramePr>
+            <a:graphicFrameLocks noGrp="1"/>
+          </p:cNvGraphicFramePr>
+          <p:nvPr>
+            <p:extLst>
+              <p:ext uri="{D42A27DB-BD31-4B8C-83A1-F6EECF244321}">
+                <p14:modId xmlns:p14="http://schemas.microsoft.com/office/powerpoint/2010/main" val="739607344"/>
+              </p:ext>
+            </p:extLst>
+          </p:nvPr>
+        </p:nvGraphicFramePr>
+        <p:xfrm>
+          <a:off x="5641108" y="2229798"/>
+          <a:ext cx="5328228" cy="3542992"/>
+        </p:xfrm>
+        <a:graphic>
+          <a:graphicData uri="http://schemas.openxmlformats.org/drawingml/2006/table">
+            <a:tbl>
+              <a:tblPr bandRow="1">
+                <a:tableStyleId>{073A0DAA-6AF3-43AB-8588-CEC1D06C72B9}</a:tableStyleId>
+              </a:tblPr>
+              <a:tblGrid>
+                <a:gridCol w="1332057">
+                  <a:extLst>
+                    <a:ext uri="{9D8B030D-6E8A-4147-A177-3AD203B41FA5}">
+                      <a16:colId xmlns:a16="http://schemas.microsoft.com/office/drawing/2014/main" val="3865691098"/>
+                    </a:ext>
+                  </a:extLst>
+                </a:gridCol>
+                <a:gridCol w="1332057">
+                  <a:extLst>
+                    <a:ext uri="{9D8B030D-6E8A-4147-A177-3AD203B41FA5}">
+                      <a16:colId xmlns:a16="http://schemas.microsoft.com/office/drawing/2014/main" val="2604290067"/>
+                    </a:ext>
+                  </a:extLst>
+                </a:gridCol>
+                <a:gridCol w="1332057">
+                  <a:extLst>
+                    <a:ext uri="{9D8B030D-6E8A-4147-A177-3AD203B41FA5}">
+                      <a16:colId xmlns:a16="http://schemas.microsoft.com/office/drawing/2014/main" val="2259957559"/>
+                    </a:ext>
+                  </a:extLst>
+                </a:gridCol>
+                <a:gridCol w="1332057">
+                  <a:extLst>
+                    <a:ext uri="{9D8B030D-6E8A-4147-A177-3AD203B41FA5}">
+                      <a16:colId xmlns:a16="http://schemas.microsoft.com/office/drawing/2014/main" val="797990127"/>
+                    </a:ext>
+                  </a:extLst>
+                </a:gridCol>
+              </a:tblGrid>
+              <a:tr h="876616">
+                <a:tc>
+                  <a:txBody>
+                    <a:bodyPr/>
+                    <a:lstStyle/>
+                    <a:p>
+                      <a:pPr algn="ctr" latinLnBrk="1"/>
+                      <a:r>
+                        <a:rPr lang="en-US" altLang="ko-KR" sz="2400" dirty="0"/>
+                        <a:t>1</a:t>
+                      </a:r>
+                      <a:endParaRPr lang="ko-KR" altLang="en-US" sz="2400" dirty="0"/>
+                    </a:p>
+                  </a:txBody>
+                  <a:tcPr/>
+                </a:tc>
+                <a:tc>
+                  <a:txBody>
+                    <a:bodyPr/>
+                    <a:lstStyle/>
+                    <a:p>
+                      <a:pPr algn="ctr" latinLnBrk="1"/>
+                      <a:r>
+                        <a:rPr lang="en-US" altLang="ko-KR" dirty="0"/>
+                        <a:t>2</a:t>
+                      </a:r>
+                      <a:endParaRPr lang="ko-KR" altLang="en-US" dirty="0"/>
+                    </a:p>
+                  </a:txBody>
+                  <a:tcPr/>
+                </a:tc>
+                <a:tc>
+                  <a:txBody>
+                    <a:bodyPr/>
+                    <a:lstStyle/>
+                    <a:p>
+                      <a:pPr algn="ctr" latinLnBrk="1"/>
+                      <a:r>
+                        <a:rPr lang="en-US" altLang="ko-KR" dirty="0"/>
+                        <a:t>3</a:t>
+                      </a:r>
+                      <a:endParaRPr lang="ko-KR" altLang="en-US" dirty="0"/>
+                    </a:p>
+                  </a:txBody>
+                  <a:tcPr/>
+                </a:tc>
+                <a:tc>
+                  <a:txBody>
+                    <a:bodyPr/>
+                    <a:lstStyle/>
+                    <a:p>
+                      <a:pPr algn="ctr" latinLnBrk="1"/>
+                      <a:r>
+                        <a:rPr lang="en-US" altLang="ko-KR" dirty="0"/>
+                        <a:t>4</a:t>
+                      </a:r>
+                      <a:endParaRPr lang="ko-KR" altLang="en-US" dirty="0"/>
+                    </a:p>
+                  </a:txBody>
+                  <a:tcPr/>
+                </a:tc>
+                <a:extLst>
+                  <a:ext uri="{0D108BD9-81ED-4DB2-BD59-A6C34878D82A}">
+                    <a16:rowId xmlns:a16="http://schemas.microsoft.com/office/drawing/2014/main" val="900030714"/>
+                  </a:ext>
+                </a:extLst>
+              </a:tr>
+              <a:tr h="888792">
+                <a:tc>
+                  <a:txBody>
+                    <a:bodyPr/>
+                    <a:lstStyle/>
+                    <a:p>
+                      <a:pPr algn="ctr" latinLnBrk="1"/>
+                      <a:r>
+                        <a:rPr lang="en-US" altLang="ko-KR" dirty="0"/>
+                        <a:t>5</a:t>
+                      </a:r>
+                      <a:endParaRPr lang="ko-KR" altLang="en-US" dirty="0"/>
+                    </a:p>
+                  </a:txBody>
+                  <a:tcPr/>
+                </a:tc>
+                <a:tc>
+                  <a:txBody>
+                    <a:bodyPr/>
+                    <a:lstStyle/>
+                    <a:p>
+                      <a:pPr algn="ctr" latinLnBrk="1"/>
+                      <a:r>
+                        <a:rPr lang="en-US" altLang="ko-KR" dirty="0"/>
+                        <a:t>6</a:t>
+                      </a:r>
+                      <a:endParaRPr lang="ko-KR" altLang="en-US" dirty="0"/>
+                    </a:p>
+                  </a:txBody>
+                  <a:tcPr/>
+                </a:tc>
+                <a:tc>
+                  <a:txBody>
+                    <a:bodyPr/>
+                    <a:lstStyle/>
+                    <a:p>
+                      <a:pPr algn="ctr" latinLnBrk="1"/>
+                      <a:r>
+                        <a:rPr lang="en-US" altLang="ko-KR" dirty="0"/>
+                        <a:t>7</a:t>
+                      </a:r>
+                      <a:endParaRPr lang="ko-KR" altLang="en-US" dirty="0"/>
+                    </a:p>
+                  </a:txBody>
+                  <a:tcPr/>
+                </a:tc>
+                <a:tc>
+                  <a:txBody>
+                    <a:bodyPr/>
+                    <a:lstStyle/>
+                    <a:p>
+                      <a:pPr algn="ctr" latinLnBrk="1"/>
+                      <a:r>
+                        <a:rPr lang="en-US" altLang="ko-KR" dirty="0"/>
+                        <a:t>8</a:t>
+                      </a:r>
+                      <a:endParaRPr lang="ko-KR" altLang="en-US" dirty="0"/>
+                    </a:p>
+                  </a:txBody>
+                  <a:tcPr/>
+                </a:tc>
+                <a:extLst>
+                  <a:ext uri="{0D108BD9-81ED-4DB2-BD59-A6C34878D82A}">
+                    <a16:rowId xmlns:a16="http://schemas.microsoft.com/office/drawing/2014/main" val="1933267427"/>
+                  </a:ext>
+                </a:extLst>
+              </a:tr>
+              <a:tr h="888792">
+                <a:tc>
+                  <a:txBody>
+                    <a:bodyPr/>
+                    <a:lstStyle/>
+                    <a:p>
+                      <a:pPr algn="ctr" latinLnBrk="1"/>
+                      <a:r>
+                        <a:rPr lang="en-US" altLang="ko-KR" dirty="0"/>
+                        <a:t>9</a:t>
+                      </a:r>
+                      <a:endParaRPr lang="ko-KR" altLang="en-US" dirty="0"/>
+                    </a:p>
+                  </a:txBody>
+                  <a:tcPr/>
+                </a:tc>
+                <a:tc>
+                  <a:txBody>
+                    <a:bodyPr/>
+                    <a:lstStyle/>
+                    <a:p>
+                      <a:pPr algn="ctr" latinLnBrk="1"/>
+                      <a:r>
+                        <a:rPr lang="en-US" altLang="ko-KR" dirty="0"/>
+                        <a:t>10</a:t>
+                      </a:r>
+                      <a:endParaRPr lang="ko-KR" altLang="en-US" dirty="0"/>
+                    </a:p>
+                  </a:txBody>
+                  <a:tcPr/>
+                </a:tc>
+                <a:tc>
+                  <a:txBody>
+                    <a:bodyPr/>
+                    <a:lstStyle/>
+                    <a:p>
+                      <a:pPr algn="ctr" latinLnBrk="1"/>
+                      <a:r>
+                        <a:rPr lang="en-US" altLang="ko-KR" dirty="0"/>
+                        <a:t>11</a:t>
+                      </a:r>
+                      <a:endParaRPr lang="ko-KR" altLang="en-US" dirty="0"/>
+                    </a:p>
+                  </a:txBody>
+                  <a:tcPr/>
+                </a:tc>
+                <a:tc>
+                  <a:txBody>
+                    <a:bodyPr/>
+                    <a:lstStyle/>
+                    <a:p>
+                      <a:pPr algn="ctr" latinLnBrk="1"/>
+                      <a:r>
+                        <a:rPr lang="en-US" altLang="ko-KR" dirty="0"/>
+                        <a:t>12</a:t>
+                      </a:r>
+                      <a:endParaRPr lang="ko-KR" altLang="en-US" dirty="0"/>
+                    </a:p>
+                  </a:txBody>
+                  <a:tcPr/>
+                </a:tc>
+                <a:extLst>
+                  <a:ext uri="{0D108BD9-81ED-4DB2-BD59-A6C34878D82A}">
+                    <a16:rowId xmlns:a16="http://schemas.microsoft.com/office/drawing/2014/main" val="2523083022"/>
+                  </a:ext>
+                </a:extLst>
+              </a:tr>
+              <a:tr h="888792">
+                <a:tc>
+                  <a:txBody>
+                    <a:bodyPr/>
+                    <a:lstStyle/>
+                    <a:p>
+                      <a:pPr algn="ctr" latinLnBrk="1"/>
+                      <a:r>
+                        <a:rPr lang="en-US" altLang="ko-KR" dirty="0"/>
+                        <a:t>13</a:t>
+                      </a:r>
+                      <a:endParaRPr lang="ko-KR" altLang="en-US" dirty="0"/>
+                    </a:p>
+                  </a:txBody>
+                  <a:tcPr/>
+                </a:tc>
+                <a:tc>
+                  <a:txBody>
+                    <a:bodyPr/>
+                    <a:lstStyle/>
+                    <a:p>
+                      <a:pPr algn="ctr" latinLnBrk="1"/>
+                      <a:r>
+                        <a:rPr lang="en-US" altLang="ko-KR" dirty="0"/>
+                        <a:t>14</a:t>
+                      </a:r>
+                      <a:endParaRPr lang="ko-KR" altLang="en-US" dirty="0"/>
+                    </a:p>
+                  </a:txBody>
+                  <a:tcPr/>
+                </a:tc>
+                <a:tc>
+                  <a:txBody>
+                    <a:bodyPr/>
+                    <a:lstStyle/>
+                    <a:p>
+                      <a:pPr algn="ctr" latinLnBrk="1"/>
+                      <a:r>
+                        <a:rPr lang="en-US" altLang="ko-KR" dirty="0"/>
+                        <a:t>15</a:t>
+                      </a:r>
+                      <a:endParaRPr lang="ko-KR" altLang="en-US" dirty="0"/>
+                    </a:p>
+                  </a:txBody>
+                  <a:tcPr/>
+                </a:tc>
+                <a:tc>
+                  <a:txBody>
+                    <a:bodyPr/>
+                    <a:lstStyle/>
+                    <a:p>
+                      <a:pPr algn="ctr" latinLnBrk="1"/>
+                      <a:r>
+                        <a:rPr lang="en-US" altLang="ko-KR" dirty="0"/>
+                        <a:t>16</a:t>
+                      </a:r>
+                      <a:endParaRPr lang="ko-KR" altLang="en-US" dirty="0"/>
+                    </a:p>
+                  </a:txBody>
+                  <a:tcPr/>
+                </a:tc>
+                <a:extLst>
+                  <a:ext uri="{0D108BD9-81ED-4DB2-BD59-A6C34878D82A}">
+                    <a16:rowId xmlns:a16="http://schemas.microsoft.com/office/drawing/2014/main" val="4202676172"/>
+                  </a:ext>
+                </a:extLst>
+              </a:tr>
+            </a:tbl>
+          </a:graphicData>
+        </a:graphic>
+      </p:graphicFrame>
+    </p:spTree>
+    <p:extLst>
+      <p:ext uri="{BB962C8B-B14F-4D97-AF65-F5344CB8AC3E}">
+        <p14:creationId xmlns:p14="http://schemas.microsoft.com/office/powerpoint/2010/main" val="1290432964"/>
+      </p:ext>
+    </p:extLst>
+  </p:cSld>
+  <p:clrMapOvr>
+    <a:masterClrMapping/>
+  </p:clrMapOvr>
+</p:sld>
+</file>
+
+<file path=ppt/slides/slide5.xml><?xml version="1.0" encoding="utf-8"?>
+<p:sld xmlns:a="http://schemas.openxmlformats.org/drawingml/2006/main" xmlns:r="http://schemas.openxmlformats.org/officeDocument/2006/relationships" xmlns:p="http://schemas.openxmlformats.org/presentationml/2006/main">
+  <p:cSld>
+    <p:spTree>
+      <p:nvGrpSpPr>
+        <p:cNvPr id="1" name=""/>
+        <p:cNvGrpSpPr/>
+        <p:nvPr/>
+      </p:nvGrpSpPr>
+      <p:grpSpPr>
+        <a:xfrm>
+          <a:off x="0" y="0"/>
+          <a:ext cx="0" cy="0"/>
+          <a:chOff x="0" y="0"/>
+          <a:chExt cx="0" cy="0"/>
+        </a:xfrm>
+      </p:grpSpPr>
+      <p:sp>
+        <p:nvSpPr>
+          <p:cNvPr id="2" name="제목 1">
+            <a:extLst>
+              <a:ext uri="{FF2B5EF4-FFF2-40B4-BE49-F238E27FC236}">
+                <a16:creationId xmlns:a16="http://schemas.microsoft.com/office/drawing/2014/main" id="{9F8CD7E5-D0ED-4CE6-9E0F-73F3F28383E7}"/>
+              </a:ext>
+            </a:extLst>
+          </p:cNvPr>
+          <p:cNvSpPr>
+            <a:spLocks noGrp="1"/>
+          </p:cNvSpPr>
+          <p:nvPr>
+            <p:ph type="title"/>
+          </p:nvPr>
+        </p:nvSpPr>
+        <p:spPr/>
+        <p:txBody>
+          <a:bodyPr/>
+          <a:lstStyle/>
+          <a:p>
             <a:r>
               <a:rPr lang="en-US" altLang="ko-KR" dirty="0"/>
-              <a:t>You can use multiple slides.</a:t>
+              <a:t>Solution explanation</a:t>
             </a:r>
             <a:endParaRPr lang="ko-KR" altLang="en-US" dirty="0"/>
           </a:p>
-          <a:p>
+        </p:txBody>
+      </p:sp>
+      <p:sp>
+        <p:nvSpPr>
+          <p:cNvPr id="3" name="내용 개체 틀 2">
+            <a:extLst>
+              <a:ext uri="{FF2B5EF4-FFF2-40B4-BE49-F238E27FC236}">
+                <a16:creationId xmlns:a16="http://schemas.microsoft.com/office/drawing/2014/main" id="{8282CF88-3667-4B1B-9BAC-ED7303E7B57E}"/>
+              </a:ext>
+            </a:extLst>
+          </p:cNvPr>
+          <p:cNvSpPr>
+            <a:spLocks noGrp="1"/>
+          </p:cNvSpPr>
+          <p:nvPr>
+            <p:ph idx="1"/>
+          </p:nvPr>
+        </p:nvSpPr>
+        <p:spPr/>
+        <p:txBody>
+          <a:bodyPr>
+            <a:normAutofit/>
+          </a:bodyPr>
+          <a:lstStyle/>
+          <a:p>
+            <a:r>
+              <a:rPr lang="en-US" altLang="ko-KR" dirty="0"/>
+              <a:t>Example:</a:t>
+            </a:r>
+          </a:p>
+          <a:p>
+            <a:pPr lvl="1"/>
+            <a:r>
+              <a:rPr lang="en-US" altLang="ko-KR" dirty="0"/>
+              <a:t>Find k = 10</a:t>
+            </a:r>
+          </a:p>
+          <a:p>
+            <a:pPr lvl="1"/>
+            <a:endParaRPr lang="en-US" altLang="ko-KR" dirty="0"/>
+          </a:p>
+          <a:p>
+            <a:pPr lvl="1"/>
+            <a:r>
+              <a:rPr lang="en-US" altLang="ko-KR" dirty="0"/>
+              <a:t>k &lt; 13</a:t>
+            </a:r>
+          </a:p>
+          <a:p>
+            <a:pPr lvl="1"/>
+            <a:endParaRPr lang="en-US" altLang="ko-KR" dirty="0"/>
+          </a:p>
+          <a:p>
+            <a:pPr lvl="1"/>
+            <a:r>
+              <a:rPr lang="en-US" altLang="ko-KR" dirty="0"/>
+              <a:t>Move one step up</a:t>
+            </a:r>
+          </a:p>
+          <a:p>
+            <a:pPr lvl="1"/>
+            <a:endParaRPr lang="en-US" altLang="ko-KR" dirty="0"/>
+          </a:p>
+          <a:p>
+            <a:pPr lvl="1"/>
+            <a:endParaRPr lang="en-US" altLang="ko-KR" dirty="0"/>
+          </a:p>
+          <a:p>
+            <a:pPr lvl="1"/>
             <a:endParaRPr lang="ko-KR" altLang="en-US" dirty="0"/>
+          </a:p>
+        </p:txBody>
+      </p:sp>
+      <p:graphicFrame>
+        <p:nvGraphicFramePr>
+          <p:cNvPr id="4" name="Table 4">
+            <a:extLst>
+              <a:ext uri="{FF2B5EF4-FFF2-40B4-BE49-F238E27FC236}">
+                <a16:creationId xmlns:a16="http://schemas.microsoft.com/office/drawing/2014/main" id="{1A4635B0-29C6-6324-CA87-3BDDB144D280}"/>
+              </a:ext>
+            </a:extLst>
+          </p:cNvPr>
+          <p:cNvGraphicFramePr>
+            <a:graphicFrameLocks noGrp="1"/>
+          </p:cNvGraphicFramePr>
+          <p:nvPr>
+            <p:extLst>
+              <p:ext uri="{D42A27DB-BD31-4B8C-83A1-F6EECF244321}">
+                <p14:modId xmlns:p14="http://schemas.microsoft.com/office/powerpoint/2010/main" val="965478080"/>
+              </p:ext>
+            </p:extLst>
+          </p:nvPr>
+        </p:nvGraphicFramePr>
+        <p:xfrm>
+          <a:off x="5641108" y="2229798"/>
+          <a:ext cx="5328228" cy="3542992"/>
+        </p:xfrm>
+        <a:graphic>
+          <a:graphicData uri="http://schemas.openxmlformats.org/drawingml/2006/table">
+            <a:tbl>
+              <a:tblPr bandRow="1">
+                <a:tableStyleId>{073A0DAA-6AF3-43AB-8588-CEC1D06C72B9}</a:tableStyleId>
+              </a:tblPr>
+              <a:tblGrid>
+                <a:gridCol w="1332057">
+                  <a:extLst>
+                    <a:ext uri="{9D8B030D-6E8A-4147-A177-3AD203B41FA5}">
+                      <a16:colId xmlns:a16="http://schemas.microsoft.com/office/drawing/2014/main" val="3865691098"/>
+                    </a:ext>
+                  </a:extLst>
+                </a:gridCol>
+                <a:gridCol w="1332057">
+                  <a:extLst>
+                    <a:ext uri="{9D8B030D-6E8A-4147-A177-3AD203B41FA5}">
+                      <a16:colId xmlns:a16="http://schemas.microsoft.com/office/drawing/2014/main" val="2604290067"/>
+                    </a:ext>
+                  </a:extLst>
+                </a:gridCol>
+                <a:gridCol w="1332057">
+                  <a:extLst>
+                    <a:ext uri="{9D8B030D-6E8A-4147-A177-3AD203B41FA5}">
+                      <a16:colId xmlns:a16="http://schemas.microsoft.com/office/drawing/2014/main" val="2259957559"/>
+                    </a:ext>
+                  </a:extLst>
+                </a:gridCol>
+                <a:gridCol w="1332057">
+                  <a:extLst>
+                    <a:ext uri="{9D8B030D-6E8A-4147-A177-3AD203B41FA5}">
+                      <a16:colId xmlns:a16="http://schemas.microsoft.com/office/drawing/2014/main" val="797990127"/>
+                    </a:ext>
+                  </a:extLst>
+                </a:gridCol>
+              </a:tblGrid>
+              <a:tr h="876616">
+                <a:tc>
+                  <a:txBody>
+                    <a:bodyPr/>
+                    <a:lstStyle/>
+                    <a:p>
+                      <a:pPr algn="ctr" latinLnBrk="1"/>
+                      <a:r>
+                        <a:rPr lang="en-US" altLang="ko-KR" sz="2400" dirty="0"/>
+                        <a:t>1</a:t>
+                      </a:r>
+                      <a:endParaRPr lang="ko-KR" altLang="en-US" sz="2400" dirty="0"/>
+                    </a:p>
+                  </a:txBody>
+                  <a:tcPr/>
+                </a:tc>
+                <a:tc>
+                  <a:txBody>
+                    <a:bodyPr/>
+                    <a:lstStyle/>
+                    <a:p>
+                      <a:pPr algn="ctr" latinLnBrk="1"/>
+                      <a:r>
+                        <a:rPr lang="en-US" altLang="ko-KR" dirty="0"/>
+                        <a:t>2</a:t>
+                      </a:r>
+                      <a:endParaRPr lang="ko-KR" altLang="en-US" dirty="0"/>
+                    </a:p>
+                  </a:txBody>
+                  <a:tcPr/>
+                </a:tc>
+                <a:tc>
+                  <a:txBody>
+                    <a:bodyPr/>
+                    <a:lstStyle/>
+                    <a:p>
+                      <a:pPr algn="ctr" latinLnBrk="1"/>
+                      <a:r>
+                        <a:rPr lang="en-US" altLang="ko-KR" dirty="0"/>
+                        <a:t>3</a:t>
+                      </a:r>
+                      <a:endParaRPr lang="ko-KR" altLang="en-US" dirty="0"/>
+                    </a:p>
+                  </a:txBody>
+                  <a:tcPr/>
+                </a:tc>
+                <a:tc>
+                  <a:txBody>
+                    <a:bodyPr/>
+                    <a:lstStyle/>
+                    <a:p>
+                      <a:pPr algn="ctr" latinLnBrk="1"/>
+                      <a:r>
+                        <a:rPr lang="en-US" altLang="ko-KR" dirty="0"/>
+                        <a:t>4</a:t>
+                      </a:r>
+                      <a:endParaRPr lang="ko-KR" altLang="en-US" dirty="0"/>
+                    </a:p>
+                  </a:txBody>
+                  <a:tcPr/>
+                </a:tc>
+                <a:extLst>
+                  <a:ext uri="{0D108BD9-81ED-4DB2-BD59-A6C34878D82A}">
+                    <a16:rowId xmlns:a16="http://schemas.microsoft.com/office/drawing/2014/main" val="900030714"/>
+                  </a:ext>
+                </a:extLst>
+              </a:tr>
+              <a:tr h="888792">
+                <a:tc>
+                  <a:txBody>
+                    <a:bodyPr/>
+                    <a:lstStyle/>
+                    <a:p>
+                      <a:pPr algn="ctr" latinLnBrk="1"/>
+                      <a:r>
+                        <a:rPr lang="en-US" altLang="ko-KR" dirty="0"/>
+                        <a:t>5</a:t>
+                      </a:r>
+                      <a:endParaRPr lang="ko-KR" altLang="en-US" dirty="0"/>
+                    </a:p>
+                  </a:txBody>
+                  <a:tcPr/>
+                </a:tc>
+                <a:tc>
+                  <a:txBody>
+                    <a:bodyPr/>
+                    <a:lstStyle/>
+                    <a:p>
+                      <a:pPr algn="ctr" latinLnBrk="1"/>
+                      <a:r>
+                        <a:rPr lang="en-US" altLang="ko-KR" dirty="0"/>
+                        <a:t>6</a:t>
+                      </a:r>
+                      <a:endParaRPr lang="ko-KR" altLang="en-US" dirty="0"/>
+                    </a:p>
+                  </a:txBody>
+                  <a:tcPr/>
+                </a:tc>
+                <a:tc>
+                  <a:txBody>
+                    <a:bodyPr/>
+                    <a:lstStyle/>
+                    <a:p>
+                      <a:pPr algn="ctr" latinLnBrk="1"/>
+                      <a:r>
+                        <a:rPr lang="en-US" altLang="ko-KR" dirty="0"/>
+                        <a:t>7</a:t>
+                      </a:r>
+                      <a:endParaRPr lang="ko-KR" altLang="en-US" dirty="0"/>
+                    </a:p>
+                  </a:txBody>
+                  <a:tcPr/>
+                </a:tc>
+                <a:tc>
+                  <a:txBody>
+                    <a:bodyPr/>
+                    <a:lstStyle/>
+                    <a:p>
+                      <a:pPr algn="ctr" latinLnBrk="1"/>
+                      <a:r>
+                        <a:rPr lang="en-US" altLang="ko-KR" dirty="0"/>
+                        <a:t>8</a:t>
+                      </a:r>
+                      <a:endParaRPr lang="ko-KR" altLang="en-US" dirty="0"/>
+                    </a:p>
+                  </a:txBody>
+                  <a:tcPr/>
+                </a:tc>
+                <a:extLst>
+                  <a:ext uri="{0D108BD9-81ED-4DB2-BD59-A6C34878D82A}">
+                    <a16:rowId xmlns:a16="http://schemas.microsoft.com/office/drawing/2014/main" val="1933267427"/>
+                  </a:ext>
+                </a:extLst>
+              </a:tr>
+              <a:tr h="888792">
+                <a:tc>
+                  <a:txBody>
+                    <a:bodyPr/>
+                    <a:lstStyle/>
+                    <a:p>
+                      <a:pPr algn="ctr" latinLnBrk="1"/>
+                      <a:r>
+                        <a:rPr lang="en-US" altLang="ko-KR" dirty="0"/>
+                        <a:t>9</a:t>
+                      </a:r>
+                      <a:endParaRPr lang="ko-KR" altLang="en-US" dirty="0"/>
+                    </a:p>
+                  </a:txBody>
+                  <a:tcPr/>
+                </a:tc>
+                <a:tc>
+                  <a:txBody>
+                    <a:bodyPr/>
+                    <a:lstStyle/>
+                    <a:p>
+                      <a:pPr algn="ctr" latinLnBrk="1"/>
+                      <a:r>
+                        <a:rPr lang="en-US" altLang="ko-KR" dirty="0"/>
+                        <a:t>10</a:t>
+                      </a:r>
+                      <a:endParaRPr lang="ko-KR" altLang="en-US" dirty="0"/>
+                    </a:p>
+                  </a:txBody>
+                  <a:tcPr/>
+                </a:tc>
+                <a:tc>
+                  <a:txBody>
+                    <a:bodyPr/>
+                    <a:lstStyle/>
+                    <a:p>
+                      <a:pPr algn="ctr" latinLnBrk="1"/>
+                      <a:r>
+                        <a:rPr lang="en-US" altLang="ko-KR" dirty="0"/>
+                        <a:t>11</a:t>
+                      </a:r>
+                      <a:endParaRPr lang="ko-KR" altLang="en-US" dirty="0"/>
+                    </a:p>
+                  </a:txBody>
+                  <a:tcPr/>
+                </a:tc>
+                <a:tc>
+                  <a:txBody>
+                    <a:bodyPr/>
+                    <a:lstStyle/>
+                    <a:p>
+                      <a:pPr algn="ctr" latinLnBrk="1"/>
+                      <a:r>
+                        <a:rPr lang="en-US" altLang="ko-KR" dirty="0"/>
+                        <a:t>12</a:t>
+                      </a:r>
+                      <a:endParaRPr lang="ko-KR" altLang="en-US" dirty="0"/>
+                    </a:p>
+                  </a:txBody>
+                  <a:tcPr/>
+                </a:tc>
+                <a:extLst>
+                  <a:ext uri="{0D108BD9-81ED-4DB2-BD59-A6C34878D82A}">
+                    <a16:rowId xmlns:a16="http://schemas.microsoft.com/office/drawing/2014/main" val="2523083022"/>
+                  </a:ext>
+                </a:extLst>
+              </a:tr>
+              <a:tr h="888792">
+                <a:tc>
+                  <a:txBody>
+                    <a:bodyPr/>
+                    <a:lstStyle/>
+                    <a:p>
+                      <a:pPr algn="ctr" latinLnBrk="1"/>
+                      <a:r>
+                        <a:rPr lang="en-US" altLang="ko-KR" dirty="0"/>
+                        <a:t>13</a:t>
+                      </a:r>
+                      <a:endParaRPr lang="ko-KR" altLang="en-US" dirty="0"/>
+                    </a:p>
+                  </a:txBody>
+                  <a:tcPr>
+                    <a:solidFill>
+                      <a:schemeClr val="accent2"/>
+                    </a:solidFill>
+                  </a:tcPr>
+                </a:tc>
+                <a:tc>
+                  <a:txBody>
+                    <a:bodyPr/>
+                    <a:lstStyle/>
+                    <a:p>
+                      <a:pPr algn="ctr" latinLnBrk="1"/>
+                      <a:r>
+                        <a:rPr lang="en-US" altLang="ko-KR" dirty="0"/>
+                        <a:t>14</a:t>
+                      </a:r>
+                      <a:endParaRPr lang="ko-KR" altLang="en-US" dirty="0"/>
+                    </a:p>
+                  </a:txBody>
+                  <a:tcPr/>
+                </a:tc>
+                <a:tc>
+                  <a:txBody>
+                    <a:bodyPr/>
+                    <a:lstStyle/>
+                    <a:p>
+                      <a:pPr algn="ctr" latinLnBrk="1"/>
+                      <a:r>
+                        <a:rPr lang="en-US" altLang="ko-KR" dirty="0"/>
+                        <a:t>15</a:t>
+                      </a:r>
+                      <a:endParaRPr lang="ko-KR" altLang="en-US" dirty="0"/>
+                    </a:p>
+                  </a:txBody>
+                  <a:tcPr/>
+                </a:tc>
+                <a:tc>
+                  <a:txBody>
+                    <a:bodyPr/>
+                    <a:lstStyle/>
+                    <a:p>
+                      <a:pPr algn="ctr" latinLnBrk="1"/>
+                      <a:r>
+                        <a:rPr lang="en-US" altLang="ko-KR" dirty="0"/>
+                        <a:t>16</a:t>
+                      </a:r>
+                      <a:endParaRPr lang="ko-KR" altLang="en-US" dirty="0"/>
+                    </a:p>
+                  </a:txBody>
+                  <a:tcPr/>
+                </a:tc>
+                <a:extLst>
+                  <a:ext uri="{0D108BD9-81ED-4DB2-BD59-A6C34878D82A}">
+                    <a16:rowId xmlns:a16="http://schemas.microsoft.com/office/drawing/2014/main" val="4202676172"/>
+                  </a:ext>
+                </a:extLst>
+              </a:tr>
+            </a:tbl>
+          </a:graphicData>
+        </a:graphic>
+      </p:graphicFrame>
+    </p:spTree>
+    <p:extLst>
+      <p:ext uri="{BB962C8B-B14F-4D97-AF65-F5344CB8AC3E}">
+        <p14:creationId xmlns:p14="http://schemas.microsoft.com/office/powerpoint/2010/main" val="3379090351"/>
+      </p:ext>
+    </p:extLst>
+  </p:cSld>
+  <p:clrMapOvr>
+    <a:masterClrMapping/>
+  </p:clrMapOvr>
+</p:sld>
+</file>
+
+<file path=ppt/slides/slide6.xml><?xml version="1.0" encoding="utf-8"?>
+<p:sld xmlns:a="http://schemas.openxmlformats.org/drawingml/2006/main" xmlns:r="http://schemas.openxmlformats.org/officeDocument/2006/relationships" xmlns:p="http://schemas.openxmlformats.org/presentationml/2006/main">
+  <p:cSld>
+    <p:spTree>
+      <p:nvGrpSpPr>
+        <p:cNvPr id="1" name=""/>
+        <p:cNvGrpSpPr/>
+        <p:nvPr/>
+      </p:nvGrpSpPr>
+      <p:grpSpPr>
+        <a:xfrm>
+          <a:off x="0" y="0"/>
+          <a:ext cx="0" cy="0"/>
+          <a:chOff x="0" y="0"/>
+          <a:chExt cx="0" cy="0"/>
+        </a:xfrm>
+      </p:grpSpPr>
+      <p:sp>
+        <p:nvSpPr>
+          <p:cNvPr id="2" name="제목 1">
+            <a:extLst>
+              <a:ext uri="{FF2B5EF4-FFF2-40B4-BE49-F238E27FC236}">
+                <a16:creationId xmlns:a16="http://schemas.microsoft.com/office/drawing/2014/main" id="{9F8CD7E5-D0ED-4CE6-9E0F-73F3F28383E7}"/>
+              </a:ext>
+            </a:extLst>
+          </p:cNvPr>
+          <p:cNvSpPr>
+            <a:spLocks noGrp="1"/>
+          </p:cNvSpPr>
+          <p:nvPr>
+            <p:ph type="title"/>
+          </p:nvPr>
+        </p:nvSpPr>
+        <p:spPr/>
+        <p:txBody>
+          <a:bodyPr/>
+          <a:lstStyle/>
+          <a:p>
+            <a:r>
+              <a:rPr lang="en-US" altLang="ko-KR" dirty="0"/>
+              <a:t>Solution explanation</a:t>
+            </a:r>
+            <a:endParaRPr lang="ko-KR" altLang="en-US" dirty="0"/>
+          </a:p>
+        </p:txBody>
+      </p:sp>
+      <p:sp>
+        <p:nvSpPr>
+          <p:cNvPr id="3" name="내용 개체 틀 2">
+            <a:extLst>
+              <a:ext uri="{FF2B5EF4-FFF2-40B4-BE49-F238E27FC236}">
+                <a16:creationId xmlns:a16="http://schemas.microsoft.com/office/drawing/2014/main" id="{8282CF88-3667-4B1B-9BAC-ED7303E7B57E}"/>
+              </a:ext>
+            </a:extLst>
+          </p:cNvPr>
+          <p:cNvSpPr>
+            <a:spLocks noGrp="1"/>
+          </p:cNvSpPr>
+          <p:nvPr>
+            <p:ph idx="1"/>
+          </p:nvPr>
+        </p:nvSpPr>
+        <p:spPr/>
+        <p:txBody>
+          <a:bodyPr>
+            <a:normAutofit/>
+          </a:bodyPr>
+          <a:lstStyle/>
+          <a:p>
+            <a:r>
+              <a:rPr lang="en-US" altLang="ko-KR" dirty="0"/>
+              <a:t>Example:</a:t>
+            </a:r>
+          </a:p>
+          <a:p>
+            <a:pPr lvl="1"/>
+            <a:r>
+              <a:rPr lang="en-US" altLang="ko-KR" dirty="0"/>
+              <a:t>Find k = 10</a:t>
+            </a:r>
+          </a:p>
+          <a:p>
+            <a:pPr lvl="1"/>
+            <a:endParaRPr lang="en-US" altLang="ko-KR" dirty="0"/>
+          </a:p>
+          <a:p>
+            <a:pPr lvl="1"/>
+            <a:r>
+              <a:rPr lang="en-US" altLang="ko-KR" dirty="0"/>
+              <a:t>k &gt; 9</a:t>
+            </a:r>
+          </a:p>
+          <a:p>
+            <a:pPr lvl="1"/>
+            <a:endParaRPr lang="en-US" altLang="ko-KR" dirty="0"/>
+          </a:p>
+          <a:p>
+            <a:pPr lvl="1"/>
+            <a:r>
+              <a:rPr lang="en-US" altLang="ko-KR" dirty="0"/>
+              <a:t>Move one step to the right</a:t>
+            </a:r>
+          </a:p>
+          <a:p>
+            <a:pPr lvl="1"/>
+            <a:endParaRPr lang="en-US" altLang="ko-KR" dirty="0"/>
+          </a:p>
+          <a:p>
+            <a:pPr lvl="1"/>
+            <a:endParaRPr lang="ko-KR" altLang="en-US" dirty="0"/>
+          </a:p>
+        </p:txBody>
+      </p:sp>
+      <p:graphicFrame>
+        <p:nvGraphicFramePr>
+          <p:cNvPr id="4" name="Table 4">
+            <a:extLst>
+              <a:ext uri="{FF2B5EF4-FFF2-40B4-BE49-F238E27FC236}">
+                <a16:creationId xmlns:a16="http://schemas.microsoft.com/office/drawing/2014/main" id="{1A4635B0-29C6-6324-CA87-3BDDB144D280}"/>
+              </a:ext>
+            </a:extLst>
+          </p:cNvPr>
+          <p:cNvGraphicFramePr>
+            <a:graphicFrameLocks noGrp="1"/>
+          </p:cNvGraphicFramePr>
+          <p:nvPr>
+            <p:extLst>
+              <p:ext uri="{D42A27DB-BD31-4B8C-83A1-F6EECF244321}">
+                <p14:modId xmlns:p14="http://schemas.microsoft.com/office/powerpoint/2010/main" val="134693405"/>
+              </p:ext>
+            </p:extLst>
+          </p:nvPr>
+        </p:nvGraphicFramePr>
+        <p:xfrm>
+          <a:off x="5641108" y="2229798"/>
+          <a:ext cx="5328228" cy="3542992"/>
+        </p:xfrm>
+        <a:graphic>
+          <a:graphicData uri="http://schemas.openxmlformats.org/drawingml/2006/table">
+            <a:tbl>
+              <a:tblPr bandRow="1">
+                <a:tableStyleId>{073A0DAA-6AF3-43AB-8588-CEC1D06C72B9}</a:tableStyleId>
+              </a:tblPr>
+              <a:tblGrid>
+                <a:gridCol w="1332057">
+                  <a:extLst>
+                    <a:ext uri="{9D8B030D-6E8A-4147-A177-3AD203B41FA5}">
+                      <a16:colId xmlns:a16="http://schemas.microsoft.com/office/drawing/2014/main" val="3865691098"/>
+                    </a:ext>
+                  </a:extLst>
+                </a:gridCol>
+                <a:gridCol w="1332057">
+                  <a:extLst>
+                    <a:ext uri="{9D8B030D-6E8A-4147-A177-3AD203B41FA5}">
+                      <a16:colId xmlns:a16="http://schemas.microsoft.com/office/drawing/2014/main" val="2604290067"/>
+                    </a:ext>
+                  </a:extLst>
+                </a:gridCol>
+                <a:gridCol w="1332057">
+                  <a:extLst>
+                    <a:ext uri="{9D8B030D-6E8A-4147-A177-3AD203B41FA5}">
+                      <a16:colId xmlns:a16="http://schemas.microsoft.com/office/drawing/2014/main" val="2259957559"/>
+                    </a:ext>
+                  </a:extLst>
+                </a:gridCol>
+                <a:gridCol w="1332057">
+                  <a:extLst>
+                    <a:ext uri="{9D8B030D-6E8A-4147-A177-3AD203B41FA5}">
+                      <a16:colId xmlns:a16="http://schemas.microsoft.com/office/drawing/2014/main" val="797990127"/>
+                    </a:ext>
+                  </a:extLst>
+                </a:gridCol>
+              </a:tblGrid>
+              <a:tr h="876616">
+                <a:tc>
+                  <a:txBody>
+                    <a:bodyPr/>
+                    <a:lstStyle/>
+                    <a:p>
+                      <a:pPr algn="ctr" latinLnBrk="1"/>
+                      <a:r>
+                        <a:rPr lang="en-US" altLang="ko-KR" sz="2400" dirty="0"/>
+                        <a:t>1</a:t>
+                      </a:r>
+                      <a:endParaRPr lang="ko-KR" altLang="en-US" sz="2400" dirty="0"/>
+                    </a:p>
+                  </a:txBody>
+                  <a:tcPr/>
+                </a:tc>
+                <a:tc>
+                  <a:txBody>
+                    <a:bodyPr/>
+                    <a:lstStyle/>
+                    <a:p>
+                      <a:pPr algn="ctr" latinLnBrk="1"/>
+                      <a:r>
+                        <a:rPr lang="en-US" altLang="ko-KR" dirty="0"/>
+                        <a:t>2</a:t>
+                      </a:r>
+                      <a:endParaRPr lang="ko-KR" altLang="en-US" dirty="0"/>
+                    </a:p>
+                  </a:txBody>
+                  <a:tcPr/>
+                </a:tc>
+                <a:tc>
+                  <a:txBody>
+                    <a:bodyPr/>
+                    <a:lstStyle/>
+                    <a:p>
+                      <a:pPr algn="ctr" latinLnBrk="1"/>
+                      <a:r>
+                        <a:rPr lang="en-US" altLang="ko-KR" dirty="0"/>
+                        <a:t>3</a:t>
+                      </a:r>
+                      <a:endParaRPr lang="ko-KR" altLang="en-US" dirty="0"/>
+                    </a:p>
+                  </a:txBody>
+                  <a:tcPr/>
+                </a:tc>
+                <a:tc>
+                  <a:txBody>
+                    <a:bodyPr/>
+                    <a:lstStyle/>
+                    <a:p>
+                      <a:pPr algn="ctr" latinLnBrk="1"/>
+                      <a:r>
+                        <a:rPr lang="en-US" altLang="ko-KR" dirty="0"/>
+                        <a:t>4</a:t>
+                      </a:r>
+                      <a:endParaRPr lang="ko-KR" altLang="en-US" dirty="0"/>
+                    </a:p>
+                  </a:txBody>
+                  <a:tcPr/>
+                </a:tc>
+                <a:extLst>
+                  <a:ext uri="{0D108BD9-81ED-4DB2-BD59-A6C34878D82A}">
+                    <a16:rowId xmlns:a16="http://schemas.microsoft.com/office/drawing/2014/main" val="900030714"/>
+                  </a:ext>
+                </a:extLst>
+              </a:tr>
+              <a:tr h="888792">
+                <a:tc>
+                  <a:txBody>
+                    <a:bodyPr/>
+                    <a:lstStyle/>
+                    <a:p>
+                      <a:pPr algn="ctr" latinLnBrk="1"/>
+                      <a:r>
+                        <a:rPr lang="en-US" altLang="ko-KR" dirty="0"/>
+                        <a:t>5</a:t>
+                      </a:r>
+                      <a:endParaRPr lang="ko-KR" altLang="en-US" dirty="0"/>
+                    </a:p>
+                  </a:txBody>
+                  <a:tcPr/>
+                </a:tc>
+                <a:tc>
+                  <a:txBody>
+                    <a:bodyPr/>
+                    <a:lstStyle/>
+                    <a:p>
+                      <a:pPr algn="ctr" latinLnBrk="1"/>
+                      <a:r>
+                        <a:rPr lang="en-US" altLang="ko-KR" dirty="0"/>
+                        <a:t>6</a:t>
+                      </a:r>
+                      <a:endParaRPr lang="ko-KR" altLang="en-US" dirty="0"/>
+                    </a:p>
+                  </a:txBody>
+                  <a:tcPr/>
+                </a:tc>
+                <a:tc>
+                  <a:txBody>
+                    <a:bodyPr/>
+                    <a:lstStyle/>
+                    <a:p>
+                      <a:pPr algn="ctr" latinLnBrk="1"/>
+                      <a:r>
+                        <a:rPr lang="en-US" altLang="ko-KR" dirty="0"/>
+                        <a:t>7</a:t>
+                      </a:r>
+                      <a:endParaRPr lang="ko-KR" altLang="en-US" dirty="0"/>
+                    </a:p>
+                  </a:txBody>
+                  <a:tcPr/>
+                </a:tc>
+                <a:tc>
+                  <a:txBody>
+                    <a:bodyPr/>
+                    <a:lstStyle/>
+                    <a:p>
+                      <a:pPr algn="ctr" latinLnBrk="1"/>
+                      <a:r>
+                        <a:rPr lang="en-US" altLang="ko-KR" dirty="0"/>
+                        <a:t>8</a:t>
+                      </a:r>
+                      <a:endParaRPr lang="ko-KR" altLang="en-US" dirty="0"/>
+                    </a:p>
+                  </a:txBody>
+                  <a:tcPr/>
+                </a:tc>
+                <a:extLst>
+                  <a:ext uri="{0D108BD9-81ED-4DB2-BD59-A6C34878D82A}">
+                    <a16:rowId xmlns:a16="http://schemas.microsoft.com/office/drawing/2014/main" val="1933267427"/>
+                  </a:ext>
+                </a:extLst>
+              </a:tr>
+              <a:tr h="888792">
+                <a:tc>
+                  <a:txBody>
+                    <a:bodyPr/>
+                    <a:lstStyle/>
+                    <a:p>
+                      <a:pPr algn="ctr" latinLnBrk="1"/>
+                      <a:r>
+                        <a:rPr lang="en-US" altLang="ko-KR" dirty="0"/>
+                        <a:t>9</a:t>
+                      </a:r>
+                      <a:endParaRPr lang="ko-KR" altLang="en-US" dirty="0"/>
+                    </a:p>
+                  </a:txBody>
+                  <a:tcPr>
+                    <a:solidFill>
+                      <a:schemeClr val="accent2"/>
+                    </a:solidFill>
+                  </a:tcPr>
+                </a:tc>
+                <a:tc>
+                  <a:txBody>
+                    <a:bodyPr/>
+                    <a:lstStyle/>
+                    <a:p>
+                      <a:pPr algn="ctr" latinLnBrk="1"/>
+                      <a:r>
+                        <a:rPr lang="en-US" altLang="ko-KR" dirty="0"/>
+                        <a:t>10</a:t>
+                      </a:r>
+                      <a:endParaRPr lang="ko-KR" altLang="en-US" dirty="0"/>
+                    </a:p>
+                  </a:txBody>
+                  <a:tcPr/>
+                </a:tc>
+                <a:tc>
+                  <a:txBody>
+                    <a:bodyPr/>
+                    <a:lstStyle/>
+                    <a:p>
+                      <a:pPr algn="ctr" latinLnBrk="1"/>
+                      <a:r>
+                        <a:rPr lang="en-US" altLang="ko-KR" dirty="0"/>
+                        <a:t>11</a:t>
+                      </a:r>
+                      <a:endParaRPr lang="ko-KR" altLang="en-US" dirty="0"/>
+                    </a:p>
+                  </a:txBody>
+                  <a:tcPr/>
+                </a:tc>
+                <a:tc>
+                  <a:txBody>
+                    <a:bodyPr/>
+                    <a:lstStyle/>
+                    <a:p>
+                      <a:pPr algn="ctr" latinLnBrk="1"/>
+                      <a:r>
+                        <a:rPr lang="en-US" altLang="ko-KR" dirty="0"/>
+                        <a:t>12</a:t>
+                      </a:r>
+                      <a:endParaRPr lang="ko-KR" altLang="en-US" dirty="0"/>
+                    </a:p>
+                  </a:txBody>
+                  <a:tcPr/>
+                </a:tc>
+                <a:extLst>
+                  <a:ext uri="{0D108BD9-81ED-4DB2-BD59-A6C34878D82A}">
+                    <a16:rowId xmlns:a16="http://schemas.microsoft.com/office/drawing/2014/main" val="2523083022"/>
+                  </a:ext>
+                </a:extLst>
+              </a:tr>
+              <a:tr h="888792">
+                <a:tc>
+                  <a:txBody>
+                    <a:bodyPr/>
+                    <a:lstStyle/>
+                    <a:p>
+                      <a:pPr algn="ctr" latinLnBrk="1"/>
+                      <a:r>
+                        <a:rPr lang="en-US" altLang="ko-KR" dirty="0"/>
+                        <a:t>13</a:t>
+                      </a:r>
+                      <a:endParaRPr lang="ko-KR" altLang="en-US" dirty="0"/>
+                    </a:p>
+                  </a:txBody>
+                  <a:tcPr>
+                    <a:solidFill>
+                      <a:schemeClr val="accent2">
+                        <a:lumMod val="40000"/>
+                        <a:lumOff val="60000"/>
+                      </a:schemeClr>
+                    </a:solidFill>
+                  </a:tcPr>
+                </a:tc>
+                <a:tc>
+                  <a:txBody>
+                    <a:bodyPr/>
+                    <a:lstStyle/>
+                    <a:p>
+                      <a:pPr algn="ctr" latinLnBrk="1"/>
+                      <a:r>
+                        <a:rPr lang="en-US" altLang="ko-KR" dirty="0"/>
+                        <a:t>14</a:t>
+                      </a:r>
+                      <a:endParaRPr lang="ko-KR" altLang="en-US" dirty="0"/>
+                    </a:p>
+                  </a:txBody>
+                  <a:tcPr/>
+                </a:tc>
+                <a:tc>
+                  <a:txBody>
+                    <a:bodyPr/>
+                    <a:lstStyle/>
+                    <a:p>
+                      <a:pPr algn="ctr" latinLnBrk="1"/>
+                      <a:r>
+                        <a:rPr lang="en-US" altLang="ko-KR" dirty="0"/>
+                        <a:t>15</a:t>
+                      </a:r>
+                      <a:endParaRPr lang="ko-KR" altLang="en-US" dirty="0"/>
+                    </a:p>
+                  </a:txBody>
+                  <a:tcPr/>
+                </a:tc>
+                <a:tc>
+                  <a:txBody>
+                    <a:bodyPr/>
+                    <a:lstStyle/>
+                    <a:p>
+                      <a:pPr algn="ctr" latinLnBrk="1"/>
+                      <a:r>
+                        <a:rPr lang="en-US" altLang="ko-KR" dirty="0"/>
+                        <a:t>16</a:t>
+                      </a:r>
+                      <a:endParaRPr lang="ko-KR" altLang="en-US" dirty="0"/>
+                    </a:p>
+                  </a:txBody>
+                  <a:tcPr/>
+                </a:tc>
+                <a:extLst>
+                  <a:ext uri="{0D108BD9-81ED-4DB2-BD59-A6C34878D82A}">
+                    <a16:rowId xmlns:a16="http://schemas.microsoft.com/office/drawing/2014/main" val="4202676172"/>
+                  </a:ext>
+                </a:extLst>
+              </a:tr>
+            </a:tbl>
+          </a:graphicData>
+        </a:graphic>
+      </p:graphicFrame>
+    </p:spTree>
+    <p:extLst>
+      <p:ext uri="{BB962C8B-B14F-4D97-AF65-F5344CB8AC3E}">
+        <p14:creationId xmlns:p14="http://schemas.microsoft.com/office/powerpoint/2010/main" val="2541208241"/>
+      </p:ext>
+    </p:extLst>
+  </p:cSld>
+  <p:clrMapOvr>
+    <a:masterClrMapping/>
+  </p:clrMapOvr>
+</p:sld>
+</file>
+
+<file path=ppt/slides/slide7.xml><?xml version="1.0" encoding="utf-8"?>
+<p:sld xmlns:a="http://schemas.openxmlformats.org/drawingml/2006/main" xmlns:r="http://schemas.openxmlformats.org/officeDocument/2006/relationships" xmlns:p="http://schemas.openxmlformats.org/presentationml/2006/main">
+  <p:cSld>
+    <p:spTree>
+      <p:nvGrpSpPr>
+        <p:cNvPr id="1" name=""/>
+        <p:cNvGrpSpPr/>
+        <p:nvPr/>
+      </p:nvGrpSpPr>
+      <p:grpSpPr>
+        <a:xfrm>
+          <a:off x="0" y="0"/>
+          <a:ext cx="0" cy="0"/>
+          <a:chOff x="0" y="0"/>
+          <a:chExt cx="0" cy="0"/>
+        </a:xfrm>
+      </p:grpSpPr>
+      <p:sp>
+        <p:nvSpPr>
+          <p:cNvPr id="2" name="제목 1">
+            <a:extLst>
+              <a:ext uri="{FF2B5EF4-FFF2-40B4-BE49-F238E27FC236}">
+                <a16:creationId xmlns:a16="http://schemas.microsoft.com/office/drawing/2014/main" id="{9F8CD7E5-D0ED-4CE6-9E0F-73F3F28383E7}"/>
+              </a:ext>
+            </a:extLst>
+          </p:cNvPr>
+          <p:cNvSpPr>
+            <a:spLocks noGrp="1"/>
+          </p:cNvSpPr>
+          <p:nvPr>
+            <p:ph type="title"/>
+          </p:nvPr>
+        </p:nvSpPr>
+        <p:spPr/>
+        <p:txBody>
+          <a:bodyPr/>
+          <a:lstStyle/>
+          <a:p>
+            <a:r>
+              <a:rPr lang="en-US" altLang="ko-KR" dirty="0"/>
+              <a:t>Solution explanation</a:t>
+            </a:r>
+            <a:endParaRPr lang="ko-KR" altLang="en-US" dirty="0"/>
+          </a:p>
+        </p:txBody>
+      </p:sp>
+      <p:sp>
+        <p:nvSpPr>
+          <p:cNvPr id="3" name="내용 개체 틀 2">
+            <a:extLst>
+              <a:ext uri="{FF2B5EF4-FFF2-40B4-BE49-F238E27FC236}">
+                <a16:creationId xmlns:a16="http://schemas.microsoft.com/office/drawing/2014/main" id="{8282CF88-3667-4B1B-9BAC-ED7303E7B57E}"/>
+              </a:ext>
+            </a:extLst>
+          </p:cNvPr>
+          <p:cNvSpPr>
+            <a:spLocks noGrp="1"/>
+          </p:cNvSpPr>
+          <p:nvPr>
+            <p:ph idx="1"/>
+          </p:nvPr>
+        </p:nvSpPr>
+        <p:spPr/>
+        <p:txBody>
+          <a:bodyPr>
+            <a:normAutofit/>
+          </a:bodyPr>
+          <a:lstStyle/>
+          <a:p>
+            <a:r>
+              <a:rPr lang="en-US" altLang="ko-KR" dirty="0"/>
+              <a:t>Example:</a:t>
+            </a:r>
+          </a:p>
+          <a:p>
+            <a:pPr lvl="1"/>
+            <a:r>
+              <a:rPr lang="en-US" altLang="ko-KR"/>
+              <a:t>Find k </a:t>
+            </a:r>
+            <a:r>
+              <a:rPr lang="en-US" altLang="ko-KR" dirty="0"/>
+              <a:t>= 10</a:t>
+            </a:r>
+          </a:p>
+          <a:p>
+            <a:pPr lvl="1"/>
+            <a:endParaRPr lang="en-US" altLang="ko-KR" dirty="0"/>
+          </a:p>
+          <a:p>
+            <a:pPr lvl="1"/>
+            <a:r>
+              <a:rPr lang="en-US" altLang="ko-KR" dirty="0"/>
+              <a:t>k == 10</a:t>
+            </a:r>
+          </a:p>
+          <a:p>
+            <a:pPr lvl="1"/>
+            <a:endParaRPr lang="en-US" altLang="ko-KR" dirty="0"/>
+          </a:p>
+          <a:p>
+            <a:pPr lvl="1"/>
+            <a:r>
+              <a:rPr lang="en-US" altLang="ko-KR" dirty="0"/>
+              <a:t>k found in matrix</a:t>
+            </a:r>
+          </a:p>
+          <a:p>
+            <a:pPr lvl="1"/>
+            <a:endParaRPr lang="en-US" altLang="ko-KR" dirty="0"/>
+          </a:p>
+          <a:p>
+            <a:pPr lvl="1"/>
+            <a:endParaRPr lang="ko-KR" altLang="en-US" dirty="0"/>
+          </a:p>
+        </p:txBody>
+      </p:sp>
+      <p:graphicFrame>
+        <p:nvGraphicFramePr>
+          <p:cNvPr id="4" name="Table 4">
+            <a:extLst>
+              <a:ext uri="{FF2B5EF4-FFF2-40B4-BE49-F238E27FC236}">
+                <a16:creationId xmlns:a16="http://schemas.microsoft.com/office/drawing/2014/main" id="{1A4635B0-29C6-6324-CA87-3BDDB144D280}"/>
+              </a:ext>
+            </a:extLst>
+          </p:cNvPr>
+          <p:cNvGraphicFramePr>
+            <a:graphicFrameLocks noGrp="1"/>
+          </p:cNvGraphicFramePr>
+          <p:nvPr>
+            <p:extLst>
+              <p:ext uri="{D42A27DB-BD31-4B8C-83A1-F6EECF244321}">
+                <p14:modId xmlns:p14="http://schemas.microsoft.com/office/powerpoint/2010/main" val="2379927355"/>
+              </p:ext>
+            </p:extLst>
+          </p:nvPr>
+        </p:nvGraphicFramePr>
+        <p:xfrm>
+          <a:off x="5641108" y="2229798"/>
+          <a:ext cx="5328228" cy="3542992"/>
+        </p:xfrm>
+        <a:graphic>
+          <a:graphicData uri="http://schemas.openxmlformats.org/drawingml/2006/table">
+            <a:tbl>
+              <a:tblPr bandRow="1">
+                <a:tableStyleId>{073A0DAA-6AF3-43AB-8588-CEC1D06C72B9}</a:tableStyleId>
+              </a:tblPr>
+              <a:tblGrid>
+                <a:gridCol w="1332057">
+                  <a:extLst>
+                    <a:ext uri="{9D8B030D-6E8A-4147-A177-3AD203B41FA5}">
+                      <a16:colId xmlns:a16="http://schemas.microsoft.com/office/drawing/2014/main" val="3865691098"/>
+                    </a:ext>
+                  </a:extLst>
+                </a:gridCol>
+                <a:gridCol w="1332057">
+                  <a:extLst>
+                    <a:ext uri="{9D8B030D-6E8A-4147-A177-3AD203B41FA5}">
+                      <a16:colId xmlns:a16="http://schemas.microsoft.com/office/drawing/2014/main" val="2604290067"/>
+                    </a:ext>
+                  </a:extLst>
+                </a:gridCol>
+                <a:gridCol w="1332057">
+                  <a:extLst>
+                    <a:ext uri="{9D8B030D-6E8A-4147-A177-3AD203B41FA5}">
+                      <a16:colId xmlns:a16="http://schemas.microsoft.com/office/drawing/2014/main" val="2259957559"/>
+                    </a:ext>
+                  </a:extLst>
+                </a:gridCol>
+                <a:gridCol w="1332057">
+                  <a:extLst>
+                    <a:ext uri="{9D8B030D-6E8A-4147-A177-3AD203B41FA5}">
+                      <a16:colId xmlns:a16="http://schemas.microsoft.com/office/drawing/2014/main" val="797990127"/>
+                    </a:ext>
+                  </a:extLst>
+                </a:gridCol>
+              </a:tblGrid>
+              <a:tr h="876616">
+                <a:tc>
+                  <a:txBody>
+                    <a:bodyPr/>
+                    <a:lstStyle/>
+                    <a:p>
+                      <a:pPr algn="ctr" latinLnBrk="1"/>
+                      <a:r>
+                        <a:rPr lang="en-US" altLang="ko-KR" sz="2400" dirty="0"/>
+                        <a:t>1</a:t>
+                      </a:r>
+                      <a:endParaRPr lang="ko-KR" altLang="en-US" sz="2400" dirty="0"/>
+                    </a:p>
+                  </a:txBody>
+                  <a:tcPr/>
+                </a:tc>
+                <a:tc>
+                  <a:txBody>
+                    <a:bodyPr/>
+                    <a:lstStyle/>
+                    <a:p>
+                      <a:pPr algn="ctr" latinLnBrk="1"/>
+                      <a:r>
+                        <a:rPr lang="en-US" altLang="ko-KR" dirty="0"/>
+                        <a:t>2</a:t>
+                      </a:r>
+                      <a:endParaRPr lang="ko-KR" altLang="en-US" dirty="0"/>
+                    </a:p>
+                  </a:txBody>
+                  <a:tcPr/>
+                </a:tc>
+                <a:tc>
+                  <a:txBody>
+                    <a:bodyPr/>
+                    <a:lstStyle/>
+                    <a:p>
+                      <a:pPr algn="ctr" latinLnBrk="1"/>
+                      <a:r>
+                        <a:rPr lang="en-US" altLang="ko-KR" dirty="0"/>
+                        <a:t>3</a:t>
+                      </a:r>
+                      <a:endParaRPr lang="ko-KR" altLang="en-US" dirty="0"/>
+                    </a:p>
+                  </a:txBody>
+                  <a:tcPr/>
+                </a:tc>
+                <a:tc>
+                  <a:txBody>
+                    <a:bodyPr/>
+                    <a:lstStyle/>
+                    <a:p>
+                      <a:pPr algn="ctr" latinLnBrk="1"/>
+                      <a:r>
+                        <a:rPr lang="en-US" altLang="ko-KR" dirty="0"/>
+                        <a:t>4</a:t>
+                      </a:r>
+                      <a:endParaRPr lang="ko-KR" altLang="en-US" dirty="0"/>
+                    </a:p>
+                  </a:txBody>
+                  <a:tcPr/>
+                </a:tc>
+                <a:extLst>
+                  <a:ext uri="{0D108BD9-81ED-4DB2-BD59-A6C34878D82A}">
+                    <a16:rowId xmlns:a16="http://schemas.microsoft.com/office/drawing/2014/main" val="900030714"/>
+                  </a:ext>
+                </a:extLst>
+              </a:tr>
+              <a:tr h="888792">
+                <a:tc>
+                  <a:txBody>
+                    <a:bodyPr/>
+                    <a:lstStyle/>
+                    <a:p>
+                      <a:pPr algn="ctr" latinLnBrk="1"/>
+                      <a:r>
+                        <a:rPr lang="en-US" altLang="ko-KR" dirty="0"/>
+                        <a:t>5</a:t>
+                      </a:r>
+                      <a:endParaRPr lang="ko-KR" altLang="en-US" dirty="0"/>
+                    </a:p>
+                  </a:txBody>
+                  <a:tcPr/>
+                </a:tc>
+                <a:tc>
+                  <a:txBody>
+                    <a:bodyPr/>
+                    <a:lstStyle/>
+                    <a:p>
+                      <a:pPr algn="ctr" latinLnBrk="1"/>
+                      <a:r>
+                        <a:rPr lang="en-US" altLang="ko-KR" dirty="0"/>
+                        <a:t>6</a:t>
+                      </a:r>
+                      <a:endParaRPr lang="ko-KR" altLang="en-US" dirty="0"/>
+                    </a:p>
+                  </a:txBody>
+                  <a:tcPr/>
+                </a:tc>
+                <a:tc>
+                  <a:txBody>
+                    <a:bodyPr/>
+                    <a:lstStyle/>
+                    <a:p>
+                      <a:pPr algn="ctr" latinLnBrk="1"/>
+                      <a:r>
+                        <a:rPr lang="en-US" altLang="ko-KR" dirty="0"/>
+                        <a:t>7</a:t>
+                      </a:r>
+                      <a:endParaRPr lang="ko-KR" altLang="en-US" dirty="0"/>
+                    </a:p>
+                  </a:txBody>
+                  <a:tcPr/>
+                </a:tc>
+                <a:tc>
+                  <a:txBody>
+                    <a:bodyPr/>
+                    <a:lstStyle/>
+                    <a:p>
+                      <a:pPr algn="ctr" latinLnBrk="1"/>
+                      <a:r>
+                        <a:rPr lang="en-US" altLang="ko-KR" dirty="0"/>
+                        <a:t>8</a:t>
+                      </a:r>
+                      <a:endParaRPr lang="ko-KR" altLang="en-US" dirty="0"/>
+                    </a:p>
+                  </a:txBody>
+                  <a:tcPr/>
+                </a:tc>
+                <a:extLst>
+                  <a:ext uri="{0D108BD9-81ED-4DB2-BD59-A6C34878D82A}">
+                    <a16:rowId xmlns:a16="http://schemas.microsoft.com/office/drawing/2014/main" val="1933267427"/>
+                  </a:ext>
+                </a:extLst>
+              </a:tr>
+              <a:tr h="888792">
+                <a:tc>
+                  <a:txBody>
+                    <a:bodyPr/>
+                    <a:lstStyle/>
+                    <a:p>
+                      <a:pPr algn="ctr" latinLnBrk="1"/>
+                      <a:r>
+                        <a:rPr lang="en-US" altLang="ko-KR" dirty="0"/>
+                        <a:t>9</a:t>
+                      </a:r>
+                      <a:endParaRPr lang="ko-KR" altLang="en-US" dirty="0"/>
+                    </a:p>
+                  </a:txBody>
+                  <a:tcPr>
+                    <a:solidFill>
+                      <a:schemeClr val="accent2">
+                        <a:lumMod val="40000"/>
+                        <a:lumOff val="60000"/>
+                      </a:schemeClr>
+                    </a:solidFill>
+                  </a:tcPr>
+                </a:tc>
+                <a:tc>
+                  <a:txBody>
+                    <a:bodyPr/>
+                    <a:lstStyle/>
+                    <a:p>
+                      <a:pPr algn="ctr" latinLnBrk="1"/>
+                      <a:r>
+                        <a:rPr lang="en-US" altLang="ko-KR" dirty="0"/>
+                        <a:t>10</a:t>
+                      </a:r>
+                      <a:endParaRPr lang="ko-KR" altLang="en-US" dirty="0"/>
+                    </a:p>
+                  </a:txBody>
+                  <a:tcPr>
+                    <a:solidFill>
+                      <a:schemeClr val="accent2"/>
+                    </a:solidFill>
+                  </a:tcPr>
+                </a:tc>
+                <a:tc>
+                  <a:txBody>
+                    <a:bodyPr/>
+                    <a:lstStyle/>
+                    <a:p>
+                      <a:pPr algn="ctr" latinLnBrk="1"/>
+                      <a:r>
+                        <a:rPr lang="en-US" altLang="ko-KR" dirty="0"/>
+                        <a:t>11</a:t>
+                      </a:r>
+                      <a:endParaRPr lang="ko-KR" altLang="en-US" dirty="0"/>
+                    </a:p>
+                  </a:txBody>
+                  <a:tcPr/>
+                </a:tc>
+                <a:tc>
+                  <a:txBody>
+                    <a:bodyPr/>
+                    <a:lstStyle/>
+                    <a:p>
+                      <a:pPr algn="ctr" latinLnBrk="1"/>
+                      <a:r>
+                        <a:rPr lang="en-US" altLang="ko-KR" dirty="0"/>
+                        <a:t>12</a:t>
+                      </a:r>
+                      <a:endParaRPr lang="ko-KR" altLang="en-US" dirty="0"/>
+                    </a:p>
+                  </a:txBody>
+                  <a:tcPr/>
+                </a:tc>
+                <a:extLst>
+                  <a:ext uri="{0D108BD9-81ED-4DB2-BD59-A6C34878D82A}">
+                    <a16:rowId xmlns:a16="http://schemas.microsoft.com/office/drawing/2014/main" val="2523083022"/>
+                  </a:ext>
+                </a:extLst>
+              </a:tr>
+              <a:tr h="888792">
+                <a:tc>
+                  <a:txBody>
+                    <a:bodyPr/>
+                    <a:lstStyle/>
+                    <a:p>
+                      <a:pPr algn="ctr" latinLnBrk="1"/>
+                      <a:r>
+                        <a:rPr lang="en-US" altLang="ko-KR" dirty="0"/>
+                        <a:t>13</a:t>
+                      </a:r>
+                      <a:endParaRPr lang="ko-KR" altLang="en-US" dirty="0"/>
+                    </a:p>
+                  </a:txBody>
+                  <a:tcPr>
+                    <a:solidFill>
+                      <a:schemeClr val="accent2">
+                        <a:lumMod val="40000"/>
+                        <a:lumOff val="60000"/>
+                      </a:schemeClr>
+                    </a:solidFill>
+                  </a:tcPr>
+                </a:tc>
+                <a:tc>
+                  <a:txBody>
+                    <a:bodyPr/>
+                    <a:lstStyle/>
+                    <a:p>
+                      <a:pPr algn="ctr" latinLnBrk="1"/>
+                      <a:r>
+                        <a:rPr lang="en-US" altLang="ko-KR" dirty="0"/>
+                        <a:t>14</a:t>
+                      </a:r>
+                      <a:endParaRPr lang="ko-KR" altLang="en-US" dirty="0"/>
+                    </a:p>
+                  </a:txBody>
+                  <a:tcPr/>
+                </a:tc>
+                <a:tc>
+                  <a:txBody>
+                    <a:bodyPr/>
+                    <a:lstStyle/>
+                    <a:p>
+                      <a:pPr algn="ctr" latinLnBrk="1"/>
+                      <a:r>
+                        <a:rPr lang="en-US" altLang="ko-KR" dirty="0"/>
+                        <a:t>15</a:t>
+                      </a:r>
+                      <a:endParaRPr lang="ko-KR" altLang="en-US" dirty="0"/>
+                    </a:p>
+                  </a:txBody>
+                  <a:tcPr/>
+                </a:tc>
+                <a:tc>
+                  <a:txBody>
+                    <a:bodyPr/>
+                    <a:lstStyle/>
+                    <a:p>
+                      <a:pPr algn="ctr" latinLnBrk="1"/>
+                      <a:r>
+                        <a:rPr lang="en-US" altLang="ko-KR" dirty="0"/>
+                        <a:t>16</a:t>
+                      </a:r>
+                      <a:endParaRPr lang="ko-KR" altLang="en-US" dirty="0"/>
+                    </a:p>
+                  </a:txBody>
+                  <a:tcPr/>
+                </a:tc>
+                <a:extLst>
+                  <a:ext uri="{0D108BD9-81ED-4DB2-BD59-A6C34878D82A}">
+                    <a16:rowId xmlns:a16="http://schemas.microsoft.com/office/drawing/2014/main" val="4202676172"/>
+                  </a:ext>
+                </a:extLst>
+              </a:tr>
+            </a:tbl>
+          </a:graphicData>
+        </a:graphic>
+      </p:graphicFrame>
+    </p:spTree>
+    <p:extLst>
+      <p:ext uri="{BB962C8B-B14F-4D97-AF65-F5344CB8AC3E}">
+        <p14:creationId xmlns:p14="http://schemas.microsoft.com/office/powerpoint/2010/main" val="335832537"/>
+      </p:ext>
+    </p:extLst>
+  </p:cSld>
+  <p:clrMapOvr>
+    <a:masterClrMapping/>
+  </p:clrMapOvr>
+</p:sld>
+</file>
+
+<file path=ppt/slides/slide8.xml><?xml version="1.0" encoding="utf-8"?>
+<p:sld xmlns:a="http://schemas.openxmlformats.org/drawingml/2006/main" xmlns:r="http://schemas.openxmlformats.org/officeDocument/2006/relationships" xmlns:p="http://schemas.openxmlformats.org/presentationml/2006/main">
+  <p:cSld>
+    <p:spTree>
+      <p:nvGrpSpPr>
+        <p:cNvPr id="1" name=""/>
+        <p:cNvGrpSpPr/>
+        <p:nvPr/>
+      </p:nvGrpSpPr>
+      <p:grpSpPr>
+        <a:xfrm>
+          <a:off x="0" y="0"/>
+          <a:ext cx="0" cy="0"/>
+          <a:chOff x="0" y="0"/>
+          <a:chExt cx="0" cy="0"/>
+        </a:xfrm>
+      </p:grpSpPr>
+      <p:sp>
+        <p:nvSpPr>
+          <p:cNvPr id="2" name="제목 1">
+            <a:extLst>
+              <a:ext uri="{FF2B5EF4-FFF2-40B4-BE49-F238E27FC236}">
+                <a16:creationId xmlns:a16="http://schemas.microsoft.com/office/drawing/2014/main" id="{298D9384-1A78-4243-AAD9-3E424BB0B186}"/>
+              </a:ext>
+            </a:extLst>
+          </p:cNvPr>
+          <p:cNvSpPr>
+            <a:spLocks noGrp="1"/>
+          </p:cNvSpPr>
+          <p:nvPr>
+            <p:ph type="title"/>
+          </p:nvPr>
+        </p:nvSpPr>
+        <p:spPr/>
+        <p:txBody>
+          <a:bodyPr/>
+          <a:lstStyle/>
+          <a:p>
+            <a:r>
+              <a:rPr lang="en-US" altLang="ko-KR" dirty="0"/>
+              <a:t>Solution analysis</a:t>
+            </a:r>
+            <a:endParaRPr lang="ko-KR" altLang="en-US" dirty="0"/>
+          </a:p>
+        </p:txBody>
+      </p:sp>
+      <p:sp>
+        <p:nvSpPr>
+          <p:cNvPr id="3" name="내용 개체 틀 2">
+            <a:extLst>
+              <a:ext uri="{FF2B5EF4-FFF2-40B4-BE49-F238E27FC236}">
+                <a16:creationId xmlns:a16="http://schemas.microsoft.com/office/drawing/2014/main" id="{C3003A86-BFE0-45DE-9CDC-7D03B4B552D4}"/>
+              </a:ext>
+            </a:extLst>
+          </p:cNvPr>
+          <p:cNvSpPr>
+            <a:spLocks noGrp="1"/>
+          </p:cNvSpPr>
+          <p:nvPr>
+            <p:ph idx="1"/>
+          </p:nvPr>
+        </p:nvSpPr>
+        <p:spPr/>
+        <p:txBody>
+          <a:bodyPr>
+            <a:normAutofit/>
+          </a:bodyPr>
+          <a:lstStyle/>
+          <a:p>
+            <a:r>
+              <a:rPr lang="en-US" altLang="ko-KR" dirty="0"/>
+              <a:t>Pros:</a:t>
+            </a:r>
+          </a:p>
+          <a:p>
+            <a:pPr lvl="1"/>
+            <a:r>
+              <a:rPr lang="en-US" altLang="ko-KR" dirty="0"/>
+              <a:t>A flexible step-by-step comparison method</a:t>
+            </a:r>
+          </a:p>
+          <a:p>
+            <a:pPr lvl="1"/>
+            <a:r>
+              <a:rPr lang="en-US" altLang="ko-KR" dirty="0"/>
+              <a:t>Consistent efficiency</a:t>
+            </a:r>
+          </a:p>
+          <a:p>
+            <a:pPr lvl="2"/>
+            <a:r>
+              <a:rPr lang="en-US" altLang="ko-KR" dirty="0"/>
+              <a:t>Similar number of elements accessed for every case</a:t>
+            </a:r>
+          </a:p>
+          <a:p>
+            <a:pPr lvl="2"/>
+            <a:endParaRPr lang="en-US" altLang="ko-KR" dirty="0"/>
+          </a:p>
+          <a:p>
+            <a:r>
+              <a:rPr lang="en-US" altLang="ko-KR" dirty="0"/>
+              <a:t>Cons</a:t>
+            </a:r>
+          </a:p>
+          <a:p>
+            <a:pPr lvl="1"/>
+            <a:r>
+              <a:rPr lang="en-US" altLang="ko-KR" dirty="0"/>
+              <a:t>Possible inefficiency as the number of elements increase</a:t>
+            </a:r>
           </a:p>
         </p:txBody>
       </p:sp>
@@ -3731,6 +5731,116 @@
     <p:extLst>
       <p:ext uri="{BB962C8B-B14F-4D97-AF65-F5344CB8AC3E}">
         <p14:creationId xmlns:p14="http://schemas.microsoft.com/office/powerpoint/2010/main" val="866043535"/>
+      </p:ext>
+    </p:extLst>
+  </p:cSld>
+  <p:clrMapOvr>
+    <a:masterClrMapping/>
+  </p:clrMapOvr>
+</p:sld>
+</file>
+
+<file path=ppt/slides/slide9.xml><?xml version="1.0" encoding="utf-8"?>
+<p:sld xmlns:a="http://schemas.openxmlformats.org/drawingml/2006/main" xmlns:r="http://schemas.openxmlformats.org/officeDocument/2006/relationships" xmlns:p="http://schemas.openxmlformats.org/presentationml/2006/main">
+  <p:cSld>
+    <p:spTree>
+      <p:nvGrpSpPr>
+        <p:cNvPr id="1" name=""/>
+        <p:cNvGrpSpPr/>
+        <p:nvPr/>
+      </p:nvGrpSpPr>
+      <p:grpSpPr>
+        <a:xfrm>
+          <a:off x="0" y="0"/>
+          <a:ext cx="0" cy="0"/>
+          <a:chOff x="0" y="0"/>
+          <a:chExt cx="0" cy="0"/>
+        </a:xfrm>
+      </p:grpSpPr>
+      <p:sp>
+        <p:nvSpPr>
+          <p:cNvPr id="2" name="제목 1">
+            <a:extLst>
+              <a:ext uri="{FF2B5EF4-FFF2-40B4-BE49-F238E27FC236}">
+                <a16:creationId xmlns:a16="http://schemas.microsoft.com/office/drawing/2014/main" id="{298D9384-1A78-4243-AAD9-3E424BB0B186}"/>
+              </a:ext>
+            </a:extLst>
+          </p:cNvPr>
+          <p:cNvSpPr>
+            <a:spLocks noGrp="1"/>
+          </p:cNvSpPr>
+          <p:nvPr>
+            <p:ph type="title"/>
+          </p:nvPr>
+        </p:nvSpPr>
+        <p:spPr/>
+        <p:txBody>
+          <a:bodyPr/>
+          <a:lstStyle/>
+          <a:p>
+            <a:r>
+              <a:rPr lang="en-US" altLang="ko-KR" dirty="0"/>
+              <a:t>Solution analysis</a:t>
+            </a:r>
+            <a:endParaRPr lang="ko-KR" altLang="en-US" dirty="0"/>
+          </a:p>
+        </p:txBody>
+      </p:sp>
+      <p:sp>
+        <p:nvSpPr>
+          <p:cNvPr id="3" name="내용 개체 틀 2">
+            <a:extLst>
+              <a:ext uri="{FF2B5EF4-FFF2-40B4-BE49-F238E27FC236}">
+                <a16:creationId xmlns:a16="http://schemas.microsoft.com/office/drawing/2014/main" id="{C3003A86-BFE0-45DE-9CDC-7D03B4B552D4}"/>
+              </a:ext>
+            </a:extLst>
+          </p:cNvPr>
+          <p:cNvSpPr>
+            <a:spLocks noGrp="1"/>
+          </p:cNvSpPr>
+          <p:nvPr>
+            <p:ph idx="1"/>
+          </p:nvPr>
+        </p:nvSpPr>
+        <p:spPr/>
+        <p:txBody>
+          <a:bodyPr>
+            <a:normAutofit/>
+          </a:bodyPr>
+          <a:lstStyle/>
+          <a:p>
+            <a:r>
+              <a:rPr lang="en-US" altLang="ko-KR" dirty="0"/>
+              <a:t>Favorable inputs:</a:t>
+            </a:r>
+          </a:p>
+          <a:p>
+            <a:pPr lvl="1"/>
+            <a:r>
+              <a:rPr lang="en-US" altLang="ko-KR" dirty="0"/>
+              <a:t>The inputted value </a:t>
+            </a:r>
+            <a:r>
+              <a:rPr lang="en-US" altLang="ko-KR" i="1" dirty="0"/>
+              <a:t>k</a:t>
+            </a:r>
+            <a:r>
+              <a:rPr lang="en-US" altLang="ko-KR" dirty="0"/>
+              <a:t> is located at the bottom-left quadrant of the matrix</a:t>
+            </a:r>
+          </a:p>
+          <a:p>
+            <a:pPr marL="914400" lvl="2" indent="0">
+              <a:buNone/>
+            </a:pPr>
+            <a:endParaRPr lang="en-US" altLang="ko-KR" dirty="0"/>
+          </a:p>
+        </p:txBody>
+      </p:sp>
+    </p:spTree>
+    <p:extLst>
+      <p:ext uri="{BB962C8B-B14F-4D97-AF65-F5344CB8AC3E}">
+        <p14:creationId xmlns:p14="http://schemas.microsoft.com/office/powerpoint/2010/main" val="997099342"/>
       </p:ext>
     </p:extLst>
   </p:cSld>

--- a/자료/Report template/Report for exercise or homework.pptx
+++ b/자료/Report template/Report for exercise or homework.pptx
@@ -9,12 +9,13 @@
     <p:sldId id="257" r:id="rId3"/>
     <p:sldId id="258" r:id="rId4"/>
     <p:sldId id="262" r:id="rId5"/>
-    <p:sldId id="265" r:id="rId6"/>
-    <p:sldId id="267" r:id="rId7"/>
-    <p:sldId id="269" r:id="rId8"/>
-    <p:sldId id="261" r:id="rId9"/>
-    <p:sldId id="263" r:id="rId10"/>
-    <p:sldId id="264" r:id="rId11"/>
+    <p:sldId id="270" r:id="rId6"/>
+    <p:sldId id="271" r:id="rId7"/>
+    <p:sldId id="272" r:id="rId8"/>
+    <p:sldId id="273" r:id="rId9"/>
+    <p:sldId id="274" r:id="rId10"/>
+    <p:sldId id="261" r:id="rId11"/>
+    <p:sldId id="264" r:id="rId12"/>
   </p:sldIdLst>
   <p:sldSz cx="12192000" cy="6858000"/>
   <p:notesSz cx="6858000" cy="9144000"/>
@@ -124,7 +125,7 @@
 <file path=ppt/revisionInfo.xml><?xml version="1.0" encoding="utf-8"?>
 <p1510:revInfo xmlns:a="http://schemas.openxmlformats.org/drawingml/2006/main" xmlns:r="http://schemas.openxmlformats.org/officeDocument/2006/relationships" xmlns:p1510="http://schemas.microsoft.com/office/powerpoint/2015/10/main">
   <p1510:revLst>
-    <p1510:client id="{AFEA1B79-F6AC-479C-B05C-5F732118937B}" v="16" dt="2023-03-07T17:49:03.098"/>
+    <p1510:client id="{AFEA1B79-F6AC-479C-B05C-5F732118937B}" v="22" dt="2023-04-06T03:20:44.701"/>
   </p1510:revLst>
 </p1510:revInfo>
 </file>
@@ -276,7 +277,7 @@
           <a:p>
             <a:fld id="{B7A77B98-40B9-4033-B9F9-E9499CADF412}" type="datetimeFigureOut">
               <a:rPr lang="ko-KR" altLang="en-US" smtClean="0"/>
-              <a:t>2023-03-08</a:t>
+              <a:t>2023-04-06</a:t>
             </a:fld>
             <a:endParaRPr lang="ko-KR" altLang="en-US"/>
           </a:p>
@@ -474,7 +475,7 @@
           <a:p>
             <a:fld id="{B7A77B98-40B9-4033-B9F9-E9499CADF412}" type="datetimeFigureOut">
               <a:rPr lang="ko-KR" altLang="en-US" smtClean="0"/>
-              <a:t>2023-03-08</a:t>
+              <a:t>2023-04-06</a:t>
             </a:fld>
             <a:endParaRPr lang="ko-KR" altLang="en-US"/>
           </a:p>
@@ -682,7 +683,7 @@
           <a:p>
             <a:fld id="{B7A77B98-40B9-4033-B9F9-E9499CADF412}" type="datetimeFigureOut">
               <a:rPr lang="ko-KR" altLang="en-US" smtClean="0"/>
-              <a:t>2023-03-08</a:t>
+              <a:t>2023-04-06</a:t>
             </a:fld>
             <a:endParaRPr lang="ko-KR" altLang="en-US"/>
           </a:p>
@@ -880,7 +881,7 @@
           <a:p>
             <a:fld id="{B7A77B98-40B9-4033-B9F9-E9499CADF412}" type="datetimeFigureOut">
               <a:rPr lang="ko-KR" altLang="en-US" smtClean="0"/>
-              <a:t>2023-03-08</a:t>
+              <a:t>2023-04-06</a:t>
             </a:fld>
             <a:endParaRPr lang="ko-KR" altLang="en-US"/>
           </a:p>
@@ -1155,7 +1156,7 @@
           <a:p>
             <a:fld id="{B7A77B98-40B9-4033-B9F9-E9499CADF412}" type="datetimeFigureOut">
               <a:rPr lang="ko-KR" altLang="en-US" smtClean="0"/>
-              <a:t>2023-03-08</a:t>
+              <a:t>2023-04-06</a:t>
             </a:fld>
             <a:endParaRPr lang="ko-KR" altLang="en-US"/>
           </a:p>
@@ -1420,7 +1421,7 @@
           <a:p>
             <a:fld id="{B7A77B98-40B9-4033-B9F9-E9499CADF412}" type="datetimeFigureOut">
               <a:rPr lang="ko-KR" altLang="en-US" smtClean="0"/>
-              <a:t>2023-03-08</a:t>
+              <a:t>2023-04-06</a:t>
             </a:fld>
             <a:endParaRPr lang="ko-KR" altLang="en-US"/>
           </a:p>
@@ -1832,7 +1833,7 @@
           <a:p>
             <a:fld id="{B7A77B98-40B9-4033-B9F9-E9499CADF412}" type="datetimeFigureOut">
               <a:rPr lang="ko-KR" altLang="en-US" smtClean="0"/>
-              <a:t>2023-03-08</a:t>
+              <a:t>2023-04-06</a:t>
             </a:fld>
             <a:endParaRPr lang="ko-KR" altLang="en-US"/>
           </a:p>
@@ -1973,7 +1974,7 @@
           <a:p>
             <a:fld id="{B7A77B98-40B9-4033-B9F9-E9499CADF412}" type="datetimeFigureOut">
               <a:rPr lang="ko-KR" altLang="en-US" smtClean="0"/>
-              <a:t>2023-03-08</a:t>
+              <a:t>2023-04-06</a:t>
             </a:fld>
             <a:endParaRPr lang="ko-KR" altLang="en-US"/>
           </a:p>
@@ -2086,7 +2087,7 @@
           <a:p>
             <a:fld id="{B7A77B98-40B9-4033-B9F9-E9499CADF412}" type="datetimeFigureOut">
               <a:rPr lang="ko-KR" altLang="en-US" smtClean="0"/>
-              <a:t>2023-03-08</a:t>
+              <a:t>2023-04-06</a:t>
             </a:fld>
             <a:endParaRPr lang="ko-KR" altLang="en-US"/>
           </a:p>
@@ -2397,7 +2398,7 @@
           <a:p>
             <a:fld id="{B7A77B98-40B9-4033-B9F9-E9499CADF412}" type="datetimeFigureOut">
               <a:rPr lang="ko-KR" altLang="en-US" smtClean="0"/>
-              <a:t>2023-03-08</a:t>
+              <a:t>2023-04-06</a:t>
             </a:fld>
             <a:endParaRPr lang="ko-KR" altLang="en-US"/>
           </a:p>
@@ -2685,7 +2686,7 @@
           <a:p>
             <a:fld id="{B7A77B98-40B9-4033-B9F9-E9499CADF412}" type="datetimeFigureOut">
               <a:rPr lang="ko-KR" altLang="en-US" smtClean="0"/>
-              <a:t>2023-03-08</a:t>
+              <a:t>2023-04-06</a:t>
             </a:fld>
             <a:endParaRPr lang="ko-KR" altLang="en-US"/>
           </a:p>
@@ -2926,7 +2927,7 @@
           <a:p>
             <a:fld id="{B7A77B98-40B9-4033-B9F9-E9499CADF412}" type="datetimeFigureOut">
               <a:rPr lang="ko-KR" altLang="en-US" smtClean="0"/>
-              <a:t>2023-03-08</a:t>
+              <a:t>2023-04-06</a:t>
             </a:fld>
             <a:endParaRPr lang="ko-KR" altLang="en-US"/>
           </a:p>
@@ -3373,7 +3374,7 @@
           <a:p>
             <a:r>
               <a:rPr lang="en-US" altLang="ko-KR" sz="5400" dirty="0"/>
-              <a:t>Exercise A</a:t>
+              <a:t>Homework 2A</a:t>
             </a:r>
             <a:endParaRPr lang="ko-KR" altLang="en-US" sz="5400" dirty="0"/>
           </a:p>
@@ -3457,6 +3458,120 @@
           <p:cNvPr id="2" name="제목 1">
             <a:extLst>
               <a:ext uri="{FF2B5EF4-FFF2-40B4-BE49-F238E27FC236}">
+                <a16:creationId xmlns:a16="http://schemas.microsoft.com/office/drawing/2014/main" id="{298D9384-1A78-4243-AAD9-3E424BB0B186}"/>
+              </a:ext>
+            </a:extLst>
+          </p:cNvPr>
+          <p:cNvSpPr>
+            <a:spLocks noGrp="1"/>
+          </p:cNvSpPr>
+          <p:nvPr>
+            <p:ph type="title"/>
+          </p:nvPr>
+        </p:nvSpPr>
+        <p:spPr/>
+        <p:txBody>
+          <a:bodyPr/>
+          <a:lstStyle/>
+          <a:p>
+            <a:r>
+              <a:rPr lang="en-US" altLang="ko-KR" dirty="0"/>
+              <a:t>Solution analysis</a:t>
+            </a:r>
+            <a:endParaRPr lang="ko-KR" altLang="en-US" dirty="0"/>
+          </a:p>
+        </p:txBody>
+      </p:sp>
+      <p:sp>
+        <p:nvSpPr>
+          <p:cNvPr id="3" name="내용 개체 틀 2">
+            <a:extLst>
+              <a:ext uri="{FF2B5EF4-FFF2-40B4-BE49-F238E27FC236}">
+                <a16:creationId xmlns:a16="http://schemas.microsoft.com/office/drawing/2014/main" id="{C3003A86-BFE0-45DE-9CDC-7D03B4B552D4}"/>
+              </a:ext>
+            </a:extLst>
+          </p:cNvPr>
+          <p:cNvSpPr>
+            <a:spLocks noGrp="1"/>
+          </p:cNvSpPr>
+          <p:nvPr>
+            <p:ph idx="1"/>
+          </p:nvPr>
+        </p:nvSpPr>
+        <p:spPr/>
+        <p:txBody>
+          <a:bodyPr>
+            <a:normAutofit/>
+          </a:bodyPr>
+          <a:lstStyle/>
+          <a:p>
+            <a:r>
+              <a:rPr lang="en-US" altLang="ko-KR" dirty="0"/>
+              <a:t>Main Idea was to reduce the sorting process by eliminating already sorted scores</a:t>
+            </a:r>
+          </a:p>
+          <a:p>
+            <a:endParaRPr lang="en-US" altLang="ko-KR" dirty="0"/>
+          </a:p>
+          <a:p>
+            <a:r>
+              <a:rPr lang="en-US" altLang="ko-KR" dirty="0"/>
+              <a:t>Favorable inputs:</a:t>
+            </a:r>
+          </a:p>
+          <a:p>
+            <a:pPr lvl="1"/>
+            <a:r>
+              <a:rPr lang="en-US" altLang="ko-KR" dirty="0"/>
+              <a:t>The results are already sorted in descending order</a:t>
+            </a:r>
+          </a:p>
+          <a:p>
+            <a:endParaRPr lang="en-US" altLang="ko-KR" dirty="0"/>
+          </a:p>
+          <a:p>
+            <a:pPr marL="457200" lvl="1" indent="0">
+              <a:buNone/>
+            </a:pPr>
+            <a:endParaRPr lang="en-US" altLang="ko-KR" dirty="0"/>
+          </a:p>
+        </p:txBody>
+      </p:sp>
+    </p:spTree>
+    <p:extLst>
+      <p:ext uri="{BB962C8B-B14F-4D97-AF65-F5344CB8AC3E}">
+        <p14:creationId xmlns:p14="http://schemas.microsoft.com/office/powerpoint/2010/main" val="866043535"/>
+      </p:ext>
+    </p:extLst>
+  </p:cSld>
+  <p:clrMapOvr>
+    <a:masterClrMapping/>
+  </p:clrMapOvr>
+</p:sld>
+</file>
+
+<file path=ppt/slides/slide11.xml><?xml version="1.0" encoding="utf-8"?>
+<p:sld xmlns:a="http://schemas.openxmlformats.org/drawingml/2006/main" xmlns:r="http://schemas.openxmlformats.org/officeDocument/2006/relationships" xmlns:p="http://schemas.openxmlformats.org/presentationml/2006/main">
+  <p:cSld>
+    <p:spTree>
+      <p:nvGrpSpPr>
+        <p:cNvPr id="1" name=""/>
+        <p:cNvGrpSpPr/>
+        <p:nvPr/>
+      </p:nvGrpSpPr>
+      <p:grpSpPr>
+        <a:xfrm>
+          <a:off x="0" y="0"/>
+          <a:ext cx="0" cy="0"/>
+          <a:chOff x="0" y="0"/>
+          <a:chExt cx="0" cy="0"/>
+        </a:xfrm>
+      </p:grpSpPr>
+      <p:sp>
+        <p:nvSpPr>
+          <p:cNvPr id="2" name="제목 1">
+            <a:extLst>
+              <a:ext uri="{FF2B5EF4-FFF2-40B4-BE49-F238E27FC236}">
                 <a16:creationId xmlns:a16="http://schemas.microsoft.com/office/drawing/2014/main" id="{9548E58D-BA9D-4171-8A3F-F65138A50A60}"/>
               </a:ext>
             </a:extLst>
@@ -3570,15 +3685,7 @@
           <a:p>
             <a:r>
               <a:rPr lang="en-US" altLang="ko-KR" dirty="0"/>
-              <a:t>Finding a single value</a:t>
-            </a:r>
-            <a:r>
-              <a:rPr lang="en-US" altLang="ko-KR" i="1" dirty="0"/>
-              <a:t> k</a:t>
-            </a:r>
-            <a:r>
-              <a:rPr lang="en-US" altLang="ko-KR" dirty="0"/>
-              <a:t> efficiently in a sorted N*N matrix (ascending order)</a:t>
+              <a:t>Calculate the scores of 20 soccer teams and sort in descending order</a:t>
             </a:r>
           </a:p>
           <a:p>
@@ -3587,7 +3694,28 @@
           <a:p>
             <a:r>
               <a:rPr lang="en-US" altLang="ko-KR" dirty="0"/>
-              <a:t>Considering a search method that has the least elements accessed as its worst case</a:t>
+              <a:t>Given inputs are:</a:t>
+            </a:r>
+          </a:p>
+          <a:p>
+            <a:pPr lvl="1"/>
+            <a:r>
+              <a:rPr lang="en-US" altLang="ko-KR" dirty="0"/>
+              <a:t>A: points given for a Win</a:t>
+            </a:r>
+          </a:p>
+          <a:p>
+            <a:pPr lvl="1"/>
+            <a:r>
+              <a:rPr lang="en-US" altLang="ko-KR" dirty="0"/>
+              <a:t>B: points given for a Tie</a:t>
+            </a:r>
+          </a:p>
+          <a:p>
+            <a:pPr lvl="1"/>
+            <a:r>
+              <a:rPr lang="en-US" altLang="ko-KR" dirty="0"/>
+              <a:t>A 20 by 20 matrix where the results are represented as “W” (win), “T” (tie), “L” (lose), and “X” (disregarded)</a:t>
             </a:r>
           </a:p>
         </p:txBody>
@@ -3676,63 +3804,26 @@
           <a:p>
             <a:r>
               <a:rPr lang="en-US" altLang="ko-KR" dirty="0"/>
-              <a:t>“Ladder” method</a:t>
-            </a:r>
-          </a:p>
-          <a:p>
-            <a:pPr lvl="1"/>
-            <a:r>
-              <a:rPr lang="en-US" altLang="ko-KR" dirty="0"/>
-              <a:t>Idea based on the additional material given during the first week</a:t>
-            </a:r>
-          </a:p>
-          <a:p>
-            <a:pPr lvl="1"/>
+              <a:t>Using a nested for loop, calculate the scores of the 20 teams</a:t>
+            </a:r>
+          </a:p>
+          <a:p>
             <a:endParaRPr lang="en-US" altLang="ko-KR" dirty="0"/>
           </a:p>
           <a:p>
             <a:r>
               <a:rPr lang="en-US" altLang="ko-KR" dirty="0"/>
-              <a:t>Step-by-Step process</a:t>
-            </a:r>
-          </a:p>
-          <a:p>
-            <a:pPr lvl="1"/>
-            <a:r>
-              <a:rPr lang="en-US" altLang="ko-KR" dirty="0"/>
-              <a:t>Comparison of the needed value and elements, starting with the bottom-left element of the matrix</a:t>
-            </a:r>
-          </a:p>
-          <a:p>
-            <a:pPr lvl="1"/>
-            <a:r>
-              <a:rPr lang="en-US" altLang="ko-KR" dirty="0"/>
-              <a:t>Take</a:t>
-            </a:r>
-            <a:r>
-              <a:rPr lang="en-US" altLang="ko-KR" b="1" i="1" dirty="0"/>
-              <a:t> one step up </a:t>
-            </a:r>
-            <a:r>
-              <a:rPr lang="en-US" altLang="ko-KR" dirty="0"/>
-              <a:t>if the needed value is less than the current element</a:t>
-            </a:r>
-          </a:p>
-          <a:p>
-            <a:pPr lvl="1"/>
-            <a:r>
-              <a:rPr lang="en-US" altLang="ko-KR" dirty="0"/>
-              <a:t>Take </a:t>
-            </a:r>
-            <a:r>
-              <a:rPr lang="en-US" altLang="ko-KR" b="1" i="1" dirty="0"/>
-              <a:t>one step to the right</a:t>
-            </a:r>
-            <a:r>
-              <a:rPr lang="en-US" altLang="ko-KR" dirty="0"/>
-              <a:t> if the needed value is greater than the current element</a:t>
-            </a:r>
-            <a:endParaRPr lang="en-US" altLang="ko-KR" b="1" i="1" dirty="0"/>
+              <a:t>After calculating each team’s score, check whether the new team’s score needs to be sorted (meaning it is greater than the previous team’s score)</a:t>
+            </a:r>
+          </a:p>
+          <a:p>
+            <a:endParaRPr lang="en-US" altLang="ko-KR" dirty="0"/>
+          </a:p>
+          <a:p>
+            <a:r>
+              <a:rPr lang="en-US" altLang="ko-KR" dirty="0"/>
+              <a:t>If sorting is needed, use a while loop to sort before calculating the next team’s score</a:t>
+            </a:r>
           </a:p>
           <a:p>
             <a:pPr lvl="1"/>
@@ -3831,21 +3922,61 @@
           </a:bodyPr>
           <a:lstStyle/>
           <a:p>
-            <a:r>
-              <a:rPr lang="en-US" altLang="ko-KR" dirty="0"/>
-              <a:t>Example:</a:t>
-            </a:r>
-          </a:p>
-          <a:p>
             <a:pPr lvl="1"/>
             <a:r>
               <a:rPr lang="en-US" altLang="ko-KR" dirty="0"/>
-              <a:t>Find k = 10</a:t>
+              <a:t>A: points for a win</a:t>
             </a:r>
           </a:p>
           <a:p>
             <a:pPr lvl="1"/>
-            <a:endParaRPr lang="en-US" altLang="ko-KR" dirty="0"/>
+            <a:r>
+              <a:rPr lang="en-US" altLang="ko-KR" dirty="0"/>
+              <a:t>B: points for a tie</a:t>
+            </a:r>
+          </a:p>
+          <a:p>
+            <a:pPr lvl="1"/>
+            <a:r>
+              <a:rPr lang="en-US" altLang="ko-KR" dirty="0"/>
+              <a:t>Results: The league result matrix</a:t>
+            </a:r>
+          </a:p>
+          <a:p>
+            <a:pPr marL="457200" lvl="1" indent="0">
+              <a:buNone/>
+            </a:pPr>
+            <a:r>
+              <a:rPr lang="en-US" altLang="ko-KR" dirty="0"/>
+              <a:t>(20 by 21 for the null character</a:t>
+            </a:r>
+          </a:p>
+          <a:p>
+            <a:pPr marL="457200" lvl="1" indent="0">
+              <a:buNone/>
+            </a:pPr>
+            <a:r>
+              <a:rPr lang="en-US" altLang="ko-KR" dirty="0"/>
+              <a:t>since input is received as a string) </a:t>
+            </a:r>
+          </a:p>
+          <a:p>
+            <a:pPr lvl="1"/>
+            <a:r>
+              <a:rPr lang="en-US" altLang="ko-KR" dirty="0"/>
+              <a:t>Scores: sorted array of the scores</a:t>
+            </a:r>
+          </a:p>
+          <a:p>
+            <a:pPr lvl="1"/>
+            <a:r>
+              <a:rPr lang="en-US" altLang="ko-KR" dirty="0" err="1"/>
+              <a:t>i</a:t>
+            </a:r>
+            <a:r>
+              <a:rPr lang="en-US" altLang="ko-KR" dirty="0"/>
+              <a:t>, j: iteration variables</a:t>
+            </a:r>
           </a:p>
           <a:p>
             <a:pPr lvl="1"/>
@@ -3853,338 +3984,36 @@
           </a:p>
         </p:txBody>
       </p:sp>
-      <p:graphicFrame>
-        <p:nvGraphicFramePr>
-          <p:cNvPr id="4" name="Table 4">
-            <a:extLst>
-              <a:ext uri="{FF2B5EF4-FFF2-40B4-BE49-F238E27FC236}">
-                <a16:creationId xmlns:a16="http://schemas.microsoft.com/office/drawing/2014/main" id="{1A4635B0-29C6-6324-CA87-3BDDB144D280}"/>
-              </a:ext>
-            </a:extLst>
-          </p:cNvPr>
-          <p:cNvGraphicFramePr>
-            <a:graphicFrameLocks noGrp="1"/>
-          </p:cNvGraphicFramePr>
-          <p:nvPr>
-            <p:extLst>
-              <p:ext uri="{D42A27DB-BD31-4B8C-83A1-F6EECF244321}">
-                <p14:modId xmlns:p14="http://schemas.microsoft.com/office/powerpoint/2010/main" val="739607344"/>
-              </p:ext>
-            </p:extLst>
-          </p:nvPr>
-        </p:nvGraphicFramePr>
-        <p:xfrm>
-          <a:off x="5641108" y="2229798"/>
-          <a:ext cx="5328228" cy="3542992"/>
-        </p:xfrm>
-        <a:graphic>
-          <a:graphicData uri="http://schemas.openxmlformats.org/drawingml/2006/table">
-            <a:tbl>
-              <a:tblPr bandRow="1">
-                <a:tableStyleId>{073A0DAA-6AF3-43AB-8588-CEC1D06C72B9}</a:tableStyleId>
-              </a:tblPr>
-              <a:tblGrid>
-                <a:gridCol w="1332057">
-                  <a:extLst>
-                    <a:ext uri="{9D8B030D-6E8A-4147-A177-3AD203B41FA5}">
-                      <a16:colId xmlns:a16="http://schemas.microsoft.com/office/drawing/2014/main" val="3865691098"/>
-                    </a:ext>
-                  </a:extLst>
-                </a:gridCol>
-                <a:gridCol w="1332057">
-                  <a:extLst>
-                    <a:ext uri="{9D8B030D-6E8A-4147-A177-3AD203B41FA5}">
-                      <a16:colId xmlns:a16="http://schemas.microsoft.com/office/drawing/2014/main" val="2604290067"/>
-                    </a:ext>
-                  </a:extLst>
-                </a:gridCol>
-                <a:gridCol w="1332057">
-                  <a:extLst>
-                    <a:ext uri="{9D8B030D-6E8A-4147-A177-3AD203B41FA5}">
-                      <a16:colId xmlns:a16="http://schemas.microsoft.com/office/drawing/2014/main" val="2259957559"/>
-                    </a:ext>
-                  </a:extLst>
-                </a:gridCol>
-                <a:gridCol w="1332057">
-                  <a:extLst>
-                    <a:ext uri="{9D8B030D-6E8A-4147-A177-3AD203B41FA5}">
-                      <a16:colId xmlns:a16="http://schemas.microsoft.com/office/drawing/2014/main" val="797990127"/>
-                    </a:ext>
-                  </a:extLst>
-                </a:gridCol>
-              </a:tblGrid>
-              <a:tr h="876616">
-                <a:tc>
-                  <a:txBody>
-                    <a:bodyPr/>
-                    <a:lstStyle/>
-                    <a:p>
-                      <a:pPr algn="ctr" latinLnBrk="1"/>
-                      <a:r>
-                        <a:rPr lang="en-US" altLang="ko-KR" sz="2400" dirty="0"/>
-                        <a:t>1</a:t>
-                      </a:r>
-                      <a:endParaRPr lang="ko-KR" altLang="en-US" sz="2400" dirty="0"/>
-                    </a:p>
-                  </a:txBody>
-                  <a:tcPr/>
-                </a:tc>
-                <a:tc>
-                  <a:txBody>
-                    <a:bodyPr/>
-                    <a:lstStyle/>
-                    <a:p>
-                      <a:pPr algn="ctr" latinLnBrk="1"/>
-                      <a:r>
-                        <a:rPr lang="en-US" altLang="ko-KR" dirty="0"/>
-                        <a:t>2</a:t>
-                      </a:r>
-                      <a:endParaRPr lang="ko-KR" altLang="en-US" dirty="0"/>
-                    </a:p>
-                  </a:txBody>
-                  <a:tcPr/>
-                </a:tc>
-                <a:tc>
-                  <a:txBody>
-                    <a:bodyPr/>
-                    <a:lstStyle/>
-                    <a:p>
-                      <a:pPr algn="ctr" latinLnBrk="1"/>
-                      <a:r>
-                        <a:rPr lang="en-US" altLang="ko-KR" dirty="0"/>
-                        <a:t>3</a:t>
-                      </a:r>
-                      <a:endParaRPr lang="ko-KR" altLang="en-US" dirty="0"/>
-                    </a:p>
-                  </a:txBody>
-                  <a:tcPr/>
-                </a:tc>
-                <a:tc>
-                  <a:txBody>
-                    <a:bodyPr/>
-                    <a:lstStyle/>
-                    <a:p>
-                      <a:pPr algn="ctr" latinLnBrk="1"/>
-                      <a:r>
-                        <a:rPr lang="en-US" altLang="ko-KR" dirty="0"/>
-                        <a:t>4</a:t>
-                      </a:r>
-                      <a:endParaRPr lang="ko-KR" altLang="en-US" dirty="0"/>
-                    </a:p>
-                  </a:txBody>
-                  <a:tcPr/>
-                </a:tc>
-                <a:extLst>
-                  <a:ext uri="{0D108BD9-81ED-4DB2-BD59-A6C34878D82A}">
-                    <a16:rowId xmlns:a16="http://schemas.microsoft.com/office/drawing/2014/main" val="900030714"/>
-                  </a:ext>
-                </a:extLst>
-              </a:tr>
-              <a:tr h="888792">
-                <a:tc>
-                  <a:txBody>
-                    <a:bodyPr/>
-                    <a:lstStyle/>
-                    <a:p>
-                      <a:pPr algn="ctr" latinLnBrk="1"/>
-                      <a:r>
-                        <a:rPr lang="en-US" altLang="ko-KR" dirty="0"/>
-                        <a:t>5</a:t>
-                      </a:r>
-                      <a:endParaRPr lang="ko-KR" altLang="en-US" dirty="0"/>
-                    </a:p>
-                  </a:txBody>
-                  <a:tcPr/>
-                </a:tc>
-                <a:tc>
-                  <a:txBody>
-                    <a:bodyPr/>
-                    <a:lstStyle/>
-                    <a:p>
-                      <a:pPr algn="ctr" latinLnBrk="1"/>
-                      <a:r>
-                        <a:rPr lang="en-US" altLang="ko-KR" dirty="0"/>
-                        <a:t>6</a:t>
-                      </a:r>
-                      <a:endParaRPr lang="ko-KR" altLang="en-US" dirty="0"/>
-                    </a:p>
-                  </a:txBody>
-                  <a:tcPr/>
-                </a:tc>
-                <a:tc>
-                  <a:txBody>
-                    <a:bodyPr/>
-                    <a:lstStyle/>
-                    <a:p>
-                      <a:pPr algn="ctr" latinLnBrk="1"/>
-                      <a:r>
-                        <a:rPr lang="en-US" altLang="ko-KR" dirty="0"/>
-                        <a:t>7</a:t>
-                      </a:r>
-                      <a:endParaRPr lang="ko-KR" altLang="en-US" dirty="0"/>
-                    </a:p>
-                  </a:txBody>
-                  <a:tcPr/>
-                </a:tc>
-                <a:tc>
-                  <a:txBody>
-                    <a:bodyPr/>
-                    <a:lstStyle/>
-                    <a:p>
-                      <a:pPr algn="ctr" latinLnBrk="1"/>
-                      <a:r>
-                        <a:rPr lang="en-US" altLang="ko-KR" dirty="0"/>
-                        <a:t>8</a:t>
-                      </a:r>
-                      <a:endParaRPr lang="ko-KR" altLang="en-US" dirty="0"/>
-                    </a:p>
-                  </a:txBody>
-                  <a:tcPr/>
-                </a:tc>
-                <a:extLst>
-                  <a:ext uri="{0D108BD9-81ED-4DB2-BD59-A6C34878D82A}">
-                    <a16:rowId xmlns:a16="http://schemas.microsoft.com/office/drawing/2014/main" val="1933267427"/>
-                  </a:ext>
-                </a:extLst>
-              </a:tr>
-              <a:tr h="888792">
-                <a:tc>
-                  <a:txBody>
-                    <a:bodyPr/>
-                    <a:lstStyle/>
-                    <a:p>
-                      <a:pPr algn="ctr" latinLnBrk="1"/>
-                      <a:r>
-                        <a:rPr lang="en-US" altLang="ko-KR" dirty="0"/>
-                        <a:t>9</a:t>
-                      </a:r>
-                      <a:endParaRPr lang="ko-KR" altLang="en-US" dirty="0"/>
-                    </a:p>
-                  </a:txBody>
-                  <a:tcPr/>
-                </a:tc>
-                <a:tc>
-                  <a:txBody>
-                    <a:bodyPr/>
-                    <a:lstStyle/>
-                    <a:p>
-                      <a:pPr algn="ctr" latinLnBrk="1"/>
-                      <a:r>
-                        <a:rPr lang="en-US" altLang="ko-KR" dirty="0"/>
-                        <a:t>10</a:t>
-                      </a:r>
-                      <a:endParaRPr lang="ko-KR" altLang="en-US" dirty="0"/>
-                    </a:p>
-                  </a:txBody>
-                  <a:tcPr/>
-                </a:tc>
-                <a:tc>
-                  <a:txBody>
-                    <a:bodyPr/>
-                    <a:lstStyle/>
-                    <a:p>
-                      <a:pPr algn="ctr" latinLnBrk="1"/>
-                      <a:r>
-                        <a:rPr lang="en-US" altLang="ko-KR" dirty="0"/>
-                        <a:t>11</a:t>
-                      </a:r>
-                      <a:endParaRPr lang="ko-KR" altLang="en-US" dirty="0"/>
-                    </a:p>
-                  </a:txBody>
-                  <a:tcPr/>
-                </a:tc>
-                <a:tc>
-                  <a:txBody>
-                    <a:bodyPr/>
-                    <a:lstStyle/>
-                    <a:p>
-                      <a:pPr algn="ctr" latinLnBrk="1"/>
-                      <a:r>
-                        <a:rPr lang="en-US" altLang="ko-KR" dirty="0"/>
-                        <a:t>12</a:t>
-                      </a:r>
-                      <a:endParaRPr lang="ko-KR" altLang="en-US" dirty="0"/>
-                    </a:p>
-                  </a:txBody>
-                  <a:tcPr/>
-                </a:tc>
-                <a:extLst>
-                  <a:ext uri="{0D108BD9-81ED-4DB2-BD59-A6C34878D82A}">
-                    <a16:rowId xmlns:a16="http://schemas.microsoft.com/office/drawing/2014/main" val="2523083022"/>
-                  </a:ext>
-                </a:extLst>
-              </a:tr>
-              <a:tr h="888792">
-                <a:tc>
-                  <a:txBody>
-                    <a:bodyPr/>
-                    <a:lstStyle/>
-                    <a:p>
-                      <a:pPr algn="ctr" latinLnBrk="1"/>
-                      <a:r>
-                        <a:rPr lang="en-US" altLang="ko-KR" dirty="0"/>
-                        <a:t>13</a:t>
-                      </a:r>
-                      <a:endParaRPr lang="ko-KR" altLang="en-US" dirty="0"/>
-                    </a:p>
-                  </a:txBody>
-                  <a:tcPr/>
-                </a:tc>
-                <a:tc>
-                  <a:txBody>
-                    <a:bodyPr/>
-                    <a:lstStyle/>
-                    <a:p>
-                      <a:pPr algn="ctr" latinLnBrk="1"/>
-                      <a:r>
-                        <a:rPr lang="en-US" altLang="ko-KR" dirty="0"/>
-                        <a:t>14</a:t>
-                      </a:r>
-                      <a:endParaRPr lang="ko-KR" altLang="en-US" dirty="0"/>
-                    </a:p>
-                  </a:txBody>
-                  <a:tcPr/>
-                </a:tc>
-                <a:tc>
-                  <a:txBody>
-                    <a:bodyPr/>
-                    <a:lstStyle/>
-                    <a:p>
-                      <a:pPr algn="ctr" latinLnBrk="1"/>
-                      <a:r>
-                        <a:rPr lang="en-US" altLang="ko-KR" dirty="0"/>
-                        <a:t>15</a:t>
-                      </a:r>
-                      <a:endParaRPr lang="ko-KR" altLang="en-US" dirty="0"/>
-                    </a:p>
-                  </a:txBody>
-                  <a:tcPr/>
-                </a:tc>
-                <a:tc>
-                  <a:txBody>
-                    <a:bodyPr/>
-                    <a:lstStyle/>
-                    <a:p>
-                      <a:pPr algn="ctr" latinLnBrk="1"/>
-                      <a:r>
-                        <a:rPr lang="en-US" altLang="ko-KR" dirty="0"/>
-                        <a:t>16</a:t>
-                      </a:r>
-                      <a:endParaRPr lang="ko-KR" altLang="en-US" dirty="0"/>
-                    </a:p>
-                  </a:txBody>
-                  <a:tcPr/>
-                </a:tc>
-                <a:extLst>
-                  <a:ext uri="{0D108BD9-81ED-4DB2-BD59-A6C34878D82A}">
-                    <a16:rowId xmlns:a16="http://schemas.microsoft.com/office/drawing/2014/main" val="4202676172"/>
-                  </a:ext>
-                </a:extLst>
-              </a:tr>
-            </a:tbl>
-          </a:graphicData>
-        </a:graphic>
-      </p:graphicFrame>
+      <p:pic>
+        <p:nvPicPr>
+          <p:cNvPr id="8" name="Picture 7">
+            <a:extLst>
+              <a:ext uri="{FF2B5EF4-FFF2-40B4-BE49-F238E27FC236}">
+                <a16:creationId xmlns:a16="http://schemas.microsoft.com/office/drawing/2014/main" id="{D5C36654-DF21-82F1-58AB-BC49DA5A3329}"/>
+              </a:ext>
+            </a:extLst>
+          </p:cNvPr>
+          <p:cNvPicPr>
+            <a:picLocks noChangeAspect="1"/>
+          </p:cNvPicPr>
+          <p:nvPr/>
+        </p:nvPicPr>
+        <p:blipFill>
+          <a:blip r:embed="rId2"/>
+          <a:stretch>
+            <a:fillRect/>
+          </a:stretch>
+        </p:blipFill>
+        <p:spPr>
+          <a:xfrm>
+            <a:off x="6360439" y="1976129"/>
+            <a:ext cx="5681659" cy="3720133"/>
+          </a:xfrm>
+          <a:prstGeom prst="rect">
+            <a:avLst/>
+          </a:prstGeom>
+        </p:spPr>
+      </p:pic>
     </p:spTree>
     <p:extLst>
       <p:ext uri="{BB962C8B-B14F-4D97-AF65-F5344CB8AC3E}">
@@ -4267,16 +4096,10 @@
           </a:bodyPr>
           <a:lstStyle/>
           <a:p>
-            <a:r>
-              <a:rPr lang="en-US" altLang="ko-KR" dirty="0"/>
-              <a:t>Example:</a:t>
-            </a:r>
-          </a:p>
-          <a:p>
             <a:pPr lvl="1"/>
             <a:r>
               <a:rPr lang="en-US" altLang="ko-KR" dirty="0"/>
-              <a:t>Find k = 10</a:t>
+              <a:t>Scan for A and B</a:t>
             </a:r>
           </a:p>
           <a:p>
@@ -4287,374 +4110,46 @@
             <a:pPr lvl="1"/>
             <a:r>
               <a:rPr lang="en-US" altLang="ko-KR" dirty="0"/>
-              <a:t>k &lt; 13</a:t>
-            </a:r>
-          </a:p>
-          <a:p>
-            <a:pPr lvl="1"/>
-            <a:endParaRPr lang="en-US" altLang="ko-KR" dirty="0"/>
-          </a:p>
-          <a:p>
-            <a:pPr lvl="1"/>
-            <a:r>
-              <a:rPr lang="en-US" altLang="ko-KR" dirty="0"/>
-              <a:t>Move one step up</a:t>
-            </a:r>
-          </a:p>
-          <a:p>
-            <a:pPr lvl="1"/>
-            <a:endParaRPr lang="en-US" altLang="ko-KR" dirty="0"/>
-          </a:p>
-          <a:p>
-            <a:pPr lvl="1"/>
-            <a:endParaRPr lang="en-US" altLang="ko-KR" dirty="0"/>
-          </a:p>
-          <a:p>
-            <a:pPr lvl="1"/>
+              <a:t>Use a for loop to scan for the results </a:t>
+            </a:r>
             <a:endParaRPr lang="ko-KR" altLang="en-US" dirty="0"/>
           </a:p>
         </p:txBody>
       </p:sp>
-      <p:graphicFrame>
-        <p:nvGraphicFramePr>
-          <p:cNvPr id="4" name="Table 4">
-            <a:extLst>
-              <a:ext uri="{FF2B5EF4-FFF2-40B4-BE49-F238E27FC236}">
-                <a16:creationId xmlns:a16="http://schemas.microsoft.com/office/drawing/2014/main" id="{1A4635B0-29C6-6324-CA87-3BDDB144D280}"/>
-              </a:ext>
-            </a:extLst>
-          </p:cNvPr>
-          <p:cNvGraphicFramePr>
-            <a:graphicFrameLocks noGrp="1"/>
-          </p:cNvGraphicFramePr>
-          <p:nvPr>
-            <p:extLst>
-              <p:ext uri="{D42A27DB-BD31-4B8C-83A1-F6EECF244321}">
-                <p14:modId xmlns:p14="http://schemas.microsoft.com/office/powerpoint/2010/main" val="965478080"/>
-              </p:ext>
-            </p:extLst>
-          </p:nvPr>
-        </p:nvGraphicFramePr>
-        <p:xfrm>
-          <a:off x="5641108" y="2229798"/>
-          <a:ext cx="5328228" cy="3542992"/>
-        </p:xfrm>
-        <a:graphic>
-          <a:graphicData uri="http://schemas.openxmlformats.org/drawingml/2006/table">
-            <a:tbl>
-              <a:tblPr bandRow="1">
-                <a:tableStyleId>{073A0DAA-6AF3-43AB-8588-CEC1D06C72B9}</a:tableStyleId>
-              </a:tblPr>
-              <a:tblGrid>
-                <a:gridCol w="1332057">
-                  <a:extLst>
-                    <a:ext uri="{9D8B030D-6E8A-4147-A177-3AD203B41FA5}">
-                      <a16:colId xmlns:a16="http://schemas.microsoft.com/office/drawing/2014/main" val="3865691098"/>
-                    </a:ext>
-                  </a:extLst>
-                </a:gridCol>
-                <a:gridCol w="1332057">
-                  <a:extLst>
-                    <a:ext uri="{9D8B030D-6E8A-4147-A177-3AD203B41FA5}">
-                      <a16:colId xmlns:a16="http://schemas.microsoft.com/office/drawing/2014/main" val="2604290067"/>
-                    </a:ext>
-                  </a:extLst>
-                </a:gridCol>
-                <a:gridCol w="1332057">
-                  <a:extLst>
-                    <a:ext uri="{9D8B030D-6E8A-4147-A177-3AD203B41FA5}">
-                      <a16:colId xmlns:a16="http://schemas.microsoft.com/office/drawing/2014/main" val="2259957559"/>
-                    </a:ext>
-                  </a:extLst>
-                </a:gridCol>
-                <a:gridCol w="1332057">
-                  <a:extLst>
-                    <a:ext uri="{9D8B030D-6E8A-4147-A177-3AD203B41FA5}">
-                      <a16:colId xmlns:a16="http://schemas.microsoft.com/office/drawing/2014/main" val="797990127"/>
-                    </a:ext>
-                  </a:extLst>
-                </a:gridCol>
-              </a:tblGrid>
-              <a:tr h="876616">
-                <a:tc>
-                  <a:txBody>
-                    <a:bodyPr/>
-                    <a:lstStyle/>
-                    <a:p>
-                      <a:pPr algn="ctr" latinLnBrk="1"/>
-                      <a:r>
-                        <a:rPr lang="en-US" altLang="ko-KR" sz="2400" dirty="0"/>
-                        <a:t>1</a:t>
-                      </a:r>
-                      <a:endParaRPr lang="ko-KR" altLang="en-US" sz="2400" dirty="0"/>
-                    </a:p>
-                  </a:txBody>
-                  <a:tcPr/>
-                </a:tc>
-                <a:tc>
-                  <a:txBody>
-                    <a:bodyPr/>
-                    <a:lstStyle/>
-                    <a:p>
-                      <a:pPr algn="ctr" latinLnBrk="1"/>
-                      <a:r>
-                        <a:rPr lang="en-US" altLang="ko-KR" dirty="0"/>
-                        <a:t>2</a:t>
-                      </a:r>
-                      <a:endParaRPr lang="ko-KR" altLang="en-US" dirty="0"/>
-                    </a:p>
-                  </a:txBody>
-                  <a:tcPr/>
-                </a:tc>
-                <a:tc>
-                  <a:txBody>
-                    <a:bodyPr/>
-                    <a:lstStyle/>
-                    <a:p>
-                      <a:pPr algn="ctr" latinLnBrk="1"/>
-                      <a:r>
-                        <a:rPr lang="en-US" altLang="ko-KR" dirty="0"/>
-                        <a:t>3</a:t>
-                      </a:r>
-                      <a:endParaRPr lang="ko-KR" altLang="en-US" dirty="0"/>
-                    </a:p>
-                  </a:txBody>
-                  <a:tcPr/>
-                </a:tc>
-                <a:tc>
-                  <a:txBody>
-                    <a:bodyPr/>
-                    <a:lstStyle/>
-                    <a:p>
-                      <a:pPr algn="ctr" latinLnBrk="1"/>
-                      <a:r>
-                        <a:rPr lang="en-US" altLang="ko-KR" dirty="0"/>
-                        <a:t>4</a:t>
-                      </a:r>
-                      <a:endParaRPr lang="ko-KR" altLang="en-US" dirty="0"/>
-                    </a:p>
-                  </a:txBody>
-                  <a:tcPr/>
-                </a:tc>
-                <a:extLst>
-                  <a:ext uri="{0D108BD9-81ED-4DB2-BD59-A6C34878D82A}">
-                    <a16:rowId xmlns:a16="http://schemas.microsoft.com/office/drawing/2014/main" val="900030714"/>
-                  </a:ext>
-                </a:extLst>
-              </a:tr>
-              <a:tr h="888792">
-                <a:tc>
-                  <a:txBody>
-                    <a:bodyPr/>
-                    <a:lstStyle/>
-                    <a:p>
-                      <a:pPr algn="ctr" latinLnBrk="1"/>
-                      <a:r>
-                        <a:rPr lang="en-US" altLang="ko-KR" dirty="0"/>
-                        <a:t>5</a:t>
-                      </a:r>
-                      <a:endParaRPr lang="ko-KR" altLang="en-US" dirty="0"/>
-                    </a:p>
-                  </a:txBody>
-                  <a:tcPr/>
-                </a:tc>
-                <a:tc>
-                  <a:txBody>
-                    <a:bodyPr/>
-                    <a:lstStyle/>
-                    <a:p>
-                      <a:pPr algn="ctr" latinLnBrk="1"/>
-                      <a:r>
-                        <a:rPr lang="en-US" altLang="ko-KR" dirty="0"/>
-                        <a:t>6</a:t>
-                      </a:r>
-                      <a:endParaRPr lang="ko-KR" altLang="en-US" dirty="0"/>
-                    </a:p>
-                  </a:txBody>
-                  <a:tcPr/>
-                </a:tc>
-                <a:tc>
-                  <a:txBody>
-                    <a:bodyPr/>
-                    <a:lstStyle/>
-                    <a:p>
-                      <a:pPr algn="ctr" latinLnBrk="1"/>
-                      <a:r>
-                        <a:rPr lang="en-US" altLang="ko-KR" dirty="0"/>
-                        <a:t>7</a:t>
-                      </a:r>
-                      <a:endParaRPr lang="ko-KR" altLang="en-US" dirty="0"/>
-                    </a:p>
-                  </a:txBody>
-                  <a:tcPr/>
-                </a:tc>
-                <a:tc>
-                  <a:txBody>
-                    <a:bodyPr/>
-                    <a:lstStyle/>
-                    <a:p>
-                      <a:pPr algn="ctr" latinLnBrk="1"/>
-                      <a:r>
-                        <a:rPr lang="en-US" altLang="ko-KR" dirty="0"/>
-                        <a:t>8</a:t>
-                      </a:r>
-                      <a:endParaRPr lang="ko-KR" altLang="en-US" dirty="0"/>
-                    </a:p>
-                  </a:txBody>
-                  <a:tcPr/>
-                </a:tc>
-                <a:extLst>
-                  <a:ext uri="{0D108BD9-81ED-4DB2-BD59-A6C34878D82A}">
-                    <a16:rowId xmlns:a16="http://schemas.microsoft.com/office/drawing/2014/main" val="1933267427"/>
-                  </a:ext>
-                </a:extLst>
-              </a:tr>
-              <a:tr h="888792">
-                <a:tc>
-                  <a:txBody>
-                    <a:bodyPr/>
-                    <a:lstStyle/>
-                    <a:p>
-                      <a:pPr algn="ctr" latinLnBrk="1"/>
-                      <a:r>
-                        <a:rPr lang="en-US" altLang="ko-KR" dirty="0"/>
-                        <a:t>9</a:t>
-                      </a:r>
-                      <a:endParaRPr lang="ko-KR" altLang="en-US" dirty="0"/>
-                    </a:p>
-                  </a:txBody>
-                  <a:tcPr/>
-                </a:tc>
-                <a:tc>
-                  <a:txBody>
-                    <a:bodyPr/>
-                    <a:lstStyle/>
-                    <a:p>
-                      <a:pPr algn="ctr" latinLnBrk="1"/>
-                      <a:r>
-                        <a:rPr lang="en-US" altLang="ko-KR" dirty="0"/>
-                        <a:t>10</a:t>
-                      </a:r>
-                      <a:endParaRPr lang="ko-KR" altLang="en-US" dirty="0"/>
-                    </a:p>
-                  </a:txBody>
-                  <a:tcPr/>
-                </a:tc>
-                <a:tc>
-                  <a:txBody>
-                    <a:bodyPr/>
-                    <a:lstStyle/>
-                    <a:p>
-                      <a:pPr algn="ctr" latinLnBrk="1"/>
-                      <a:r>
-                        <a:rPr lang="en-US" altLang="ko-KR" dirty="0"/>
-                        <a:t>11</a:t>
-                      </a:r>
-                      <a:endParaRPr lang="ko-KR" altLang="en-US" dirty="0"/>
-                    </a:p>
-                  </a:txBody>
-                  <a:tcPr/>
-                </a:tc>
-                <a:tc>
-                  <a:txBody>
-                    <a:bodyPr/>
-                    <a:lstStyle/>
-                    <a:p>
-                      <a:pPr algn="ctr" latinLnBrk="1"/>
-                      <a:r>
-                        <a:rPr lang="en-US" altLang="ko-KR" dirty="0"/>
-                        <a:t>12</a:t>
-                      </a:r>
-                      <a:endParaRPr lang="ko-KR" altLang="en-US" dirty="0"/>
-                    </a:p>
-                  </a:txBody>
-                  <a:tcPr/>
-                </a:tc>
-                <a:extLst>
-                  <a:ext uri="{0D108BD9-81ED-4DB2-BD59-A6C34878D82A}">
-                    <a16:rowId xmlns:a16="http://schemas.microsoft.com/office/drawing/2014/main" val="2523083022"/>
-                  </a:ext>
-                </a:extLst>
-              </a:tr>
-              <a:tr h="888792">
-                <a:tc>
-                  <a:txBody>
-                    <a:bodyPr/>
-                    <a:lstStyle/>
-                    <a:p>
-                      <a:pPr algn="ctr" latinLnBrk="1"/>
-                      <a:r>
-                        <a:rPr lang="en-US" altLang="ko-KR" dirty="0"/>
-                        <a:t>13</a:t>
-                      </a:r>
-                      <a:endParaRPr lang="ko-KR" altLang="en-US" dirty="0"/>
-                    </a:p>
-                  </a:txBody>
-                  <a:tcPr>
-                    <a:solidFill>
-                      <a:schemeClr val="accent2"/>
-                    </a:solidFill>
-                  </a:tcPr>
-                </a:tc>
-                <a:tc>
-                  <a:txBody>
-                    <a:bodyPr/>
-                    <a:lstStyle/>
-                    <a:p>
-                      <a:pPr algn="ctr" latinLnBrk="1"/>
-                      <a:r>
-                        <a:rPr lang="en-US" altLang="ko-KR" dirty="0"/>
-                        <a:t>14</a:t>
-                      </a:r>
-                      <a:endParaRPr lang="ko-KR" altLang="en-US" dirty="0"/>
-                    </a:p>
-                  </a:txBody>
-                  <a:tcPr/>
-                </a:tc>
-                <a:tc>
-                  <a:txBody>
-                    <a:bodyPr/>
-                    <a:lstStyle/>
-                    <a:p>
-                      <a:pPr algn="ctr" latinLnBrk="1"/>
-                      <a:r>
-                        <a:rPr lang="en-US" altLang="ko-KR" dirty="0"/>
-                        <a:t>15</a:t>
-                      </a:r>
-                      <a:endParaRPr lang="ko-KR" altLang="en-US" dirty="0"/>
-                    </a:p>
-                  </a:txBody>
-                  <a:tcPr/>
-                </a:tc>
-                <a:tc>
-                  <a:txBody>
-                    <a:bodyPr/>
-                    <a:lstStyle/>
-                    <a:p>
-                      <a:pPr algn="ctr" latinLnBrk="1"/>
-                      <a:r>
-                        <a:rPr lang="en-US" altLang="ko-KR" dirty="0"/>
-                        <a:t>16</a:t>
-                      </a:r>
-                      <a:endParaRPr lang="ko-KR" altLang="en-US" dirty="0"/>
-                    </a:p>
-                  </a:txBody>
-                  <a:tcPr/>
-                </a:tc>
-                <a:extLst>
-                  <a:ext uri="{0D108BD9-81ED-4DB2-BD59-A6C34878D82A}">
-                    <a16:rowId xmlns:a16="http://schemas.microsoft.com/office/drawing/2014/main" val="4202676172"/>
-                  </a:ext>
-                </a:extLst>
-              </a:tr>
-            </a:tbl>
-          </a:graphicData>
-        </a:graphic>
-      </p:graphicFrame>
+      <p:pic>
+        <p:nvPicPr>
+          <p:cNvPr id="7" name="Picture 6">
+            <a:extLst>
+              <a:ext uri="{FF2B5EF4-FFF2-40B4-BE49-F238E27FC236}">
+                <a16:creationId xmlns:a16="http://schemas.microsoft.com/office/drawing/2014/main" id="{60A6FF46-1C34-225A-90F4-000303042632}"/>
+              </a:ext>
+            </a:extLst>
+          </p:cNvPr>
+          <p:cNvPicPr>
+            <a:picLocks noChangeAspect="1"/>
+          </p:cNvPicPr>
+          <p:nvPr/>
+        </p:nvPicPr>
+        <p:blipFill>
+          <a:blip r:embed="rId2"/>
+          <a:stretch>
+            <a:fillRect/>
+          </a:stretch>
+        </p:blipFill>
+        <p:spPr>
+          <a:xfrm>
+            <a:off x="6320852" y="3294756"/>
+            <a:ext cx="5593950" cy="3017144"/>
+          </a:xfrm>
+          <a:prstGeom prst="rect">
+            <a:avLst/>
+          </a:prstGeom>
+        </p:spPr>
+      </p:pic>
     </p:spTree>
     <p:extLst>
       <p:ext uri="{BB962C8B-B14F-4D97-AF65-F5344CB8AC3E}">
-        <p14:creationId xmlns:p14="http://schemas.microsoft.com/office/powerpoint/2010/main" val="3379090351"/>
+        <p14:creationId xmlns:p14="http://schemas.microsoft.com/office/powerpoint/2010/main" val="1439464936"/>
       </p:ext>
     </p:extLst>
   </p:cSld>
@@ -4733,397 +4228,58 @@
           </a:bodyPr>
           <a:lstStyle/>
           <a:p>
-            <a:r>
-              <a:rPr lang="en-US" altLang="ko-KR" dirty="0"/>
-              <a:t>Example:</a:t>
-            </a:r>
-          </a:p>
-          <a:p>
             <a:pPr lvl="1"/>
             <a:r>
               <a:rPr lang="en-US" altLang="ko-KR" dirty="0"/>
-              <a:t>Find k = 10</a:t>
-            </a:r>
-          </a:p>
-          <a:p>
-            <a:pPr lvl="1"/>
-            <a:endParaRPr lang="en-US" altLang="ko-KR" dirty="0"/>
-          </a:p>
-          <a:p>
-            <a:pPr lvl="1"/>
-            <a:r>
-              <a:rPr lang="en-US" altLang="ko-KR" dirty="0"/>
-              <a:t>k &gt; 9</a:t>
-            </a:r>
-          </a:p>
-          <a:p>
-            <a:pPr lvl="1"/>
-            <a:endParaRPr lang="en-US" altLang="ko-KR" dirty="0"/>
-          </a:p>
-          <a:p>
-            <a:pPr lvl="1"/>
-            <a:r>
-              <a:rPr lang="en-US" altLang="ko-KR" dirty="0"/>
-              <a:t>Move one step to the right</a:t>
-            </a:r>
-          </a:p>
-          <a:p>
-            <a:pPr lvl="1"/>
-            <a:endParaRPr lang="en-US" altLang="ko-KR" dirty="0"/>
-          </a:p>
-          <a:p>
-            <a:pPr lvl="1"/>
+              <a:t>Nested for loop for calculating</a:t>
+            </a:r>
+          </a:p>
+          <a:p>
+            <a:pPr marL="457200" lvl="1" indent="0">
+              <a:buNone/>
+            </a:pPr>
+            <a:r>
+              <a:rPr lang="en-US" altLang="ko-KR" dirty="0"/>
+              <a:t>and sorting </a:t>
+            </a:r>
             <a:endParaRPr lang="ko-KR" altLang="en-US" dirty="0"/>
           </a:p>
         </p:txBody>
       </p:sp>
-      <p:graphicFrame>
-        <p:nvGraphicFramePr>
-          <p:cNvPr id="4" name="Table 4">
-            <a:extLst>
-              <a:ext uri="{FF2B5EF4-FFF2-40B4-BE49-F238E27FC236}">
-                <a16:creationId xmlns:a16="http://schemas.microsoft.com/office/drawing/2014/main" id="{1A4635B0-29C6-6324-CA87-3BDDB144D280}"/>
-              </a:ext>
-            </a:extLst>
-          </p:cNvPr>
-          <p:cNvGraphicFramePr>
-            <a:graphicFrameLocks noGrp="1"/>
-          </p:cNvGraphicFramePr>
-          <p:nvPr>
-            <p:extLst>
-              <p:ext uri="{D42A27DB-BD31-4B8C-83A1-F6EECF244321}">
-                <p14:modId xmlns:p14="http://schemas.microsoft.com/office/powerpoint/2010/main" val="134693405"/>
-              </p:ext>
-            </p:extLst>
-          </p:nvPr>
-        </p:nvGraphicFramePr>
-        <p:xfrm>
-          <a:off x="5641108" y="2229798"/>
-          <a:ext cx="5328228" cy="3542992"/>
-        </p:xfrm>
-        <a:graphic>
-          <a:graphicData uri="http://schemas.openxmlformats.org/drawingml/2006/table">
-            <a:tbl>
-              <a:tblPr bandRow="1">
-                <a:tableStyleId>{073A0DAA-6AF3-43AB-8588-CEC1D06C72B9}</a:tableStyleId>
-              </a:tblPr>
-              <a:tblGrid>
-                <a:gridCol w="1332057">
-                  <a:extLst>
-                    <a:ext uri="{9D8B030D-6E8A-4147-A177-3AD203B41FA5}">
-                      <a16:colId xmlns:a16="http://schemas.microsoft.com/office/drawing/2014/main" val="3865691098"/>
-                    </a:ext>
-                  </a:extLst>
-                </a:gridCol>
-                <a:gridCol w="1332057">
-                  <a:extLst>
-                    <a:ext uri="{9D8B030D-6E8A-4147-A177-3AD203B41FA5}">
-                      <a16:colId xmlns:a16="http://schemas.microsoft.com/office/drawing/2014/main" val="2604290067"/>
-                    </a:ext>
-                  </a:extLst>
-                </a:gridCol>
-                <a:gridCol w="1332057">
-                  <a:extLst>
-                    <a:ext uri="{9D8B030D-6E8A-4147-A177-3AD203B41FA5}">
-                      <a16:colId xmlns:a16="http://schemas.microsoft.com/office/drawing/2014/main" val="2259957559"/>
-                    </a:ext>
-                  </a:extLst>
-                </a:gridCol>
-                <a:gridCol w="1332057">
-                  <a:extLst>
-                    <a:ext uri="{9D8B030D-6E8A-4147-A177-3AD203B41FA5}">
-                      <a16:colId xmlns:a16="http://schemas.microsoft.com/office/drawing/2014/main" val="797990127"/>
-                    </a:ext>
-                  </a:extLst>
-                </a:gridCol>
-              </a:tblGrid>
-              <a:tr h="876616">
-                <a:tc>
-                  <a:txBody>
-                    <a:bodyPr/>
-                    <a:lstStyle/>
-                    <a:p>
-                      <a:pPr algn="ctr" latinLnBrk="1"/>
-                      <a:r>
-                        <a:rPr lang="en-US" altLang="ko-KR" sz="2400" dirty="0"/>
-                        <a:t>1</a:t>
-                      </a:r>
-                      <a:endParaRPr lang="ko-KR" altLang="en-US" sz="2400" dirty="0"/>
-                    </a:p>
-                  </a:txBody>
-                  <a:tcPr/>
-                </a:tc>
-                <a:tc>
-                  <a:txBody>
-                    <a:bodyPr/>
-                    <a:lstStyle/>
-                    <a:p>
-                      <a:pPr algn="ctr" latinLnBrk="1"/>
-                      <a:r>
-                        <a:rPr lang="en-US" altLang="ko-KR" dirty="0"/>
-                        <a:t>2</a:t>
-                      </a:r>
-                      <a:endParaRPr lang="ko-KR" altLang="en-US" dirty="0"/>
-                    </a:p>
-                  </a:txBody>
-                  <a:tcPr/>
-                </a:tc>
-                <a:tc>
-                  <a:txBody>
-                    <a:bodyPr/>
-                    <a:lstStyle/>
-                    <a:p>
-                      <a:pPr algn="ctr" latinLnBrk="1"/>
-                      <a:r>
-                        <a:rPr lang="en-US" altLang="ko-KR" dirty="0"/>
-                        <a:t>3</a:t>
-                      </a:r>
-                      <a:endParaRPr lang="ko-KR" altLang="en-US" dirty="0"/>
-                    </a:p>
-                  </a:txBody>
-                  <a:tcPr/>
-                </a:tc>
-                <a:tc>
-                  <a:txBody>
-                    <a:bodyPr/>
-                    <a:lstStyle/>
-                    <a:p>
-                      <a:pPr algn="ctr" latinLnBrk="1"/>
-                      <a:r>
-                        <a:rPr lang="en-US" altLang="ko-KR" dirty="0"/>
-                        <a:t>4</a:t>
-                      </a:r>
-                      <a:endParaRPr lang="ko-KR" altLang="en-US" dirty="0"/>
-                    </a:p>
-                  </a:txBody>
-                  <a:tcPr/>
-                </a:tc>
-                <a:extLst>
-                  <a:ext uri="{0D108BD9-81ED-4DB2-BD59-A6C34878D82A}">
-                    <a16:rowId xmlns:a16="http://schemas.microsoft.com/office/drawing/2014/main" val="900030714"/>
-                  </a:ext>
-                </a:extLst>
-              </a:tr>
-              <a:tr h="888792">
-                <a:tc>
-                  <a:txBody>
-                    <a:bodyPr/>
-                    <a:lstStyle/>
-                    <a:p>
-                      <a:pPr algn="ctr" latinLnBrk="1"/>
-                      <a:r>
-                        <a:rPr lang="en-US" altLang="ko-KR" dirty="0"/>
-                        <a:t>5</a:t>
-                      </a:r>
-                      <a:endParaRPr lang="ko-KR" altLang="en-US" dirty="0"/>
-                    </a:p>
-                  </a:txBody>
-                  <a:tcPr/>
-                </a:tc>
-                <a:tc>
-                  <a:txBody>
-                    <a:bodyPr/>
-                    <a:lstStyle/>
-                    <a:p>
-                      <a:pPr algn="ctr" latinLnBrk="1"/>
-                      <a:r>
-                        <a:rPr lang="en-US" altLang="ko-KR" dirty="0"/>
-                        <a:t>6</a:t>
-                      </a:r>
-                      <a:endParaRPr lang="ko-KR" altLang="en-US" dirty="0"/>
-                    </a:p>
-                  </a:txBody>
-                  <a:tcPr/>
-                </a:tc>
-                <a:tc>
-                  <a:txBody>
-                    <a:bodyPr/>
-                    <a:lstStyle/>
-                    <a:p>
-                      <a:pPr algn="ctr" latinLnBrk="1"/>
-                      <a:r>
-                        <a:rPr lang="en-US" altLang="ko-KR" dirty="0"/>
-                        <a:t>7</a:t>
-                      </a:r>
-                      <a:endParaRPr lang="ko-KR" altLang="en-US" dirty="0"/>
-                    </a:p>
-                  </a:txBody>
-                  <a:tcPr/>
-                </a:tc>
-                <a:tc>
-                  <a:txBody>
-                    <a:bodyPr/>
-                    <a:lstStyle/>
-                    <a:p>
-                      <a:pPr algn="ctr" latinLnBrk="1"/>
-                      <a:r>
-                        <a:rPr lang="en-US" altLang="ko-KR" dirty="0"/>
-                        <a:t>8</a:t>
-                      </a:r>
-                      <a:endParaRPr lang="ko-KR" altLang="en-US" dirty="0"/>
-                    </a:p>
-                  </a:txBody>
-                  <a:tcPr/>
-                </a:tc>
-                <a:extLst>
-                  <a:ext uri="{0D108BD9-81ED-4DB2-BD59-A6C34878D82A}">
-                    <a16:rowId xmlns:a16="http://schemas.microsoft.com/office/drawing/2014/main" val="1933267427"/>
-                  </a:ext>
-                </a:extLst>
-              </a:tr>
-              <a:tr h="888792">
-                <a:tc>
-                  <a:txBody>
-                    <a:bodyPr/>
-                    <a:lstStyle/>
-                    <a:p>
-                      <a:pPr algn="ctr" latinLnBrk="1"/>
-                      <a:r>
-                        <a:rPr lang="en-US" altLang="ko-KR" dirty="0"/>
-                        <a:t>9</a:t>
-                      </a:r>
-                      <a:endParaRPr lang="ko-KR" altLang="en-US" dirty="0"/>
-                    </a:p>
-                  </a:txBody>
-                  <a:tcPr>
-                    <a:solidFill>
-                      <a:schemeClr val="accent2"/>
-                    </a:solidFill>
-                  </a:tcPr>
-                </a:tc>
-                <a:tc>
-                  <a:txBody>
-                    <a:bodyPr/>
-                    <a:lstStyle/>
-                    <a:p>
-                      <a:pPr algn="ctr" latinLnBrk="1"/>
-                      <a:r>
-                        <a:rPr lang="en-US" altLang="ko-KR" dirty="0"/>
-                        <a:t>10</a:t>
-                      </a:r>
-                      <a:endParaRPr lang="ko-KR" altLang="en-US" dirty="0"/>
-                    </a:p>
-                  </a:txBody>
-                  <a:tcPr/>
-                </a:tc>
-                <a:tc>
-                  <a:txBody>
-                    <a:bodyPr/>
-                    <a:lstStyle/>
-                    <a:p>
-                      <a:pPr algn="ctr" latinLnBrk="1"/>
-                      <a:r>
-                        <a:rPr lang="en-US" altLang="ko-KR" dirty="0"/>
-                        <a:t>11</a:t>
-                      </a:r>
-                      <a:endParaRPr lang="ko-KR" altLang="en-US" dirty="0"/>
-                    </a:p>
-                  </a:txBody>
-                  <a:tcPr/>
-                </a:tc>
-                <a:tc>
-                  <a:txBody>
-                    <a:bodyPr/>
-                    <a:lstStyle/>
-                    <a:p>
-                      <a:pPr algn="ctr" latinLnBrk="1"/>
-                      <a:r>
-                        <a:rPr lang="en-US" altLang="ko-KR" dirty="0"/>
-                        <a:t>12</a:t>
-                      </a:r>
-                      <a:endParaRPr lang="ko-KR" altLang="en-US" dirty="0"/>
-                    </a:p>
-                  </a:txBody>
-                  <a:tcPr/>
-                </a:tc>
-                <a:extLst>
-                  <a:ext uri="{0D108BD9-81ED-4DB2-BD59-A6C34878D82A}">
-                    <a16:rowId xmlns:a16="http://schemas.microsoft.com/office/drawing/2014/main" val="2523083022"/>
-                  </a:ext>
-                </a:extLst>
-              </a:tr>
-              <a:tr h="888792">
-                <a:tc>
-                  <a:txBody>
-                    <a:bodyPr/>
-                    <a:lstStyle/>
-                    <a:p>
-                      <a:pPr algn="ctr" latinLnBrk="1"/>
-                      <a:r>
-                        <a:rPr lang="en-US" altLang="ko-KR" dirty="0"/>
-                        <a:t>13</a:t>
-                      </a:r>
-                      <a:endParaRPr lang="ko-KR" altLang="en-US" dirty="0"/>
-                    </a:p>
-                  </a:txBody>
-                  <a:tcPr>
-                    <a:solidFill>
-                      <a:schemeClr val="accent2">
-                        <a:lumMod val="40000"/>
-                        <a:lumOff val="60000"/>
-                      </a:schemeClr>
-                    </a:solidFill>
-                  </a:tcPr>
-                </a:tc>
-                <a:tc>
-                  <a:txBody>
-                    <a:bodyPr/>
-                    <a:lstStyle/>
-                    <a:p>
-                      <a:pPr algn="ctr" latinLnBrk="1"/>
-                      <a:r>
-                        <a:rPr lang="en-US" altLang="ko-KR" dirty="0"/>
-                        <a:t>14</a:t>
-                      </a:r>
-                      <a:endParaRPr lang="ko-KR" altLang="en-US" dirty="0"/>
-                    </a:p>
-                  </a:txBody>
-                  <a:tcPr/>
-                </a:tc>
-                <a:tc>
-                  <a:txBody>
-                    <a:bodyPr/>
-                    <a:lstStyle/>
-                    <a:p>
-                      <a:pPr algn="ctr" latinLnBrk="1"/>
-                      <a:r>
-                        <a:rPr lang="en-US" altLang="ko-KR" dirty="0"/>
-                        <a:t>15</a:t>
-                      </a:r>
-                      <a:endParaRPr lang="ko-KR" altLang="en-US" dirty="0"/>
-                    </a:p>
-                  </a:txBody>
-                  <a:tcPr/>
-                </a:tc>
-                <a:tc>
-                  <a:txBody>
-                    <a:bodyPr/>
-                    <a:lstStyle/>
-                    <a:p>
-                      <a:pPr algn="ctr" latinLnBrk="1"/>
-                      <a:r>
-                        <a:rPr lang="en-US" altLang="ko-KR" dirty="0"/>
-                        <a:t>16</a:t>
-                      </a:r>
-                      <a:endParaRPr lang="ko-KR" altLang="en-US" dirty="0"/>
-                    </a:p>
-                  </a:txBody>
-                  <a:tcPr/>
-                </a:tc>
-                <a:extLst>
-                  <a:ext uri="{0D108BD9-81ED-4DB2-BD59-A6C34878D82A}">
-                    <a16:rowId xmlns:a16="http://schemas.microsoft.com/office/drawing/2014/main" val="4202676172"/>
-                  </a:ext>
-                </a:extLst>
-              </a:tr>
-            </a:tbl>
-          </a:graphicData>
-        </a:graphic>
-      </p:graphicFrame>
+      <p:pic>
+        <p:nvPicPr>
+          <p:cNvPr id="10" name="Picture 9">
+            <a:extLst>
+              <a:ext uri="{FF2B5EF4-FFF2-40B4-BE49-F238E27FC236}">
+                <a16:creationId xmlns:a16="http://schemas.microsoft.com/office/drawing/2014/main" id="{15885AD2-6490-6928-FEC3-EC47E2164C63}"/>
+              </a:ext>
+            </a:extLst>
+          </p:cNvPr>
+          <p:cNvPicPr>
+            <a:picLocks noChangeAspect="1"/>
+          </p:cNvPicPr>
+          <p:nvPr/>
+        </p:nvPicPr>
+        <p:blipFill>
+          <a:blip r:embed="rId2"/>
+          <a:stretch>
+            <a:fillRect/>
+          </a:stretch>
+        </p:blipFill>
+        <p:spPr>
+          <a:xfrm>
+            <a:off x="6358840" y="1629350"/>
+            <a:ext cx="5532913" cy="4863525"/>
+          </a:xfrm>
+          <a:prstGeom prst="rect">
+            <a:avLst/>
+          </a:prstGeom>
+        </p:spPr>
+      </p:pic>
     </p:spTree>
     <p:extLst>
       <p:ext uri="{BB962C8B-B14F-4D97-AF65-F5344CB8AC3E}">
-        <p14:creationId xmlns:p14="http://schemas.microsoft.com/office/powerpoint/2010/main" val="2541208241"/>
+        <p14:creationId xmlns:p14="http://schemas.microsoft.com/office/powerpoint/2010/main" val="946222708"/>
       </p:ext>
     </p:extLst>
   </p:cSld>
@@ -5202,408 +4358,125 @@
           </a:bodyPr>
           <a:lstStyle/>
           <a:p>
-            <a:r>
-              <a:rPr lang="en-US" altLang="ko-KR" dirty="0"/>
-              <a:t>Example:</a:t>
-            </a:r>
-          </a:p>
-          <a:p>
             <a:pPr lvl="1"/>
             <a:r>
-              <a:rPr lang="en-US" altLang="ko-KR"/>
-              <a:t>Find k </a:t>
-            </a:r>
-            <a:r>
-              <a:rPr lang="en-US" altLang="ko-KR" dirty="0"/>
-              <a:t>= 10</a:t>
-            </a:r>
+              <a:rPr lang="en-US" altLang="ko-KR" dirty="0"/>
+              <a:t>Nested for loop for calculating</a:t>
+            </a:r>
+          </a:p>
+          <a:p>
+            <a:pPr marL="457200" lvl="1" indent="0">
+              <a:buNone/>
+            </a:pPr>
+            <a:r>
+              <a:rPr lang="en-US" altLang="ko-KR" dirty="0"/>
+              <a:t>and sorting</a:t>
+            </a:r>
+          </a:p>
+          <a:p>
+            <a:pPr marL="457200" lvl="1" indent="0">
+              <a:buNone/>
+            </a:pPr>
+            <a:endParaRPr lang="en-US" altLang="ko-KR" dirty="0"/>
           </a:p>
           <a:p>
             <a:pPr lvl="1"/>
-            <a:endParaRPr lang="en-US" altLang="ko-KR" dirty="0"/>
-          </a:p>
-          <a:p>
-            <a:pPr lvl="1"/>
-            <a:r>
-              <a:rPr lang="en-US" altLang="ko-KR" dirty="0"/>
-              <a:t>k == 10</a:t>
-            </a:r>
-          </a:p>
-          <a:p>
-            <a:pPr lvl="1"/>
-            <a:endParaRPr lang="en-US" altLang="ko-KR" dirty="0"/>
-          </a:p>
-          <a:p>
-            <a:pPr lvl="1"/>
-            <a:r>
-              <a:rPr lang="en-US" altLang="ko-KR" dirty="0"/>
-              <a:t>k found in matrix</a:t>
-            </a:r>
-          </a:p>
-          <a:p>
-            <a:pPr lvl="1"/>
-            <a:endParaRPr lang="en-US" altLang="ko-KR" dirty="0"/>
-          </a:p>
-          <a:p>
-            <a:pPr lvl="1"/>
-            <a:endParaRPr lang="ko-KR" altLang="en-US" dirty="0"/>
-          </a:p>
-        </p:txBody>
-      </p:sp>
-      <p:graphicFrame>
-        <p:nvGraphicFramePr>
-          <p:cNvPr id="4" name="Table 4">
-            <a:extLst>
-              <a:ext uri="{FF2B5EF4-FFF2-40B4-BE49-F238E27FC236}">
-                <a16:creationId xmlns:a16="http://schemas.microsoft.com/office/drawing/2014/main" id="{1A4635B0-29C6-6324-CA87-3BDDB144D280}"/>
-              </a:ext>
-            </a:extLst>
-          </p:cNvPr>
-          <p:cNvGraphicFramePr>
-            <a:graphicFrameLocks noGrp="1"/>
-          </p:cNvGraphicFramePr>
-          <p:nvPr>
-            <p:extLst>
-              <p:ext uri="{D42A27DB-BD31-4B8C-83A1-F6EECF244321}">
-                <p14:modId xmlns:p14="http://schemas.microsoft.com/office/powerpoint/2010/main" val="2379927355"/>
-              </p:ext>
-            </p:extLst>
-          </p:nvPr>
-        </p:nvGraphicFramePr>
-        <p:xfrm>
-          <a:off x="5641108" y="2229798"/>
-          <a:ext cx="5328228" cy="3542992"/>
-        </p:xfrm>
-        <a:graphic>
-          <a:graphicData uri="http://schemas.openxmlformats.org/drawingml/2006/table">
-            <a:tbl>
-              <a:tblPr bandRow="1">
-                <a:tableStyleId>{073A0DAA-6AF3-43AB-8588-CEC1D06C72B9}</a:tableStyleId>
-              </a:tblPr>
-              <a:tblGrid>
-                <a:gridCol w="1332057">
-                  <a:extLst>
-                    <a:ext uri="{9D8B030D-6E8A-4147-A177-3AD203B41FA5}">
-                      <a16:colId xmlns:a16="http://schemas.microsoft.com/office/drawing/2014/main" val="3865691098"/>
-                    </a:ext>
-                  </a:extLst>
-                </a:gridCol>
-                <a:gridCol w="1332057">
-                  <a:extLst>
-                    <a:ext uri="{9D8B030D-6E8A-4147-A177-3AD203B41FA5}">
-                      <a16:colId xmlns:a16="http://schemas.microsoft.com/office/drawing/2014/main" val="2604290067"/>
-                    </a:ext>
-                  </a:extLst>
-                </a:gridCol>
-                <a:gridCol w="1332057">
-                  <a:extLst>
-                    <a:ext uri="{9D8B030D-6E8A-4147-A177-3AD203B41FA5}">
-                      <a16:colId xmlns:a16="http://schemas.microsoft.com/office/drawing/2014/main" val="2259957559"/>
-                    </a:ext>
-                  </a:extLst>
-                </a:gridCol>
-                <a:gridCol w="1332057">
-                  <a:extLst>
-                    <a:ext uri="{9D8B030D-6E8A-4147-A177-3AD203B41FA5}">
-                      <a16:colId xmlns:a16="http://schemas.microsoft.com/office/drawing/2014/main" val="797990127"/>
-                    </a:ext>
-                  </a:extLst>
-                </a:gridCol>
-              </a:tblGrid>
-              <a:tr h="876616">
-                <a:tc>
-                  <a:txBody>
-                    <a:bodyPr/>
-                    <a:lstStyle/>
-                    <a:p>
-                      <a:pPr algn="ctr" latinLnBrk="1"/>
-                      <a:r>
-                        <a:rPr lang="en-US" altLang="ko-KR" sz="2400" dirty="0"/>
-                        <a:t>1</a:t>
-                      </a:r>
-                      <a:endParaRPr lang="ko-KR" altLang="en-US" sz="2400" dirty="0"/>
-                    </a:p>
-                  </a:txBody>
-                  <a:tcPr/>
-                </a:tc>
-                <a:tc>
-                  <a:txBody>
-                    <a:bodyPr/>
-                    <a:lstStyle/>
-                    <a:p>
-                      <a:pPr algn="ctr" latinLnBrk="1"/>
-                      <a:r>
-                        <a:rPr lang="en-US" altLang="ko-KR" dirty="0"/>
-                        <a:t>2</a:t>
-                      </a:r>
-                      <a:endParaRPr lang="ko-KR" altLang="en-US" dirty="0"/>
-                    </a:p>
-                  </a:txBody>
-                  <a:tcPr/>
-                </a:tc>
-                <a:tc>
-                  <a:txBody>
-                    <a:bodyPr/>
-                    <a:lstStyle/>
-                    <a:p>
-                      <a:pPr algn="ctr" latinLnBrk="1"/>
-                      <a:r>
-                        <a:rPr lang="en-US" altLang="ko-KR" dirty="0"/>
-                        <a:t>3</a:t>
-                      </a:r>
-                      <a:endParaRPr lang="ko-KR" altLang="en-US" dirty="0"/>
-                    </a:p>
-                  </a:txBody>
-                  <a:tcPr/>
-                </a:tc>
-                <a:tc>
-                  <a:txBody>
-                    <a:bodyPr/>
-                    <a:lstStyle/>
-                    <a:p>
-                      <a:pPr algn="ctr" latinLnBrk="1"/>
-                      <a:r>
-                        <a:rPr lang="en-US" altLang="ko-KR" dirty="0"/>
-                        <a:t>4</a:t>
-                      </a:r>
-                      <a:endParaRPr lang="ko-KR" altLang="en-US" dirty="0"/>
-                    </a:p>
-                  </a:txBody>
-                  <a:tcPr/>
-                </a:tc>
-                <a:extLst>
-                  <a:ext uri="{0D108BD9-81ED-4DB2-BD59-A6C34878D82A}">
-                    <a16:rowId xmlns:a16="http://schemas.microsoft.com/office/drawing/2014/main" val="900030714"/>
-                  </a:ext>
-                </a:extLst>
-              </a:tr>
-              <a:tr h="888792">
-                <a:tc>
-                  <a:txBody>
-                    <a:bodyPr/>
-                    <a:lstStyle/>
-                    <a:p>
-                      <a:pPr algn="ctr" latinLnBrk="1"/>
-                      <a:r>
-                        <a:rPr lang="en-US" altLang="ko-KR" dirty="0"/>
-                        <a:t>5</a:t>
-                      </a:r>
-                      <a:endParaRPr lang="ko-KR" altLang="en-US" dirty="0"/>
-                    </a:p>
-                  </a:txBody>
-                  <a:tcPr/>
-                </a:tc>
-                <a:tc>
-                  <a:txBody>
-                    <a:bodyPr/>
-                    <a:lstStyle/>
-                    <a:p>
-                      <a:pPr algn="ctr" latinLnBrk="1"/>
-                      <a:r>
-                        <a:rPr lang="en-US" altLang="ko-KR" dirty="0"/>
-                        <a:t>6</a:t>
-                      </a:r>
-                      <a:endParaRPr lang="ko-KR" altLang="en-US" dirty="0"/>
-                    </a:p>
-                  </a:txBody>
-                  <a:tcPr/>
-                </a:tc>
-                <a:tc>
-                  <a:txBody>
-                    <a:bodyPr/>
-                    <a:lstStyle/>
-                    <a:p>
-                      <a:pPr algn="ctr" latinLnBrk="1"/>
-                      <a:r>
-                        <a:rPr lang="en-US" altLang="ko-KR" dirty="0"/>
-                        <a:t>7</a:t>
-                      </a:r>
-                      <a:endParaRPr lang="ko-KR" altLang="en-US" dirty="0"/>
-                    </a:p>
-                  </a:txBody>
-                  <a:tcPr/>
-                </a:tc>
-                <a:tc>
-                  <a:txBody>
-                    <a:bodyPr/>
-                    <a:lstStyle/>
-                    <a:p>
-                      <a:pPr algn="ctr" latinLnBrk="1"/>
-                      <a:r>
-                        <a:rPr lang="en-US" altLang="ko-KR" dirty="0"/>
-                        <a:t>8</a:t>
-                      </a:r>
-                      <a:endParaRPr lang="ko-KR" altLang="en-US" dirty="0"/>
-                    </a:p>
-                  </a:txBody>
-                  <a:tcPr/>
-                </a:tc>
-                <a:extLst>
-                  <a:ext uri="{0D108BD9-81ED-4DB2-BD59-A6C34878D82A}">
-                    <a16:rowId xmlns:a16="http://schemas.microsoft.com/office/drawing/2014/main" val="1933267427"/>
-                  </a:ext>
-                </a:extLst>
-              </a:tr>
-              <a:tr h="888792">
-                <a:tc>
-                  <a:txBody>
-                    <a:bodyPr/>
-                    <a:lstStyle/>
-                    <a:p>
-                      <a:pPr algn="ctr" latinLnBrk="1"/>
-                      <a:r>
-                        <a:rPr lang="en-US" altLang="ko-KR" dirty="0"/>
-                        <a:t>9</a:t>
-                      </a:r>
-                      <a:endParaRPr lang="ko-KR" altLang="en-US" dirty="0"/>
-                    </a:p>
-                  </a:txBody>
-                  <a:tcPr>
-                    <a:solidFill>
-                      <a:schemeClr val="accent2">
-                        <a:lumMod val="40000"/>
-                        <a:lumOff val="60000"/>
-                      </a:schemeClr>
-                    </a:solidFill>
-                  </a:tcPr>
-                </a:tc>
-                <a:tc>
-                  <a:txBody>
-                    <a:bodyPr/>
-                    <a:lstStyle/>
-                    <a:p>
-                      <a:pPr algn="ctr" latinLnBrk="1"/>
-                      <a:r>
-                        <a:rPr lang="en-US" altLang="ko-KR" dirty="0"/>
-                        <a:t>10</a:t>
-                      </a:r>
-                      <a:endParaRPr lang="ko-KR" altLang="en-US" dirty="0"/>
-                    </a:p>
-                  </a:txBody>
-                  <a:tcPr>
-                    <a:solidFill>
-                      <a:schemeClr val="accent2"/>
-                    </a:solidFill>
-                  </a:tcPr>
-                </a:tc>
-                <a:tc>
-                  <a:txBody>
-                    <a:bodyPr/>
-                    <a:lstStyle/>
-                    <a:p>
-                      <a:pPr algn="ctr" latinLnBrk="1"/>
-                      <a:r>
-                        <a:rPr lang="en-US" altLang="ko-KR" dirty="0"/>
-                        <a:t>11</a:t>
-                      </a:r>
-                      <a:endParaRPr lang="ko-KR" altLang="en-US" dirty="0"/>
-                    </a:p>
-                  </a:txBody>
-                  <a:tcPr/>
-                </a:tc>
-                <a:tc>
-                  <a:txBody>
-                    <a:bodyPr/>
-                    <a:lstStyle/>
-                    <a:p>
-                      <a:pPr algn="ctr" latinLnBrk="1"/>
-                      <a:r>
-                        <a:rPr lang="en-US" altLang="ko-KR" dirty="0"/>
-                        <a:t>12</a:t>
-                      </a:r>
-                      <a:endParaRPr lang="ko-KR" altLang="en-US" dirty="0"/>
-                    </a:p>
-                  </a:txBody>
-                  <a:tcPr/>
-                </a:tc>
-                <a:extLst>
-                  <a:ext uri="{0D108BD9-81ED-4DB2-BD59-A6C34878D82A}">
-                    <a16:rowId xmlns:a16="http://schemas.microsoft.com/office/drawing/2014/main" val="2523083022"/>
-                  </a:ext>
-                </a:extLst>
-              </a:tr>
-              <a:tr h="888792">
-                <a:tc>
-                  <a:txBody>
-                    <a:bodyPr/>
-                    <a:lstStyle/>
-                    <a:p>
-                      <a:pPr algn="ctr" latinLnBrk="1"/>
-                      <a:r>
-                        <a:rPr lang="en-US" altLang="ko-KR" dirty="0"/>
-                        <a:t>13</a:t>
-                      </a:r>
-                      <a:endParaRPr lang="ko-KR" altLang="en-US" dirty="0"/>
-                    </a:p>
-                  </a:txBody>
-                  <a:tcPr>
-                    <a:solidFill>
-                      <a:schemeClr val="accent2">
-                        <a:lumMod val="40000"/>
-                        <a:lumOff val="60000"/>
-                      </a:schemeClr>
-                    </a:solidFill>
-                  </a:tcPr>
-                </a:tc>
-                <a:tc>
-                  <a:txBody>
-                    <a:bodyPr/>
-                    <a:lstStyle/>
-                    <a:p>
-                      <a:pPr algn="ctr" latinLnBrk="1"/>
-                      <a:r>
-                        <a:rPr lang="en-US" altLang="ko-KR" dirty="0"/>
-                        <a:t>14</a:t>
-                      </a:r>
-                      <a:endParaRPr lang="ko-KR" altLang="en-US" dirty="0"/>
-                    </a:p>
-                  </a:txBody>
-                  <a:tcPr/>
-                </a:tc>
-                <a:tc>
-                  <a:txBody>
-                    <a:bodyPr/>
-                    <a:lstStyle/>
-                    <a:p>
-                      <a:pPr algn="ctr" latinLnBrk="1"/>
-                      <a:r>
-                        <a:rPr lang="en-US" altLang="ko-KR" dirty="0"/>
-                        <a:t>15</a:t>
-                      </a:r>
-                      <a:endParaRPr lang="ko-KR" altLang="en-US" dirty="0"/>
-                    </a:p>
-                  </a:txBody>
-                  <a:tcPr/>
-                </a:tc>
-                <a:tc>
-                  <a:txBody>
-                    <a:bodyPr/>
-                    <a:lstStyle/>
-                    <a:p>
-                      <a:pPr algn="ctr" latinLnBrk="1"/>
-                      <a:r>
-                        <a:rPr lang="en-US" altLang="ko-KR" dirty="0"/>
-                        <a:t>16</a:t>
-                      </a:r>
-                      <a:endParaRPr lang="ko-KR" altLang="en-US" dirty="0"/>
-                    </a:p>
-                  </a:txBody>
-                  <a:tcPr/>
-                </a:tc>
-                <a:extLst>
-                  <a:ext uri="{0D108BD9-81ED-4DB2-BD59-A6C34878D82A}">
-                    <a16:rowId xmlns:a16="http://schemas.microsoft.com/office/drawing/2014/main" val="4202676172"/>
-                  </a:ext>
-                </a:extLst>
-              </a:tr>
-            </a:tbl>
-          </a:graphicData>
-        </a:graphic>
-      </p:graphicFrame>
+            <a:r>
+              <a:rPr lang="en-US" altLang="ko-KR" dirty="0"/>
+              <a:t> Part 1: Calculating</a:t>
+            </a:r>
+          </a:p>
+          <a:p>
+            <a:pPr lvl="2"/>
+            <a:r>
+              <a:rPr lang="en-US" altLang="ko-KR" dirty="0"/>
+              <a:t>For all the results in results[ </a:t>
+            </a:r>
+            <a:r>
+              <a:rPr lang="en-US" altLang="ko-KR" dirty="0" err="1"/>
+              <a:t>i</a:t>
+            </a:r>
+            <a:r>
+              <a:rPr lang="en-US" altLang="ko-KR" dirty="0"/>
+              <a:t> ], add </a:t>
+            </a:r>
+          </a:p>
+          <a:p>
+            <a:pPr marL="914400" lvl="2" indent="0">
+              <a:buNone/>
+            </a:pPr>
+            <a:r>
+              <a:rPr lang="en-US" altLang="ko-KR" dirty="0"/>
+              <a:t>the score into scores[ </a:t>
+            </a:r>
+            <a:r>
+              <a:rPr lang="en-US" altLang="ko-KR" dirty="0" err="1"/>
+              <a:t>i</a:t>
+            </a:r>
+            <a:r>
+              <a:rPr lang="en-US" altLang="ko-KR" dirty="0"/>
+              <a:t> ]</a:t>
+            </a:r>
+          </a:p>
+          <a:p>
+            <a:pPr lvl="2"/>
+            <a:r>
+              <a:rPr lang="en-US" altLang="ko-KR" dirty="0"/>
+              <a:t>Add </a:t>
+            </a:r>
+            <a:r>
+              <a:rPr lang="en-US" altLang="ko-KR" i="1" dirty="0"/>
+              <a:t>A</a:t>
+            </a:r>
+            <a:r>
+              <a:rPr lang="en-US" altLang="ko-KR" dirty="0"/>
+              <a:t> if it’s a win and </a:t>
+            </a:r>
+            <a:r>
+              <a:rPr lang="en-US" altLang="ko-KR" i="1" dirty="0"/>
+              <a:t>B</a:t>
+            </a:r>
+            <a:r>
+              <a:rPr lang="en-US" altLang="ko-KR" dirty="0"/>
+              <a:t> if it’s a tie</a:t>
+            </a:r>
+          </a:p>
+        </p:txBody>
+      </p:sp>
+      <p:pic>
+        <p:nvPicPr>
+          <p:cNvPr id="6" name="Picture 5">
+            <a:extLst>
+              <a:ext uri="{FF2B5EF4-FFF2-40B4-BE49-F238E27FC236}">
+                <a16:creationId xmlns:a16="http://schemas.microsoft.com/office/drawing/2014/main" id="{893E6CB2-1B96-7C76-5E65-BFBCC37BB5DD}"/>
+              </a:ext>
+            </a:extLst>
+          </p:cNvPr>
+          <p:cNvPicPr>
+            <a:picLocks noChangeAspect="1"/>
+          </p:cNvPicPr>
+          <p:nvPr/>
+        </p:nvPicPr>
+        <p:blipFill>
+          <a:blip r:embed="rId2"/>
+          <a:stretch>
+            <a:fillRect/>
+          </a:stretch>
+        </p:blipFill>
+        <p:spPr>
+          <a:xfrm>
+            <a:off x="6404458" y="2521424"/>
+            <a:ext cx="5386466" cy="3790476"/>
+          </a:xfrm>
+          <a:prstGeom prst="rect">
+            <a:avLst/>
+          </a:prstGeom>
+        </p:spPr>
+      </p:pic>
     </p:spTree>
     <p:extLst>
       <p:ext uri="{BB962C8B-B14F-4D97-AF65-F5344CB8AC3E}">
-        <p14:creationId xmlns:p14="http://schemas.microsoft.com/office/powerpoint/2010/main" val="335832537"/>
+        <p14:creationId xmlns:p14="http://schemas.microsoft.com/office/powerpoint/2010/main" val="1589820347"/>
       </p:ext>
     </p:extLst>
   </p:cSld>
@@ -5635,7 +4508,7 @@
           <p:cNvPr id="2" name="제목 1">
             <a:extLst>
               <a:ext uri="{FF2B5EF4-FFF2-40B4-BE49-F238E27FC236}">
-                <a16:creationId xmlns:a16="http://schemas.microsoft.com/office/drawing/2014/main" id="{298D9384-1A78-4243-AAD9-3E424BB0B186}"/>
+                <a16:creationId xmlns:a16="http://schemas.microsoft.com/office/drawing/2014/main" id="{9F8CD7E5-D0ED-4CE6-9E0F-73F3F28383E7}"/>
               </a:ext>
             </a:extLst>
           </p:cNvPr>
@@ -5653,7 +4526,7 @@
           <a:p>
             <a:r>
               <a:rPr lang="en-US" altLang="ko-KR" dirty="0"/>
-              <a:t>Solution analysis</a:t>
+              <a:t>Solution explanation</a:t>
             </a:r>
             <a:endParaRPr lang="ko-KR" altLang="en-US" dirty="0"/>
           </a:p>
@@ -5664,7 +4537,7 @@
           <p:cNvPr id="3" name="내용 개체 틀 2">
             <a:extLst>
               <a:ext uri="{FF2B5EF4-FFF2-40B4-BE49-F238E27FC236}">
-                <a16:creationId xmlns:a16="http://schemas.microsoft.com/office/drawing/2014/main" id="{C3003A86-BFE0-45DE-9CDC-7D03B4B552D4}"/>
+                <a16:creationId xmlns:a16="http://schemas.microsoft.com/office/drawing/2014/main" id="{8282CF88-3667-4B1B-9BAC-ED7303E7B57E}"/>
               </a:ext>
             </a:extLst>
           </p:cNvPr>
@@ -5682,55 +4555,120 @@
           </a:bodyPr>
           <a:lstStyle/>
           <a:p>
-            <a:r>
-              <a:rPr lang="en-US" altLang="ko-KR" dirty="0"/>
-              <a:t>Pros:</a:t>
-            </a:r>
-          </a:p>
-          <a:p>
             <a:pPr lvl="1"/>
             <a:r>
               <a:rPr lang="en-US" altLang="ko-KR" dirty="0"/>
-              <a:t>A flexible step-by-step comparison method</a:t>
-            </a:r>
+              <a:t>Nested for loop for calculating</a:t>
+            </a:r>
+          </a:p>
+          <a:p>
+            <a:pPr marL="457200" lvl="1" indent="0">
+              <a:buNone/>
+            </a:pPr>
+            <a:r>
+              <a:rPr lang="en-US" altLang="ko-KR" dirty="0"/>
+              <a:t>and sorting</a:t>
+            </a:r>
+          </a:p>
+          <a:p>
+            <a:pPr marL="457200" lvl="1" indent="0">
+              <a:buNone/>
+            </a:pPr>
+            <a:endParaRPr lang="en-US" altLang="ko-KR" dirty="0"/>
           </a:p>
           <a:p>
             <a:pPr lvl="1"/>
             <a:r>
               <a:rPr lang="en-US" altLang="ko-KR" dirty="0"/>
-              <a:t>Consistent efficiency</a:t>
+              <a:t> Part 2: Sorting</a:t>
             </a:r>
           </a:p>
           <a:p>
             <a:pPr lvl="2"/>
             <a:r>
               <a:rPr lang="en-US" altLang="ko-KR" dirty="0"/>
-              <a:t>Similar number of elements accessed for every case</a:t>
+              <a:t>Condition: current score is </a:t>
+            </a:r>
+          </a:p>
+          <a:p>
+            <a:pPr marL="914400" lvl="2" indent="0">
+              <a:buNone/>
+            </a:pPr>
+            <a:r>
+              <a:rPr lang="en-US" altLang="ko-KR" dirty="0"/>
+              <a:t>greater than previous score</a:t>
+            </a:r>
+          </a:p>
+          <a:p>
+            <a:pPr marL="914400" lvl="2" indent="0">
+              <a:buNone/>
+            </a:pPr>
+            <a:r>
+              <a:rPr lang="en-US" altLang="ko-KR" dirty="0"/>
+              <a:t>and current score is not the</a:t>
+            </a:r>
+          </a:p>
+          <a:p>
+            <a:pPr marL="914400" lvl="2" indent="0">
+              <a:buNone/>
+            </a:pPr>
+            <a:r>
+              <a:rPr lang="en-US" altLang="ko-KR" dirty="0"/>
+              <a:t>first score</a:t>
             </a:r>
           </a:p>
           <a:p>
             <a:pPr lvl="2"/>
-            <a:endParaRPr lang="en-US" altLang="ko-KR" dirty="0"/>
-          </a:p>
-          <a:p>
-            <a:r>
-              <a:rPr lang="en-US" altLang="ko-KR" dirty="0"/>
-              <a:t>Cons</a:t>
-            </a:r>
-          </a:p>
-          <a:p>
-            <a:pPr lvl="1"/>
-            <a:r>
-              <a:rPr lang="en-US" altLang="ko-KR" dirty="0"/>
-              <a:t>Possible inefficiency as the number of elements increase</a:t>
-            </a:r>
-          </a:p>
-        </p:txBody>
-      </p:sp>
+            <a:r>
+              <a:rPr lang="en-US" altLang="ko-KR" dirty="0"/>
+              <a:t>Use while loop to keep</a:t>
+            </a:r>
+          </a:p>
+          <a:p>
+            <a:pPr marL="914400" lvl="2" indent="0">
+              <a:buNone/>
+            </a:pPr>
+            <a:r>
+              <a:rPr lang="en-US" altLang="ko-KR" dirty="0"/>
+              <a:t>swapping if condition is true</a:t>
+            </a:r>
+          </a:p>
+        </p:txBody>
+      </p:sp>
+      <p:pic>
+        <p:nvPicPr>
+          <p:cNvPr id="10" name="Picture 9">
+            <a:extLst>
+              <a:ext uri="{FF2B5EF4-FFF2-40B4-BE49-F238E27FC236}">
+                <a16:creationId xmlns:a16="http://schemas.microsoft.com/office/drawing/2014/main" id="{A74E65A2-62D0-6E1A-6BF7-D75A568B7CA8}"/>
+              </a:ext>
+            </a:extLst>
+          </p:cNvPr>
+          <p:cNvPicPr>
+            <a:picLocks noChangeAspect="1"/>
+          </p:cNvPicPr>
+          <p:nvPr/>
+        </p:nvPicPr>
+        <p:blipFill>
+          <a:blip r:embed="rId2"/>
+          <a:stretch>
+            <a:fillRect/>
+          </a:stretch>
+        </p:blipFill>
+        <p:spPr>
+          <a:xfrm>
+            <a:off x="5393308" y="2908093"/>
+            <a:ext cx="6668132" cy="3403808"/>
+          </a:xfrm>
+          <a:prstGeom prst="rect">
+            <a:avLst/>
+          </a:prstGeom>
+        </p:spPr>
+      </p:pic>
     </p:spTree>
     <p:extLst>
       <p:ext uri="{BB962C8B-B14F-4D97-AF65-F5344CB8AC3E}">
-        <p14:creationId xmlns:p14="http://schemas.microsoft.com/office/powerpoint/2010/main" val="866043535"/>
+        <p14:creationId xmlns:p14="http://schemas.microsoft.com/office/powerpoint/2010/main" val="1853531780"/>
       </p:ext>
     </p:extLst>
   </p:cSld>
@@ -5762,7 +4700,7 @@
           <p:cNvPr id="2" name="제목 1">
             <a:extLst>
               <a:ext uri="{FF2B5EF4-FFF2-40B4-BE49-F238E27FC236}">
-                <a16:creationId xmlns:a16="http://schemas.microsoft.com/office/drawing/2014/main" id="{298D9384-1A78-4243-AAD9-3E424BB0B186}"/>
+                <a16:creationId xmlns:a16="http://schemas.microsoft.com/office/drawing/2014/main" id="{9F8CD7E5-D0ED-4CE6-9E0F-73F3F28383E7}"/>
               </a:ext>
             </a:extLst>
           </p:cNvPr>
@@ -5780,7 +4718,7 @@
           <a:p>
             <a:r>
               <a:rPr lang="en-US" altLang="ko-KR" dirty="0"/>
-              <a:t>Solution analysis</a:t>
+              <a:t>Solution explanation</a:t>
             </a:r>
             <a:endParaRPr lang="ko-KR" altLang="en-US" dirty="0"/>
           </a:p>
@@ -5791,7 +4729,7 @@
           <p:cNvPr id="3" name="내용 개체 틀 2">
             <a:extLst>
               <a:ext uri="{FF2B5EF4-FFF2-40B4-BE49-F238E27FC236}">
-                <a16:creationId xmlns:a16="http://schemas.microsoft.com/office/drawing/2014/main" id="{C3003A86-BFE0-45DE-9CDC-7D03B4B552D4}"/>
+                <a16:creationId xmlns:a16="http://schemas.microsoft.com/office/drawing/2014/main" id="{8282CF88-3667-4B1B-9BAC-ED7303E7B57E}"/>
               </a:ext>
             </a:extLst>
           </p:cNvPr>
@@ -5809,38 +4747,48 @@
           </a:bodyPr>
           <a:lstStyle/>
           <a:p>
-            <a:r>
-              <a:rPr lang="en-US" altLang="ko-KR" dirty="0"/>
-              <a:t>Favorable inputs:</a:t>
-            </a:r>
-          </a:p>
-          <a:p>
             <a:pPr lvl="1"/>
             <a:r>
               <a:rPr lang="en-US" altLang="ko-KR" dirty="0"/>
-              <a:t>The inputted value </a:t>
-            </a:r>
-            <a:r>
-              <a:rPr lang="en-US" altLang="ko-KR" i="1" dirty="0"/>
-              <a:t>k</a:t>
-            </a:r>
-            <a:r>
-              <a:rPr lang="en-US" altLang="ko-KR" dirty="0"/>
-              <a:t> is located at the bottom-left quadrant of the matrix</a:t>
-            </a:r>
-          </a:p>
-          <a:p>
-            <a:pPr marL="914400" lvl="2" indent="0">
-              <a:buNone/>
-            </a:pPr>
-            <a:endParaRPr lang="en-US" altLang="ko-KR" dirty="0"/>
-          </a:p>
-        </p:txBody>
-      </p:sp>
+              <a:t>Print results using for loop</a:t>
+            </a:r>
+          </a:p>
+        </p:txBody>
+      </p:sp>
+      <p:pic>
+        <p:nvPicPr>
+          <p:cNvPr id="5" name="Picture 4">
+            <a:extLst>
+              <a:ext uri="{FF2B5EF4-FFF2-40B4-BE49-F238E27FC236}">
+                <a16:creationId xmlns:a16="http://schemas.microsoft.com/office/drawing/2014/main" id="{AF7CF324-CC3B-1972-AA89-9ED1F346BCC3}"/>
+              </a:ext>
+            </a:extLst>
+          </p:cNvPr>
+          <p:cNvPicPr>
+            <a:picLocks noChangeAspect="1"/>
+          </p:cNvPicPr>
+          <p:nvPr/>
+        </p:nvPicPr>
+        <p:blipFill>
+          <a:blip r:embed="rId2"/>
+          <a:stretch>
+            <a:fillRect/>
+          </a:stretch>
+        </p:blipFill>
+        <p:spPr>
+          <a:xfrm>
+            <a:off x="4276333" y="2581011"/>
+            <a:ext cx="7421907" cy="3040300"/>
+          </a:xfrm>
+          <a:prstGeom prst="rect">
+            <a:avLst/>
+          </a:prstGeom>
+        </p:spPr>
+      </p:pic>
     </p:spTree>
     <p:extLst>
       <p:ext uri="{BB962C8B-B14F-4D97-AF65-F5344CB8AC3E}">
-        <p14:creationId xmlns:p14="http://schemas.microsoft.com/office/powerpoint/2010/main" val="997099342"/>
+        <p14:creationId xmlns:p14="http://schemas.microsoft.com/office/powerpoint/2010/main" val="2900135796"/>
       </p:ext>
     </p:extLst>
   </p:cSld>

--- a/자료/Report template/Report for exercise or homework.pptx
+++ b/자료/Report template/Report for exercise or homework.pptx
@@ -8,11 +8,7 @@
     <p:sldId id="256" r:id="rId2"/>
     <p:sldId id="257" r:id="rId3"/>
     <p:sldId id="258" r:id="rId4"/>
-    <p:sldId id="284" r:id="rId5"/>
-    <p:sldId id="285" r:id="rId6"/>
-    <p:sldId id="286" r:id="rId7"/>
-    <p:sldId id="281" r:id="rId8"/>
-    <p:sldId id="264" r:id="rId9"/>
+    <p:sldId id="261" r:id="rId5"/>
   </p:sldIdLst>
   <p:sldSz cx="12192000" cy="6858000"/>
   <p:notesSz cx="6858000" cy="9144000"/>
@@ -119,14 +115,6 @@
 </p:presentation>
 </file>
 
-<file path=ppt/revisionInfo.xml><?xml version="1.0" encoding="utf-8"?>
-<p1510:revInfo xmlns:a="http://schemas.openxmlformats.org/drawingml/2006/main" xmlns:r="http://schemas.openxmlformats.org/officeDocument/2006/relationships" xmlns:p1510="http://schemas.microsoft.com/office/powerpoint/2015/10/main">
-  <p1510:revLst>
-    <p1510:client id="{AFEA1B79-F6AC-479C-B05C-5F732118937B}" v="60" dt="2023-04-18T16:07:09.136"/>
-  </p1510:revLst>
-</p1510:revInfo>
-</file>
-
 <file path=ppt/slideLayouts/slideLayout1.xml><?xml version="1.0" encoding="utf-8"?>
 <p:sldLayout xmlns:a="http://schemas.openxmlformats.org/drawingml/2006/main" xmlns:r="http://schemas.openxmlformats.org/officeDocument/2006/relationships" xmlns:p="http://schemas.openxmlformats.org/presentationml/2006/main" type="title" preserve="1">
   <p:cSld name="제목 슬라이드">
@@ -274,7 +262,7 @@
           <a:p>
             <a:fld id="{B7A77B98-40B9-4033-B9F9-E9499CADF412}" type="datetimeFigureOut">
               <a:rPr lang="ko-KR" altLang="en-US" smtClean="0"/>
-              <a:t>2023-04-18</a:t>
+              <a:t>2023-02-21</a:t>
             </a:fld>
             <a:endParaRPr lang="ko-KR" altLang="en-US"/>
           </a:p>
@@ -472,7 +460,7 @@
           <a:p>
             <a:fld id="{B7A77B98-40B9-4033-B9F9-E9499CADF412}" type="datetimeFigureOut">
               <a:rPr lang="ko-KR" altLang="en-US" smtClean="0"/>
-              <a:t>2023-04-18</a:t>
+              <a:t>2023-02-21</a:t>
             </a:fld>
             <a:endParaRPr lang="ko-KR" altLang="en-US"/>
           </a:p>
@@ -680,7 +668,7 @@
           <a:p>
             <a:fld id="{B7A77B98-40B9-4033-B9F9-E9499CADF412}" type="datetimeFigureOut">
               <a:rPr lang="ko-KR" altLang="en-US" smtClean="0"/>
-              <a:t>2023-04-18</a:t>
+              <a:t>2023-02-21</a:t>
             </a:fld>
             <a:endParaRPr lang="ko-KR" altLang="en-US"/>
           </a:p>
@@ -878,7 +866,7 @@
           <a:p>
             <a:fld id="{B7A77B98-40B9-4033-B9F9-E9499CADF412}" type="datetimeFigureOut">
               <a:rPr lang="ko-KR" altLang="en-US" smtClean="0"/>
-              <a:t>2023-04-18</a:t>
+              <a:t>2023-02-21</a:t>
             </a:fld>
             <a:endParaRPr lang="ko-KR" altLang="en-US"/>
           </a:p>
@@ -1153,7 +1141,7 @@
           <a:p>
             <a:fld id="{B7A77B98-40B9-4033-B9F9-E9499CADF412}" type="datetimeFigureOut">
               <a:rPr lang="ko-KR" altLang="en-US" smtClean="0"/>
-              <a:t>2023-04-18</a:t>
+              <a:t>2023-02-21</a:t>
             </a:fld>
             <a:endParaRPr lang="ko-KR" altLang="en-US"/>
           </a:p>
@@ -1418,7 +1406,7 @@
           <a:p>
             <a:fld id="{B7A77B98-40B9-4033-B9F9-E9499CADF412}" type="datetimeFigureOut">
               <a:rPr lang="ko-KR" altLang="en-US" smtClean="0"/>
-              <a:t>2023-04-18</a:t>
+              <a:t>2023-02-21</a:t>
             </a:fld>
             <a:endParaRPr lang="ko-KR" altLang="en-US"/>
           </a:p>
@@ -1830,7 +1818,7 @@
           <a:p>
             <a:fld id="{B7A77B98-40B9-4033-B9F9-E9499CADF412}" type="datetimeFigureOut">
               <a:rPr lang="ko-KR" altLang="en-US" smtClean="0"/>
-              <a:t>2023-04-18</a:t>
+              <a:t>2023-02-21</a:t>
             </a:fld>
             <a:endParaRPr lang="ko-KR" altLang="en-US"/>
           </a:p>
@@ -1971,7 +1959,7 @@
           <a:p>
             <a:fld id="{B7A77B98-40B9-4033-B9F9-E9499CADF412}" type="datetimeFigureOut">
               <a:rPr lang="ko-KR" altLang="en-US" smtClean="0"/>
-              <a:t>2023-04-18</a:t>
+              <a:t>2023-02-21</a:t>
             </a:fld>
             <a:endParaRPr lang="ko-KR" altLang="en-US"/>
           </a:p>
@@ -2084,7 +2072,7 @@
           <a:p>
             <a:fld id="{B7A77B98-40B9-4033-B9F9-E9499CADF412}" type="datetimeFigureOut">
               <a:rPr lang="ko-KR" altLang="en-US" smtClean="0"/>
-              <a:t>2023-04-18</a:t>
+              <a:t>2023-02-21</a:t>
             </a:fld>
             <a:endParaRPr lang="ko-KR" altLang="en-US"/>
           </a:p>
@@ -2395,7 +2383,7 @@
           <a:p>
             <a:fld id="{B7A77B98-40B9-4033-B9F9-E9499CADF412}" type="datetimeFigureOut">
               <a:rPr lang="ko-KR" altLang="en-US" smtClean="0"/>
-              <a:t>2023-04-18</a:t>
+              <a:t>2023-02-21</a:t>
             </a:fld>
             <a:endParaRPr lang="ko-KR" altLang="en-US"/>
           </a:p>
@@ -2683,7 +2671,7 @@
           <a:p>
             <a:fld id="{B7A77B98-40B9-4033-B9F9-E9499CADF412}" type="datetimeFigureOut">
               <a:rPr lang="ko-KR" altLang="en-US" smtClean="0"/>
-              <a:t>2023-04-18</a:t>
+              <a:t>2023-02-21</a:t>
             </a:fld>
             <a:endParaRPr lang="ko-KR" altLang="en-US"/>
           </a:p>
@@ -2924,7 +2912,7 @@
           <a:p>
             <a:fld id="{B7A77B98-40B9-4033-B9F9-E9499CADF412}" type="datetimeFigureOut">
               <a:rPr lang="ko-KR" altLang="en-US" smtClean="0"/>
-              <a:t>2023-04-18</a:t>
+              <a:t>2023-02-21</a:t>
             </a:fld>
             <a:endParaRPr lang="ko-KR" altLang="en-US"/>
           </a:p>
@@ -3371,15 +3359,7 @@
           <a:p>
             <a:r>
               <a:rPr lang="en-US" altLang="ko-KR" sz="5400" dirty="0"/>
-              <a:t>Exercise</a:t>
-            </a:r>
-            <a:r>
-              <a:rPr lang="ko-KR" altLang="en-US" sz="5400" dirty="0"/>
-              <a:t> </a:t>
-            </a:r>
-            <a:r>
-              <a:rPr lang="en-US" altLang="ko-KR" sz="5400" dirty="0"/>
-              <a:t>D</a:t>
+              <a:t>Exercise/homework number</a:t>
             </a:r>
             <a:endParaRPr lang="ko-KR" altLang="en-US" sz="5400" dirty="0"/>
           </a:p>
@@ -3408,21 +3388,13 @@
           <a:p>
             <a:r>
               <a:rPr lang="en-US" altLang="ko-KR" dirty="0"/>
-              <a:t>2021315385</a:t>
+              <a:t>Your student ID</a:t>
             </a:r>
           </a:p>
           <a:p>
             <a:r>
               <a:rPr lang="en-US" altLang="ko-KR" dirty="0"/>
-              <a:t> </a:t>
-            </a:r>
-            <a:r>
-              <a:rPr lang="ko-KR" altLang="en-US" dirty="0"/>
-              <a:t>이건 </a:t>
-            </a:r>
-            <a:r>
-              <a:rPr lang="en-US" altLang="ko-KR" dirty="0"/>
-              <a:t>/ Gun Daniel Lee</a:t>
+              <a:t>Your name</a:t>
             </a:r>
             <a:endParaRPr lang="ko-KR" altLang="en-US" dirty="0"/>
           </a:p>
@@ -3505,55 +3477,20 @@
         </p:nvSpPr>
         <p:spPr/>
         <p:txBody>
-          <a:bodyPr>
-            <a:normAutofit/>
-          </a:bodyPr>
+          <a:bodyPr/>
           <a:lstStyle/>
           <a:p>
             <a:r>
               <a:rPr lang="en-US" altLang="ko-KR" dirty="0"/>
-              <a:t>Given two numbers </a:t>
-            </a:r>
-            <a:r>
-              <a:rPr lang="en-US" altLang="ko-KR" i="1" dirty="0"/>
-              <a:t>n </a:t>
-            </a:r>
+              <a:t>Explain the problem.</a:t>
+            </a:r>
+          </a:p>
+          <a:p>
             <a:r>
               <a:rPr lang="en-US" altLang="ko-KR" dirty="0"/>
-              <a:t>and </a:t>
-            </a:r>
-            <a:r>
-              <a:rPr lang="en-US" altLang="ko-KR" i="1" dirty="0"/>
-              <a:t>k,</a:t>
-            </a:r>
-            <a:r>
-              <a:rPr lang="en-US" altLang="ko-KR" dirty="0"/>
-              <a:t> determine the number of wats one can put </a:t>
-            </a:r>
-            <a:r>
-              <a:rPr lang="en-US" altLang="ko-KR" i="1" dirty="0"/>
-              <a:t>k</a:t>
-            </a:r>
-            <a:r>
-              <a:rPr lang="en-US" altLang="ko-KR" dirty="0"/>
-              <a:t> bishops on an </a:t>
-            </a:r>
-            <a:r>
-              <a:rPr lang="en-US" altLang="ko-KR" i="1" dirty="0"/>
-              <a:t>n </a:t>
-            </a:r>
-            <a:r>
-              <a:rPr lang="en-US" altLang="ko-KR" dirty="0"/>
-              <a:t>x </a:t>
-            </a:r>
-            <a:r>
-              <a:rPr lang="en-US" altLang="ko-KR" i="1" dirty="0"/>
-              <a:t>n </a:t>
-            </a:r>
-            <a:r>
-              <a:rPr lang="en-US" altLang="ko-KR" dirty="0"/>
-              <a:t>chessboard so that no two of them are in attacking positions</a:t>
-            </a:r>
+              <a:t>You can use multiple slides.</a:t>
+            </a:r>
+            <a:endParaRPr lang="ko-KR" altLang="en-US" dirty="0"/>
           </a:p>
         </p:txBody>
       </p:sp>
@@ -3634,38 +3571,37 @@
         </p:nvSpPr>
         <p:spPr/>
         <p:txBody>
-          <a:bodyPr>
-            <a:normAutofit/>
-          </a:bodyPr>
+          <a:bodyPr/>
           <a:lstStyle/>
           <a:p>
             <a:r>
               <a:rPr lang="en-US" altLang="ko-KR" dirty="0"/>
-              <a:t>Implement a backtracking search</a:t>
-            </a:r>
-          </a:p>
-          <a:p>
-            <a:endParaRPr lang="en-US" altLang="ko-KR" dirty="0"/>
-          </a:p>
-          <a:p>
+              <a:t>Explain your solution</a:t>
+            </a:r>
+          </a:p>
+          <a:p>
+            <a:pPr lvl="1"/>
             <a:r>
               <a:rPr lang="en-US" altLang="ko-KR" dirty="0"/>
-              <a:t>The implementation is similar to the eight queens problem except:</a:t>
+              <a:t>With an example and </a:t>
             </a:r>
           </a:p>
           <a:p>
             <a:pPr lvl="1"/>
             <a:r>
               <a:rPr lang="en-US" altLang="ko-KR" dirty="0"/>
-              <a:t>Board is now n X n</a:t>
-            </a:r>
-          </a:p>
-          <a:p>
-            <a:pPr lvl="1"/>
+              <a:t>With your code (may not be applicable to exercise)</a:t>
+            </a:r>
+          </a:p>
+          <a:p>
             <a:r>
               <a:rPr lang="en-US" altLang="ko-KR" dirty="0"/>
-              <a:t>Bishops are used</a:t>
-            </a:r>
+              <a:t>You can use multiple slides.</a:t>
+            </a:r>
+            <a:endParaRPr lang="ko-KR" altLang="en-US" dirty="0"/>
+          </a:p>
+          <a:p>
+            <a:endParaRPr lang="ko-KR" altLang="en-US" dirty="0"/>
           </a:p>
         </p:txBody>
       </p:sp>
@@ -3704,7 +3640,7 @@
           <p:cNvPr id="2" name="제목 1">
             <a:extLst>
               <a:ext uri="{FF2B5EF4-FFF2-40B4-BE49-F238E27FC236}">
-                <a16:creationId xmlns:a16="http://schemas.microsoft.com/office/drawing/2014/main" id="{9F8CD7E5-D0ED-4CE6-9E0F-73F3F28383E7}"/>
+                <a16:creationId xmlns:a16="http://schemas.microsoft.com/office/drawing/2014/main" id="{298D9384-1A78-4243-AAD9-3E424BB0B186}"/>
               </a:ext>
             </a:extLst>
           </p:cNvPr>
@@ -3722,7 +3658,7 @@
           <a:p>
             <a:r>
               <a:rPr lang="en-US" altLang="ko-KR" dirty="0"/>
-              <a:t>Solution explanation</a:t>
+              <a:t>Solution analysis (optional)</a:t>
             </a:r>
             <a:endParaRPr lang="ko-KR" altLang="en-US" dirty="0"/>
           </a:p>
@@ -3733,7 +3669,7 @@
           <p:cNvPr id="3" name="내용 개체 틀 2">
             <a:extLst>
               <a:ext uri="{FF2B5EF4-FFF2-40B4-BE49-F238E27FC236}">
-                <a16:creationId xmlns:a16="http://schemas.microsoft.com/office/drawing/2014/main" id="{8282CF88-3667-4B1B-9BAC-ED7303E7B57E}"/>
+                <a16:creationId xmlns:a16="http://schemas.microsoft.com/office/drawing/2014/main" id="{C3003A86-BFE0-45DE-9CDC-7D03B4B552D4}"/>
               </a:ext>
             </a:extLst>
           </p:cNvPr>
@@ -3746,444 +3682,55 @@
         </p:nvSpPr>
         <p:spPr/>
         <p:txBody>
-          <a:bodyPr>
-            <a:normAutofit/>
-          </a:bodyPr>
+          <a:bodyPr/>
           <a:lstStyle/>
           <a:p>
             <a:r>
               <a:rPr lang="en-US" altLang="ko-KR" dirty="0"/>
-              <a:t>Difference between the queens problem and the current bishop problem:</a:t>
+              <a:t>If you want, analyze your solution.</a:t>
             </a:r>
           </a:p>
           <a:p>
             <a:pPr lvl="1"/>
             <a:r>
               <a:rPr lang="en-US" altLang="ko-KR" dirty="0"/>
-              <a:t>A bishop does not move vertically and horizontally</a:t>
-            </a:r>
+              <a:t>For example, explain pros and cons of your solution.</a:t>
+            </a:r>
+          </a:p>
+          <a:p>
+            <a:pPr lvl="1"/>
+            <a:r>
+              <a:rPr lang="en-US" altLang="ko-KR" dirty="0"/>
+              <a:t>For example, explain which inputs are favorable to your solution.</a:t>
+            </a:r>
+          </a:p>
+          <a:p>
+            <a:pPr lvl="1"/>
+            <a:r>
+              <a:rPr lang="en-US" altLang="ko-KR" dirty="0"/>
+              <a:t>For example, analyze efficiency of your solution in terms of time and/or space.</a:t>
+            </a:r>
+          </a:p>
+          <a:p>
+            <a:pPr lvl="1"/>
+            <a:endParaRPr lang="en-US" altLang="ko-KR" dirty="0"/>
+          </a:p>
+          <a:p>
+            <a:r>
+              <a:rPr lang="en-US" altLang="ko-KR" dirty="0"/>
+              <a:t>You can use multiple slides.</a:t>
+            </a:r>
+            <a:endParaRPr lang="ko-KR" altLang="en-US" dirty="0"/>
+          </a:p>
+          <a:p>
+            <a:endParaRPr lang="ko-KR" altLang="en-US" dirty="0"/>
           </a:p>
         </p:txBody>
       </p:sp>
     </p:spTree>
     <p:extLst>
       <p:ext uri="{BB962C8B-B14F-4D97-AF65-F5344CB8AC3E}">
-        <p14:creationId xmlns:p14="http://schemas.microsoft.com/office/powerpoint/2010/main" val="2470080107"/>
-      </p:ext>
-    </p:extLst>
-  </p:cSld>
-  <p:clrMapOvr>
-    <a:masterClrMapping/>
-  </p:clrMapOvr>
-</p:sld>
-</file>
-
-<file path=ppt/slides/slide5.xml><?xml version="1.0" encoding="utf-8"?>
-<p:sld xmlns:a="http://schemas.openxmlformats.org/drawingml/2006/main" xmlns:r="http://schemas.openxmlformats.org/officeDocument/2006/relationships" xmlns:p="http://schemas.openxmlformats.org/presentationml/2006/main">
-  <p:cSld>
-    <p:spTree>
-      <p:nvGrpSpPr>
-        <p:cNvPr id="1" name=""/>
-        <p:cNvGrpSpPr/>
-        <p:nvPr/>
-      </p:nvGrpSpPr>
-      <p:grpSpPr>
-        <a:xfrm>
-          <a:off x="0" y="0"/>
-          <a:ext cx="0" cy="0"/>
-          <a:chOff x="0" y="0"/>
-          <a:chExt cx="0" cy="0"/>
-        </a:xfrm>
-      </p:grpSpPr>
-      <p:sp>
-        <p:nvSpPr>
-          <p:cNvPr id="2" name="제목 1">
-            <a:extLst>
-              <a:ext uri="{FF2B5EF4-FFF2-40B4-BE49-F238E27FC236}">
-                <a16:creationId xmlns:a16="http://schemas.microsoft.com/office/drawing/2014/main" id="{9F8CD7E5-D0ED-4CE6-9E0F-73F3F28383E7}"/>
-              </a:ext>
-            </a:extLst>
-          </p:cNvPr>
-          <p:cNvSpPr>
-            <a:spLocks noGrp="1"/>
-          </p:cNvSpPr>
-          <p:nvPr>
-            <p:ph type="title"/>
-          </p:nvPr>
-        </p:nvSpPr>
-        <p:spPr/>
-        <p:txBody>
-          <a:bodyPr/>
-          <a:lstStyle/>
-          <a:p>
-            <a:r>
-              <a:rPr lang="en-US" altLang="ko-KR" dirty="0"/>
-              <a:t>Solution explanation</a:t>
-            </a:r>
-            <a:endParaRPr lang="ko-KR" altLang="en-US" dirty="0"/>
-          </a:p>
-        </p:txBody>
-      </p:sp>
-      <p:sp>
-        <p:nvSpPr>
-          <p:cNvPr id="3" name="내용 개체 틀 2">
-            <a:extLst>
-              <a:ext uri="{FF2B5EF4-FFF2-40B4-BE49-F238E27FC236}">
-                <a16:creationId xmlns:a16="http://schemas.microsoft.com/office/drawing/2014/main" id="{8282CF88-3667-4B1B-9BAC-ED7303E7B57E}"/>
-              </a:ext>
-            </a:extLst>
-          </p:cNvPr>
-          <p:cNvSpPr>
-            <a:spLocks noGrp="1"/>
-          </p:cNvSpPr>
-          <p:nvPr>
-            <p:ph idx="1"/>
-          </p:nvPr>
-        </p:nvSpPr>
-        <p:spPr/>
-        <p:txBody>
-          <a:bodyPr>
-            <a:normAutofit/>
-          </a:bodyPr>
-          <a:lstStyle/>
-          <a:p>
-            <a:r>
-              <a:rPr lang="en-US" altLang="ko-KR" dirty="0"/>
-              <a:t>When basing off the </a:t>
-            </a:r>
-            <a:r>
-              <a:rPr lang="en-US" altLang="ko-KR" dirty="0" err="1"/>
-              <a:t>construct_candidates</a:t>
-            </a:r>
-            <a:r>
-              <a:rPr lang="en-US" altLang="ko-KR" dirty="0"/>
-              <a:t> in the eight queens problem:</a:t>
-            </a:r>
-          </a:p>
-          <a:p>
-            <a:pPr lvl="1"/>
-            <a:r>
-              <a:rPr lang="en-US" altLang="ko-KR" dirty="0"/>
-              <a:t>Disregard column threats to </a:t>
-            </a:r>
-          </a:p>
-          <a:p>
-            <a:pPr marL="457200" lvl="1" indent="0">
-              <a:buNone/>
-            </a:pPr>
-            <a:r>
-              <a:rPr lang="en-US" altLang="ko-KR" dirty="0"/>
-              <a:t>adjust to bishops</a:t>
-            </a:r>
-          </a:p>
-        </p:txBody>
-      </p:sp>
-      <p:pic>
-        <p:nvPicPr>
-          <p:cNvPr id="5" name="Picture 4">
-            <a:extLst>
-              <a:ext uri="{FF2B5EF4-FFF2-40B4-BE49-F238E27FC236}">
-                <a16:creationId xmlns:a16="http://schemas.microsoft.com/office/drawing/2014/main" id="{7ADD3A81-F722-95CC-312B-728FEFF55D7A}"/>
-              </a:ext>
-            </a:extLst>
-          </p:cNvPr>
-          <p:cNvPicPr>
-            <a:picLocks noChangeAspect="1"/>
-          </p:cNvPicPr>
-          <p:nvPr/>
-        </p:nvPicPr>
-        <p:blipFill>
-          <a:blip r:embed="rId2"/>
-          <a:stretch>
-            <a:fillRect/>
-          </a:stretch>
-        </p:blipFill>
-        <p:spPr>
-          <a:xfrm>
-            <a:off x="6096000" y="2432479"/>
-            <a:ext cx="5707369" cy="3744484"/>
-          </a:xfrm>
-          <a:prstGeom prst="rect">
-            <a:avLst/>
-          </a:prstGeom>
-        </p:spPr>
-      </p:pic>
-    </p:spTree>
-    <p:extLst>
-      <p:ext uri="{BB962C8B-B14F-4D97-AF65-F5344CB8AC3E}">
-        <p14:creationId xmlns:p14="http://schemas.microsoft.com/office/powerpoint/2010/main" val="3036486931"/>
-      </p:ext>
-    </p:extLst>
-  </p:cSld>
-  <p:clrMapOvr>
-    <a:masterClrMapping/>
-  </p:clrMapOvr>
-</p:sld>
-</file>
-
-<file path=ppt/slides/slide6.xml><?xml version="1.0" encoding="utf-8"?>
-<p:sld xmlns:a="http://schemas.openxmlformats.org/drawingml/2006/main" xmlns:r="http://schemas.openxmlformats.org/officeDocument/2006/relationships" xmlns:p="http://schemas.openxmlformats.org/presentationml/2006/main">
-  <p:cSld>
-    <p:spTree>
-      <p:nvGrpSpPr>
-        <p:cNvPr id="1" name=""/>
-        <p:cNvGrpSpPr/>
-        <p:nvPr/>
-      </p:nvGrpSpPr>
-      <p:grpSpPr>
-        <a:xfrm>
-          <a:off x="0" y="0"/>
-          <a:ext cx="0" cy="0"/>
-          <a:chOff x="0" y="0"/>
-          <a:chExt cx="0" cy="0"/>
-        </a:xfrm>
-      </p:grpSpPr>
-      <p:sp>
-        <p:nvSpPr>
-          <p:cNvPr id="2" name="제목 1">
-            <a:extLst>
-              <a:ext uri="{FF2B5EF4-FFF2-40B4-BE49-F238E27FC236}">
-                <a16:creationId xmlns:a16="http://schemas.microsoft.com/office/drawing/2014/main" id="{9F8CD7E5-D0ED-4CE6-9E0F-73F3F28383E7}"/>
-              </a:ext>
-            </a:extLst>
-          </p:cNvPr>
-          <p:cNvSpPr>
-            <a:spLocks noGrp="1"/>
-          </p:cNvSpPr>
-          <p:nvPr>
-            <p:ph type="title"/>
-          </p:nvPr>
-        </p:nvSpPr>
-        <p:spPr/>
-        <p:txBody>
-          <a:bodyPr/>
-          <a:lstStyle/>
-          <a:p>
-            <a:r>
-              <a:rPr lang="en-US" altLang="ko-KR" dirty="0"/>
-              <a:t>Solution explanation</a:t>
-            </a:r>
-            <a:endParaRPr lang="ko-KR" altLang="en-US" dirty="0"/>
-          </a:p>
-        </p:txBody>
-      </p:sp>
-      <p:sp>
-        <p:nvSpPr>
-          <p:cNvPr id="3" name="내용 개체 틀 2">
-            <a:extLst>
-              <a:ext uri="{FF2B5EF4-FFF2-40B4-BE49-F238E27FC236}">
-                <a16:creationId xmlns:a16="http://schemas.microsoft.com/office/drawing/2014/main" id="{8282CF88-3667-4B1B-9BAC-ED7303E7B57E}"/>
-              </a:ext>
-            </a:extLst>
-          </p:cNvPr>
-          <p:cNvSpPr>
-            <a:spLocks noGrp="1"/>
-          </p:cNvSpPr>
-          <p:nvPr>
-            <p:ph idx="1"/>
-          </p:nvPr>
-        </p:nvSpPr>
-        <p:spPr/>
-        <p:txBody>
-          <a:bodyPr>
-            <a:normAutofit/>
-          </a:bodyPr>
-          <a:lstStyle/>
-          <a:p>
-            <a:r>
-              <a:rPr lang="en-US" altLang="ko-KR" dirty="0"/>
-              <a:t>Otherwise, the rest follow the backtracking process:</a:t>
-            </a:r>
-          </a:p>
-          <a:p>
-            <a:endParaRPr lang="en-US" altLang="ko-KR" dirty="0"/>
-          </a:p>
-          <a:p>
-            <a:r>
-              <a:rPr lang="en-US" altLang="ko-KR" dirty="0"/>
-              <a:t>Continually find all candidates for solutions and keep track of all the legal moves</a:t>
-            </a:r>
-          </a:p>
-        </p:txBody>
-      </p:sp>
-    </p:spTree>
-    <p:extLst>
-      <p:ext uri="{BB962C8B-B14F-4D97-AF65-F5344CB8AC3E}">
-        <p14:creationId xmlns:p14="http://schemas.microsoft.com/office/powerpoint/2010/main" val="1180036273"/>
-      </p:ext>
-    </p:extLst>
-  </p:cSld>
-  <p:clrMapOvr>
-    <a:masterClrMapping/>
-  </p:clrMapOvr>
-</p:sld>
-</file>
-
-<file path=ppt/slides/slide7.xml><?xml version="1.0" encoding="utf-8"?>
-<p:sld xmlns:a="http://schemas.openxmlformats.org/drawingml/2006/main" xmlns:r="http://schemas.openxmlformats.org/officeDocument/2006/relationships" xmlns:p="http://schemas.openxmlformats.org/presentationml/2006/main">
-  <p:cSld>
-    <p:spTree>
-      <p:nvGrpSpPr>
-        <p:cNvPr id="1" name=""/>
-        <p:cNvGrpSpPr/>
-        <p:nvPr/>
-      </p:nvGrpSpPr>
-      <p:grpSpPr>
-        <a:xfrm>
-          <a:off x="0" y="0"/>
-          <a:ext cx="0" cy="0"/>
-          <a:chOff x="0" y="0"/>
-          <a:chExt cx="0" cy="0"/>
-        </a:xfrm>
-      </p:grpSpPr>
-      <p:sp>
-        <p:nvSpPr>
-          <p:cNvPr id="2" name="제목 1">
-            <a:extLst>
-              <a:ext uri="{FF2B5EF4-FFF2-40B4-BE49-F238E27FC236}">
-                <a16:creationId xmlns:a16="http://schemas.microsoft.com/office/drawing/2014/main" id="{298D9384-1A78-4243-AAD9-3E424BB0B186}"/>
-              </a:ext>
-            </a:extLst>
-          </p:cNvPr>
-          <p:cNvSpPr>
-            <a:spLocks noGrp="1"/>
-          </p:cNvSpPr>
-          <p:nvPr>
-            <p:ph type="title"/>
-          </p:nvPr>
-        </p:nvSpPr>
-        <p:spPr/>
-        <p:txBody>
-          <a:bodyPr/>
-          <a:lstStyle/>
-          <a:p>
-            <a:r>
-              <a:rPr lang="en-US" altLang="ko-KR" dirty="0"/>
-              <a:t>Solution analysis</a:t>
-            </a:r>
-            <a:endParaRPr lang="ko-KR" altLang="en-US" dirty="0"/>
-          </a:p>
-        </p:txBody>
-      </p:sp>
-      <p:sp>
-        <p:nvSpPr>
-          <p:cNvPr id="3" name="내용 개체 틀 2">
-            <a:extLst>
-              <a:ext uri="{FF2B5EF4-FFF2-40B4-BE49-F238E27FC236}">
-                <a16:creationId xmlns:a16="http://schemas.microsoft.com/office/drawing/2014/main" id="{C3003A86-BFE0-45DE-9CDC-7D03B4B552D4}"/>
-              </a:ext>
-            </a:extLst>
-          </p:cNvPr>
-          <p:cNvSpPr>
-            <a:spLocks noGrp="1"/>
-          </p:cNvSpPr>
-          <p:nvPr>
-            <p:ph idx="1"/>
-          </p:nvPr>
-        </p:nvSpPr>
-        <p:spPr/>
-        <p:txBody>
-          <a:bodyPr>
-            <a:normAutofit/>
-          </a:bodyPr>
-          <a:lstStyle/>
-          <a:p>
-            <a:r>
-              <a:rPr lang="en-US" altLang="ko-KR" dirty="0"/>
-              <a:t>Pros: Safely checks all possible combinations</a:t>
-            </a:r>
-          </a:p>
-          <a:p>
-            <a:pPr marL="457200" lvl="1" indent="0">
-              <a:buNone/>
-            </a:pPr>
-            <a:endParaRPr lang="en-US" altLang="ko-KR" dirty="0"/>
-          </a:p>
-          <a:p>
-            <a:r>
-              <a:rPr lang="en-US" altLang="ko-KR" dirty="0"/>
-              <a:t>Cons: Since it is similar to brute force, the time complexity is worse</a:t>
-            </a:r>
-          </a:p>
-          <a:p>
-            <a:pPr lvl="1"/>
-            <a:r>
-              <a:rPr lang="en-US" altLang="ko-KR" dirty="0"/>
-              <a:t>There may be a better and more methodological approach to this problem</a:t>
-            </a:r>
-          </a:p>
-        </p:txBody>
-      </p:sp>
-    </p:spTree>
-    <p:extLst>
-      <p:ext uri="{BB962C8B-B14F-4D97-AF65-F5344CB8AC3E}">
-        <p14:creationId xmlns:p14="http://schemas.microsoft.com/office/powerpoint/2010/main" val="1451820872"/>
-      </p:ext>
-    </p:extLst>
-  </p:cSld>
-  <p:clrMapOvr>
-    <a:masterClrMapping/>
-  </p:clrMapOvr>
-</p:sld>
-</file>
-
-<file path=ppt/slides/slide8.xml><?xml version="1.0" encoding="utf-8"?>
-<p:sld xmlns:a="http://schemas.openxmlformats.org/drawingml/2006/main" xmlns:r="http://schemas.openxmlformats.org/officeDocument/2006/relationships" xmlns:p="http://schemas.openxmlformats.org/presentationml/2006/main">
-  <p:cSld>
-    <p:spTree>
-      <p:nvGrpSpPr>
-        <p:cNvPr id="1" name=""/>
-        <p:cNvGrpSpPr/>
-        <p:nvPr/>
-      </p:nvGrpSpPr>
-      <p:grpSpPr>
-        <a:xfrm>
-          <a:off x="0" y="0"/>
-          <a:ext cx="0" cy="0"/>
-          <a:chOff x="0" y="0"/>
-          <a:chExt cx="0" cy="0"/>
-        </a:xfrm>
-      </p:grpSpPr>
-      <p:sp>
-        <p:nvSpPr>
-          <p:cNvPr id="2" name="제목 1">
-            <a:extLst>
-              <a:ext uri="{FF2B5EF4-FFF2-40B4-BE49-F238E27FC236}">
-                <a16:creationId xmlns:a16="http://schemas.microsoft.com/office/drawing/2014/main" id="{9548E58D-BA9D-4171-8A3F-F65138A50A60}"/>
-              </a:ext>
-            </a:extLst>
-          </p:cNvPr>
-          <p:cNvSpPr>
-            <a:spLocks noGrp="1"/>
-          </p:cNvSpPr>
-          <p:nvPr>
-            <p:ph type="ctrTitle"/>
-          </p:nvPr>
-        </p:nvSpPr>
-        <p:spPr>
-          <a:xfrm>
-            <a:off x="1524000" y="2421227"/>
-            <a:ext cx="9144000" cy="1407477"/>
-          </a:xfrm>
-        </p:spPr>
-        <p:txBody>
-          <a:bodyPr>
-            <a:normAutofit/>
-          </a:bodyPr>
-          <a:lstStyle/>
-          <a:p>
-            <a:r>
-              <a:rPr lang="en-US" altLang="ko-KR" sz="5400" dirty="0"/>
-              <a:t>Thank you!</a:t>
-            </a:r>
-            <a:endParaRPr lang="ko-KR" altLang="en-US" sz="5400" dirty="0"/>
-          </a:p>
-        </p:txBody>
-      </p:sp>
-    </p:spTree>
-    <p:extLst>
-      <p:ext uri="{BB962C8B-B14F-4D97-AF65-F5344CB8AC3E}">
-        <p14:creationId xmlns:p14="http://schemas.microsoft.com/office/powerpoint/2010/main" val="2021090025"/>
+        <p14:creationId xmlns:p14="http://schemas.microsoft.com/office/powerpoint/2010/main" val="866043535"/>
       </p:ext>
     </p:extLst>
   </p:cSld>
